--- a/docs/Apache Ignite as Kubernetes Store.pptx
+++ b/docs/Apache Ignite as Kubernetes Store.pptx
@@ -17,6 +17,7 @@
     <p:sldId id="262" r:id="rId12"/>
     <p:sldId id="263" r:id="rId13"/>
     <p:sldId id="264" r:id="rId14"/>
+    <p:sldId id="265" r:id="rId15"/>
   </p:sldIdLst>
   <p:sldSz cy="5143500" cx="9144000"/>
   <p:notesSz cx="6858000" cy="9144000"/>
@@ -749,6 +750,105 @@
       <p:sp>
         <p:nvSpPr>
           <p:cNvPr id="52" name="Google Shape;52;gc8921fd8c2_0_0:notes"/>
+          <p:cNvSpPr txBox="1"/>
+          <p:nvPr>
+            <p:ph idx="1" type="body"/>
+          </p:nvPr>
+        </p:nvSpPr>
+        <p:spPr>
+          <a:xfrm>
+            <a:off x="685800" y="4343400"/>
+            <a:ext cx="5486400" cy="4114800"/>
+          </a:xfrm>
+          <a:prstGeom prst="rect">
+            <a:avLst/>
+          </a:prstGeom>
+        </p:spPr>
+        <p:txBody>
+          <a:bodyPr anchorCtr="0" anchor="t" bIns="91425" lIns="91425" spcFirstLastPara="1" rIns="91425" wrap="square" tIns="91425">
+            <a:noAutofit/>
+          </a:bodyPr>
+          <a:lstStyle/>
+          <a:p>
+            <a:pPr indent="0" lvl="0" marL="0" rtl="0" algn="l">
+              <a:spcBef>
+                <a:spcPts val="0"/>
+              </a:spcBef>
+              <a:spcAft>
+                <a:spcPts val="0"/>
+              </a:spcAft>
+              <a:buNone/>
+            </a:pPr>
+            <a:r>
+              <a:t/>
+            </a:r>
+            <a:endParaRPr/>
+          </a:p>
+        </p:txBody>
+      </p:sp>
+    </p:spTree>
+  </p:cSld>
+  <p:clrMapOvr>
+    <a:masterClrMapping/>
+  </p:clrMapOvr>
+</p:notes>
+</file>
+
+<file path=ppt/notesSlides/notesSlide10.xml><?xml version="1.0" encoding="utf-8"?>
+<p:notes xmlns:a="http://schemas.openxmlformats.org/drawingml/2006/main" xmlns:r="http://schemas.openxmlformats.org/officeDocument/2006/relationships" xmlns:mc="http://schemas.openxmlformats.org/markup-compatibility/2006" xmlns:mv="urn:schemas-microsoft-com:mac:vml" xmlns:p="http://schemas.openxmlformats.org/presentationml/2006/main" xmlns:c="http://schemas.openxmlformats.org/drawingml/2006/chart" xmlns:dgm="http://schemas.openxmlformats.org/drawingml/2006/diagram" xmlns:o="urn:schemas-microsoft-com:office:office" xmlns:v="urn:schemas-microsoft-com:vml" xmlns:pvml="urn:schemas-microsoft-com:office:powerpoint" xmlns:com="http://schemas.openxmlformats.org/drawingml/2006/compatibility" xmlns:p14="http://schemas.microsoft.com/office/powerpoint/2010/main" xmlns:p15="http://schemas.microsoft.com/office/powerpoint/2012/main" xmlns:ahyp="http://schemas.microsoft.com/office/drawing/2018/hyperlinkcolor" showMasterPhAnim="0" showMasterSp="0">
+  <p:cSld>
+    <p:spTree>
+      <p:nvGrpSpPr>
+        <p:cNvPr id="106" name="Shape 106"/>
+        <p:cNvGrpSpPr/>
+        <p:nvPr/>
+      </p:nvGrpSpPr>
+      <p:grpSpPr>
+        <a:xfrm>
+          <a:off x="0" y="0"/>
+          <a:ext cx="0" cy="0"/>
+          <a:chOff x="0" y="0"/>
+          <a:chExt cx="0" cy="0"/>
+        </a:xfrm>
+      </p:grpSpPr>
+      <p:sp>
+        <p:nvSpPr>
+          <p:cNvPr id="107" name="Google Shape;107;gc8921fd8c2_0_109:notes"/>
+          <p:cNvSpPr/>
+          <p:nvPr>
+            <p:ph idx="2" type="sldImg"/>
+          </p:nvPr>
+        </p:nvSpPr>
+        <p:spPr>
+          <a:xfrm>
+            <a:off x="381300" y="685800"/>
+            <a:ext cx="6096000" cy="3429000"/>
+          </a:xfrm>
+          <a:custGeom>
+            <a:rect b="b" l="l" r="r" t="t"/>
+            <a:pathLst>
+              <a:path extrusionOk="0" h="120000" w="120000">
+                <a:moveTo>
+                  <a:pt x="0" y="0"/>
+                </a:moveTo>
+                <a:lnTo>
+                  <a:pt x="120000" y="0"/>
+                </a:lnTo>
+                <a:lnTo>
+                  <a:pt x="120000" y="120000"/>
+                </a:lnTo>
+                <a:lnTo>
+                  <a:pt x="0" y="120000"/>
+                </a:lnTo>
+                <a:close/>
+              </a:path>
+            </a:pathLst>
+          </a:custGeom>
+        </p:spPr>
+      </p:sp>
+      <p:sp>
+        <p:nvSpPr>
+          <p:cNvPr id="108" name="Google Shape;108;gc8921fd8c2_0_109:notes"/>
           <p:cNvSpPr txBox="1"/>
           <p:nvPr>
             <p:ph idx="1" type="body"/>
@@ -6338,6 +6438,110 @@
 </p:sld>
 </file>
 
+<file path=ppt/slides/slide10.xml><?xml version="1.0" encoding="utf-8"?>
+<p:sld xmlns:a="http://schemas.openxmlformats.org/drawingml/2006/main" xmlns:r="http://schemas.openxmlformats.org/officeDocument/2006/relationships" xmlns:mc="http://schemas.openxmlformats.org/markup-compatibility/2006" xmlns:mv="urn:schemas-microsoft-com:mac:vml" xmlns:p="http://schemas.openxmlformats.org/presentationml/2006/main" xmlns:c="http://schemas.openxmlformats.org/drawingml/2006/chart" xmlns:dgm="http://schemas.openxmlformats.org/drawingml/2006/diagram" xmlns:o="urn:schemas-microsoft-com:office:office" xmlns:v="urn:schemas-microsoft-com:vml" xmlns:pvml="urn:schemas-microsoft-com:office:powerpoint" xmlns:com="http://schemas.openxmlformats.org/drawingml/2006/compatibility" xmlns:p14="http://schemas.microsoft.com/office/powerpoint/2010/main" xmlns:p15="http://schemas.microsoft.com/office/powerpoint/2012/main" xmlns:ahyp="http://schemas.microsoft.com/office/drawing/2018/hyperlinkcolor">
+  <p:cSld>
+    <p:spTree>
+      <p:nvGrpSpPr>
+        <p:cNvPr id="109" name="Shape 109"/>
+        <p:cNvGrpSpPr/>
+        <p:nvPr/>
+      </p:nvGrpSpPr>
+      <p:grpSpPr>
+        <a:xfrm>
+          <a:off x="0" y="0"/>
+          <a:ext cx="0" cy="0"/>
+          <a:chOff x="0" y="0"/>
+          <a:chExt cx="0" cy="0"/>
+        </a:xfrm>
+      </p:grpSpPr>
+      <p:sp>
+        <p:nvSpPr>
+          <p:cNvPr id="110" name="Google Shape;110;p22"/>
+          <p:cNvSpPr txBox="1"/>
+          <p:nvPr>
+            <p:ph type="title"/>
+          </p:nvPr>
+        </p:nvSpPr>
+        <p:spPr>
+          <a:xfrm>
+            <a:off x="311700" y="445025"/>
+            <a:ext cx="8520600" cy="572700"/>
+          </a:xfrm>
+          <a:prstGeom prst="rect">
+            <a:avLst/>
+          </a:prstGeom>
+        </p:spPr>
+        <p:txBody>
+          <a:bodyPr anchorCtr="0" anchor="t" bIns="91425" lIns="91425" spcFirstLastPara="1" rIns="91425" wrap="square" tIns="91425">
+            <a:normAutofit fontScale="90000"/>
+          </a:bodyPr>
+          <a:lstStyle/>
+          <a:p>
+            <a:pPr indent="0" lvl="0" marL="0" rtl="0" algn="l">
+              <a:spcBef>
+                <a:spcPts val="0"/>
+              </a:spcBef>
+              <a:spcAft>
+                <a:spcPts val="0"/>
+              </a:spcAft>
+              <a:buNone/>
+            </a:pPr>
+            <a:r>
+              <a:rPr lang="ru"/>
+              <a:t>TODO: Costs</a:t>
+            </a:r>
+            <a:endParaRPr/>
+          </a:p>
+        </p:txBody>
+      </p:sp>
+      <p:sp>
+        <p:nvSpPr>
+          <p:cNvPr id="111" name="Google Shape;111;p22"/>
+          <p:cNvSpPr txBox="1"/>
+          <p:nvPr>
+            <p:ph idx="1" type="body"/>
+          </p:nvPr>
+        </p:nvSpPr>
+        <p:spPr>
+          <a:xfrm>
+            <a:off x="311700" y="1152475"/>
+            <a:ext cx="8520600" cy="3416400"/>
+          </a:xfrm>
+          <a:prstGeom prst="rect">
+            <a:avLst/>
+          </a:prstGeom>
+        </p:spPr>
+        <p:txBody>
+          <a:bodyPr anchorCtr="0" anchor="t" bIns="91425" lIns="91425" spcFirstLastPara="1" rIns="91425" wrap="square" tIns="91425">
+            <a:normAutofit/>
+          </a:bodyPr>
+          <a:lstStyle/>
+          <a:p>
+            <a:pPr indent="0" lvl="0" marL="0" rtl="0" algn="l">
+              <a:spcBef>
+                <a:spcPts val="0"/>
+              </a:spcBef>
+              <a:spcAft>
+                <a:spcPts val="1200"/>
+              </a:spcAft>
+              <a:buNone/>
+            </a:pPr>
+            <a:r>
+              <a:t/>
+            </a:r>
+            <a:endParaRPr/>
+          </a:p>
+        </p:txBody>
+      </p:sp>
+    </p:spTree>
+  </p:cSld>
+  <p:clrMapOvr>
+    <a:masterClrMapping/>
+  </p:clrMapOvr>
+</p:sld>
+</file>
+
 <file path=ppt/slides/slide2.xml><?xml version="1.0" encoding="utf-8"?>
 <p:sld xmlns:a="http://schemas.openxmlformats.org/drawingml/2006/main" xmlns:r="http://schemas.openxmlformats.org/officeDocument/2006/relationships" xmlns:mc="http://schemas.openxmlformats.org/markup-compatibility/2006" xmlns:mv="urn:schemas-microsoft-com:mac:vml" xmlns:p="http://schemas.openxmlformats.org/presentationml/2006/main" xmlns:c="http://schemas.openxmlformats.org/drawingml/2006/chart" xmlns:dgm="http://schemas.openxmlformats.org/drawingml/2006/diagram" xmlns:o="urn:schemas-microsoft-com:office:office" xmlns:v="urn:schemas-microsoft-com:vml" xmlns:pvml="urn:schemas-microsoft-com:office:powerpoint" xmlns:com="http://schemas.openxmlformats.org/drawingml/2006/compatibility" xmlns:p14="http://schemas.microsoft.com/office/powerpoint/2010/main" xmlns:p15="http://schemas.microsoft.com/office/powerpoint/2012/main" xmlns:ahyp="http://schemas.microsoft.com/office/drawing/2018/hyperlinkcolor">
   <p:cSld>
@@ -6430,24 +6634,24 @@
             </a:pPr>
             <a:r>
               <a:rPr lang="ru"/>
-              <a:t>Native etcd latency is too high when there are 15K+ pods in Kubernetes cluster</a:t>
+              <a:t>No horizontal scalability: adding more etcd nodes does not improve latency</a:t>
             </a:r>
             <a:endParaRPr/>
           </a:p>
           <a:p>
-            <a:pPr indent="-342900" lvl="0" marL="457200" rtl="0" algn="l">
-              <a:spcBef>
-                <a:spcPts val="0"/>
-              </a:spcBef>
-              <a:spcAft>
-                <a:spcPts val="0"/>
-              </a:spcAft>
-              <a:buSzPts val="1800"/>
-              <a:buChar char="●"/>
+            <a:pPr indent="-317500" lvl="1" marL="914400" rtl="0" algn="l">
+              <a:spcBef>
+                <a:spcPts val="0"/>
+              </a:spcBef>
+              <a:spcAft>
+                <a:spcPts val="0"/>
+              </a:spcAft>
+              <a:buSzPts val="1400"/>
+              <a:buChar char="○"/>
             </a:pPr>
             <a:r>
               <a:rPr lang="ru"/>
-              <a:t>No horizontal scalability: adding more etcd nodes does not improve latency</a:t>
+              <a:t>Native etcd “freezes” when there are 15K+ pods in Kubernetes cluster</a:t>
             </a:r>
             <a:endParaRPr/>
           </a:p>
@@ -6572,7 +6776,7 @@
             </a:pPr>
             <a:r>
               <a:rPr lang="ru"/>
-              <a:t>Ignite-Etcd: shim layer converting Etcd to Ignite API</a:t>
+              <a:t>Ignite-Etcd: shim layer converting Etcd API to Ignite API</a:t>
             </a:r>
             <a:endParaRPr/>
           </a:p>
@@ -6589,7 +6793,7 @@
             </a:pPr>
             <a:r>
               <a:rPr lang="ru"/>
-              <a:t>Horizontal scaling saves costs</a:t>
+              <a:t>Horizontal scaling solves the problem</a:t>
             </a:r>
             <a:endParaRPr/>
           </a:p>
@@ -7320,11 +7524,11 @@
             </a:pPr>
             <a:r>
               <a:rPr lang="ru"/>
-              <a:t>Transparent data </a:t>
+              <a:t>Additional Transparent data </a:t>
             </a:r>
             <a:r>
               <a:rPr lang="ru"/>
-              <a:t>encryption</a:t>
+              <a:t>encryption (TDE)</a:t>
             </a:r>
             <a:r>
               <a:rPr lang="ru"/>
@@ -7707,7 +7911,7 @@
             </a:r>
             <a:r>
               <a:rPr lang="ru"/>
-              <a:t>			</a:t>
+              <a:t>	                         </a:t>
             </a:r>
             <a:r>
               <a:rPr lang="ru" u="sng">
@@ -7720,7 +7924,7 @@
             </a:r>
             <a:r>
               <a:rPr lang="ru"/>
-              <a:t>			 </a:t>
+              <a:t>                           </a:t>
             </a:r>
             <a:r>
               <a:rPr lang="ru" u="sng">
@@ -7821,6 +8025,285 @@
 </file>
 
 <file path=ppt/theme/theme1.xml><?xml version="1.0" encoding="utf-8"?>
+<a:theme xmlns:a="http://schemas.openxmlformats.org/drawingml/2006/main" xmlns:r="http://schemas.openxmlformats.org/officeDocument/2006/relationships" name="Simple Light">
+  <a:themeElements>
+    <a:clrScheme name="Simple Light">
+      <a:dk1>
+        <a:srgbClr val="000000"/>
+      </a:dk1>
+      <a:lt1>
+        <a:srgbClr val="FFFFFF"/>
+      </a:lt1>
+      <a:dk2>
+        <a:srgbClr val="595959"/>
+      </a:dk2>
+      <a:lt2>
+        <a:srgbClr val="EEEEEE"/>
+      </a:lt2>
+      <a:accent1>
+        <a:srgbClr val="4285F4"/>
+      </a:accent1>
+      <a:accent2>
+        <a:srgbClr val="212121"/>
+      </a:accent2>
+      <a:accent3>
+        <a:srgbClr val="78909C"/>
+      </a:accent3>
+      <a:accent4>
+        <a:srgbClr val="FFAB40"/>
+      </a:accent4>
+      <a:accent5>
+        <a:srgbClr val="0097A7"/>
+      </a:accent5>
+      <a:accent6>
+        <a:srgbClr val="EEFF41"/>
+      </a:accent6>
+      <a:hlink>
+        <a:srgbClr val="0097A7"/>
+      </a:hlink>
+      <a:folHlink>
+        <a:srgbClr val="0097A7"/>
+      </a:folHlink>
+    </a:clrScheme>
+    <a:fontScheme name="Office">
+      <a:majorFont>
+        <a:latin typeface="Arial"/>
+        <a:ea typeface=""/>
+        <a:cs typeface=""/>
+        <a:font script="Jpan" typeface="ＭＳ Ｐゴシック"/>
+        <a:font script="Hang" typeface="맑은 고딕"/>
+        <a:font script="Hans" typeface="宋体"/>
+        <a:font script="Hant" typeface="新細明體"/>
+        <a:font script="Arab" typeface="Times New Roman"/>
+        <a:font script="Hebr" typeface="Times New Roman"/>
+        <a:font script="Thai" typeface="Angsana New"/>
+        <a:font script="Ethi" typeface="Nyala"/>
+        <a:font script="Beng" typeface="Vrinda"/>
+        <a:font script="Gujr" typeface="Shruti"/>
+        <a:font script="Khmr" typeface="MoolBoran"/>
+        <a:font script="Knda" typeface="Tunga"/>
+        <a:font script="Guru" typeface="Raavi"/>
+        <a:font script="Cans" typeface="Euphemia"/>
+        <a:font script="Cher" typeface="Plantagenet Cherokee"/>
+        <a:font script="Yiii" typeface="Microsoft Yi Baiti"/>
+        <a:font script="Tibt" typeface="Microsoft Himalaya"/>
+        <a:font script="Thaa" typeface="MV Boli"/>
+        <a:font script="Deva" typeface="Mangal"/>
+        <a:font script="Telu" typeface="Gautami"/>
+        <a:font script="Taml" typeface="Latha"/>
+        <a:font script="Syrc" typeface="Estrangelo Edessa"/>
+        <a:font script="Orya" typeface="Kalinga"/>
+        <a:font script="Mlym" typeface="Kartika"/>
+        <a:font script="Laoo" typeface="DokChampa"/>
+        <a:font script="Sinh" typeface="Iskoola Pota"/>
+        <a:font script="Mong" typeface="Mongolian Baiti"/>
+        <a:font script="Viet" typeface="Times New Roman"/>
+        <a:font script="Uigh" typeface="Microsoft Uighur"/>
+        <a:font script="Geor" typeface="Sylfaen"/>
+      </a:majorFont>
+      <a:minorFont>
+        <a:latin typeface="Arial"/>
+        <a:ea typeface=""/>
+        <a:cs typeface=""/>
+        <a:font script="Jpan" typeface="ＭＳ Ｐゴシック"/>
+        <a:font script="Hang" typeface="맑은 고딕"/>
+        <a:font script="Hans" typeface="宋体"/>
+        <a:font script="Hant" typeface="新細明體"/>
+        <a:font script="Arab" typeface="Arial"/>
+        <a:font script="Hebr" typeface="Arial"/>
+        <a:font script="Thai" typeface="Cordia New"/>
+        <a:font script="Ethi" typeface="Nyala"/>
+        <a:font script="Beng" typeface="Vrinda"/>
+        <a:font script="Gujr" typeface="Shruti"/>
+        <a:font script="Khmr" typeface="DaunPenh"/>
+        <a:font script="Knda" typeface="Tunga"/>
+        <a:font script="Guru" typeface="Raavi"/>
+        <a:font script="Cans" typeface="Euphemia"/>
+        <a:font script="Cher" typeface="Plantagenet Cherokee"/>
+        <a:font script="Yiii" typeface="Microsoft Yi Baiti"/>
+        <a:font script="Tibt" typeface="Microsoft Himalaya"/>
+        <a:font script="Thaa" typeface="MV Boli"/>
+        <a:font script="Deva" typeface="Mangal"/>
+        <a:font script="Telu" typeface="Gautami"/>
+        <a:font script="Taml" typeface="Latha"/>
+        <a:font script="Syrc" typeface="Estrangelo Edessa"/>
+        <a:font script="Orya" typeface="Kalinga"/>
+        <a:font script="Mlym" typeface="Kartika"/>
+        <a:font script="Laoo" typeface="DokChampa"/>
+        <a:font script="Sinh" typeface="Iskoola Pota"/>
+        <a:font script="Mong" typeface="Mongolian Baiti"/>
+        <a:font script="Viet" typeface="Arial"/>
+        <a:font script="Uigh" typeface="Microsoft Uighur"/>
+        <a:font script="Geor" typeface="Sylfaen"/>
+      </a:minorFont>
+    </a:fontScheme>
+    <a:fmtScheme name="Office">
+      <a:fillStyleLst>
+        <a:solidFill>
+          <a:schemeClr val="phClr"/>
+        </a:solidFill>
+        <a:gradFill rotWithShape="1">
+          <a:gsLst>
+            <a:gs pos="0">
+              <a:schemeClr val="phClr">
+                <a:tint val="50000"/>
+                <a:satMod val="300000"/>
+              </a:schemeClr>
+            </a:gs>
+            <a:gs pos="35000">
+              <a:schemeClr val="phClr">
+                <a:tint val="37000"/>
+                <a:satMod val="300000"/>
+              </a:schemeClr>
+            </a:gs>
+            <a:gs pos="100000">
+              <a:schemeClr val="phClr">
+                <a:tint val="15000"/>
+                <a:satMod val="350000"/>
+              </a:schemeClr>
+            </a:gs>
+          </a:gsLst>
+          <a:lin ang="16200000" scaled="1"/>
+        </a:gradFill>
+        <a:gradFill rotWithShape="1">
+          <a:gsLst>
+            <a:gs pos="0">
+              <a:schemeClr val="phClr">
+                <a:tint val="100000"/>
+                <a:shade val="100000"/>
+                <a:satMod val="130000"/>
+              </a:schemeClr>
+            </a:gs>
+            <a:gs pos="100000">
+              <a:schemeClr val="phClr">
+                <a:tint val="50000"/>
+                <a:shade val="100000"/>
+                <a:satMod val="350000"/>
+              </a:schemeClr>
+            </a:gs>
+          </a:gsLst>
+          <a:lin ang="16200000" scaled="0"/>
+        </a:gradFill>
+      </a:fillStyleLst>
+      <a:lnStyleLst>
+        <a:ln w="9525" cap="flat" cmpd="sng" algn="ctr">
+          <a:solidFill>
+            <a:schemeClr val="phClr">
+              <a:shade val="95000"/>
+              <a:satMod val="105000"/>
+            </a:schemeClr>
+          </a:solidFill>
+          <a:prstDash val="solid"/>
+        </a:ln>
+        <a:ln w="25400" cap="flat" cmpd="sng" algn="ctr">
+          <a:solidFill>
+            <a:schemeClr val="phClr"/>
+          </a:solidFill>
+          <a:prstDash val="solid"/>
+        </a:ln>
+        <a:ln w="38100" cap="flat" cmpd="sng" algn="ctr">
+          <a:solidFill>
+            <a:schemeClr val="phClr"/>
+          </a:solidFill>
+          <a:prstDash val="solid"/>
+        </a:ln>
+      </a:lnStyleLst>
+      <a:effectStyleLst>
+        <a:effectStyle>
+          <a:effectLst>
+            <a:outerShdw blurRad="40000" dist="20000" dir="5400000" rotWithShape="0">
+              <a:srgbClr val="000000">
+                <a:alpha val="38000"/>
+              </a:srgbClr>
+            </a:outerShdw>
+          </a:effectLst>
+        </a:effectStyle>
+        <a:effectStyle>
+          <a:effectLst>
+            <a:outerShdw blurRad="40000" dist="23000" dir="5400000" rotWithShape="0">
+              <a:srgbClr val="000000">
+                <a:alpha val="35000"/>
+              </a:srgbClr>
+            </a:outerShdw>
+          </a:effectLst>
+        </a:effectStyle>
+        <a:effectStyle>
+          <a:effectLst>
+            <a:outerShdw blurRad="40000" dist="23000" dir="5400000" rotWithShape="0">
+              <a:srgbClr val="000000">
+                <a:alpha val="35000"/>
+              </a:srgbClr>
+            </a:outerShdw>
+          </a:effectLst>
+          <a:scene3d>
+            <a:camera prst="orthographicFront">
+              <a:rot lat="0" lon="0" rev="0"/>
+            </a:camera>
+            <a:lightRig rig="threePt" dir="t">
+              <a:rot lat="0" lon="0" rev="1200000"/>
+            </a:lightRig>
+          </a:scene3d>
+          <a:sp3d>
+            <a:bevelT w="63500" h="25400"/>
+          </a:sp3d>
+        </a:effectStyle>
+      </a:effectStyleLst>
+      <a:bgFillStyleLst>
+        <a:solidFill>
+          <a:schemeClr val="phClr"/>
+        </a:solidFill>
+        <a:gradFill rotWithShape="1">
+          <a:gsLst>
+            <a:gs pos="0">
+              <a:schemeClr val="phClr">
+                <a:tint val="40000"/>
+                <a:satMod val="350000"/>
+              </a:schemeClr>
+            </a:gs>
+            <a:gs pos="40000">
+              <a:schemeClr val="phClr">
+                <a:tint val="45000"/>
+                <a:shade val="99000"/>
+                <a:satMod val="350000"/>
+              </a:schemeClr>
+            </a:gs>
+            <a:gs pos="100000">
+              <a:schemeClr val="phClr">
+                <a:shade val="20000"/>
+                <a:satMod val="255000"/>
+              </a:schemeClr>
+            </a:gs>
+          </a:gsLst>
+          <a:path path="circle">
+            <a:fillToRect l="50000" t="-80000" r="50000" b="180000"/>
+          </a:path>
+        </a:gradFill>
+        <a:gradFill rotWithShape="1">
+          <a:gsLst>
+            <a:gs pos="0">
+              <a:schemeClr val="phClr">
+                <a:tint val="80000"/>
+                <a:satMod val="300000"/>
+              </a:schemeClr>
+            </a:gs>
+            <a:gs pos="100000">
+              <a:schemeClr val="phClr">
+                <a:shade val="30000"/>
+                <a:satMod val="200000"/>
+              </a:schemeClr>
+            </a:gs>
+          </a:gsLst>
+          <a:path path="circle">
+            <a:fillToRect l="50000" t="50000" r="50000" b="50000"/>
+          </a:path>
+        </a:gradFill>
+      </a:bgFillStyleLst>
+    </a:fmtScheme>
+  </a:themeElements>
+</a:theme>
+</file>
+
+<file path=ppt/theme/theme2.xml><?xml version="1.0" encoding="utf-8"?>
 <a:theme xmlns:a="http://schemas.openxmlformats.org/drawingml/2006/main" xmlns:r="http://schemas.openxmlformats.org/officeDocument/2006/relationships">
   <a:themeElements>
     <a:clrScheme name="Default">
@@ -8097,283 +8580,4 @@
     </a:fmtScheme>
   </a:themeElements>
 </a:theme>
-</file>
-
-<file path=ppt/theme/theme2.xml><?xml version="1.0" encoding="utf-8"?>
-<a:theme xmlns:a="http://schemas.openxmlformats.org/drawingml/2006/main" xmlns:r="http://schemas.openxmlformats.org/officeDocument/2006/relationships" name="Simple Light">
-  <a:themeElements>
-    <a:clrScheme name="Simple Light">
-      <a:dk1>
-        <a:srgbClr val="000000"/>
-      </a:dk1>
-      <a:lt1>
-        <a:srgbClr val="FFFFFF"/>
-      </a:lt1>
-      <a:dk2>
-        <a:srgbClr val="595959"/>
-      </a:dk2>
-      <a:lt2>
-        <a:srgbClr val="EEEEEE"/>
-      </a:lt2>
-      <a:accent1>
-        <a:srgbClr val="4285F4"/>
-      </a:accent1>
-      <a:accent2>
-        <a:srgbClr val="212121"/>
-      </a:accent2>
-      <a:accent3>
-        <a:srgbClr val="78909C"/>
-      </a:accent3>
-      <a:accent4>
-        <a:srgbClr val="FFAB40"/>
-      </a:accent4>
-      <a:accent5>
-        <a:srgbClr val="0097A7"/>
-      </a:accent5>
-      <a:accent6>
-        <a:srgbClr val="EEFF41"/>
-      </a:accent6>
-      <a:hlink>
-        <a:srgbClr val="0097A7"/>
-      </a:hlink>
-      <a:folHlink>
-        <a:srgbClr val="0097A7"/>
-      </a:folHlink>
-    </a:clrScheme>
-    <a:fontScheme name="Office">
-      <a:majorFont>
-        <a:latin typeface="Arial"/>
-        <a:ea typeface=""/>
-        <a:cs typeface=""/>
-        <a:font script="Jpan" typeface="ＭＳ Ｐゴシック"/>
-        <a:font script="Hang" typeface="맑은 고딕"/>
-        <a:font script="Hans" typeface="宋体"/>
-        <a:font script="Hant" typeface="新細明體"/>
-        <a:font script="Arab" typeface="Times New Roman"/>
-        <a:font script="Hebr" typeface="Times New Roman"/>
-        <a:font script="Thai" typeface="Angsana New"/>
-        <a:font script="Ethi" typeface="Nyala"/>
-        <a:font script="Beng" typeface="Vrinda"/>
-        <a:font script="Gujr" typeface="Shruti"/>
-        <a:font script="Khmr" typeface="MoolBoran"/>
-        <a:font script="Knda" typeface="Tunga"/>
-        <a:font script="Guru" typeface="Raavi"/>
-        <a:font script="Cans" typeface="Euphemia"/>
-        <a:font script="Cher" typeface="Plantagenet Cherokee"/>
-        <a:font script="Yiii" typeface="Microsoft Yi Baiti"/>
-        <a:font script="Tibt" typeface="Microsoft Himalaya"/>
-        <a:font script="Thaa" typeface="MV Boli"/>
-        <a:font script="Deva" typeface="Mangal"/>
-        <a:font script="Telu" typeface="Gautami"/>
-        <a:font script="Taml" typeface="Latha"/>
-        <a:font script="Syrc" typeface="Estrangelo Edessa"/>
-        <a:font script="Orya" typeface="Kalinga"/>
-        <a:font script="Mlym" typeface="Kartika"/>
-        <a:font script="Laoo" typeface="DokChampa"/>
-        <a:font script="Sinh" typeface="Iskoola Pota"/>
-        <a:font script="Mong" typeface="Mongolian Baiti"/>
-        <a:font script="Viet" typeface="Times New Roman"/>
-        <a:font script="Uigh" typeface="Microsoft Uighur"/>
-        <a:font script="Geor" typeface="Sylfaen"/>
-      </a:majorFont>
-      <a:minorFont>
-        <a:latin typeface="Arial"/>
-        <a:ea typeface=""/>
-        <a:cs typeface=""/>
-        <a:font script="Jpan" typeface="ＭＳ Ｐゴシック"/>
-        <a:font script="Hang" typeface="맑은 고딕"/>
-        <a:font script="Hans" typeface="宋体"/>
-        <a:font script="Hant" typeface="新細明體"/>
-        <a:font script="Arab" typeface="Arial"/>
-        <a:font script="Hebr" typeface="Arial"/>
-        <a:font script="Thai" typeface="Cordia New"/>
-        <a:font script="Ethi" typeface="Nyala"/>
-        <a:font script="Beng" typeface="Vrinda"/>
-        <a:font script="Gujr" typeface="Shruti"/>
-        <a:font script="Khmr" typeface="DaunPenh"/>
-        <a:font script="Knda" typeface="Tunga"/>
-        <a:font script="Guru" typeface="Raavi"/>
-        <a:font script="Cans" typeface="Euphemia"/>
-        <a:font script="Cher" typeface="Plantagenet Cherokee"/>
-        <a:font script="Yiii" typeface="Microsoft Yi Baiti"/>
-        <a:font script="Tibt" typeface="Microsoft Himalaya"/>
-        <a:font script="Thaa" typeface="MV Boli"/>
-        <a:font script="Deva" typeface="Mangal"/>
-        <a:font script="Telu" typeface="Gautami"/>
-        <a:font script="Taml" typeface="Latha"/>
-        <a:font script="Syrc" typeface="Estrangelo Edessa"/>
-        <a:font script="Orya" typeface="Kalinga"/>
-        <a:font script="Mlym" typeface="Kartika"/>
-        <a:font script="Laoo" typeface="DokChampa"/>
-        <a:font script="Sinh" typeface="Iskoola Pota"/>
-        <a:font script="Mong" typeface="Mongolian Baiti"/>
-        <a:font script="Viet" typeface="Arial"/>
-        <a:font script="Uigh" typeface="Microsoft Uighur"/>
-        <a:font script="Geor" typeface="Sylfaen"/>
-      </a:minorFont>
-    </a:fontScheme>
-    <a:fmtScheme name="Office">
-      <a:fillStyleLst>
-        <a:solidFill>
-          <a:schemeClr val="phClr"/>
-        </a:solidFill>
-        <a:gradFill rotWithShape="1">
-          <a:gsLst>
-            <a:gs pos="0">
-              <a:schemeClr val="phClr">
-                <a:tint val="50000"/>
-                <a:satMod val="300000"/>
-              </a:schemeClr>
-            </a:gs>
-            <a:gs pos="35000">
-              <a:schemeClr val="phClr">
-                <a:tint val="37000"/>
-                <a:satMod val="300000"/>
-              </a:schemeClr>
-            </a:gs>
-            <a:gs pos="100000">
-              <a:schemeClr val="phClr">
-                <a:tint val="15000"/>
-                <a:satMod val="350000"/>
-              </a:schemeClr>
-            </a:gs>
-          </a:gsLst>
-          <a:lin ang="16200000" scaled="1"/>
-        </a:gradFill>
-        <a:gradFill rotWithShape="1">
-          <a:gsLst>
-            <a:gs pos="0">
-              <a:schemeClr val="phClr">
-                <a:tint val="100000"/>
-                <a:shade val="100000"/>
-                <a:satMod val="130000"/>
-              </a:schemeClr>
-            </a:gs>
-            <a:gs pos="100000">
-              <a:schemeClr val="phClr">
-                <a:tint val="50000"/>
-                <a:shade val="100000"/>
-                <a:satMod val="350000"/>
-              </a:schemeClr>
-            </a:gs>
-          </a:gsLst>
-          <a:lin ang="16200000" scaled="0"/>
-        </a:gradFill>
-      </a:fillStyleLst>
-      <a:lnStyleLst>
-        <a:ln w="9525" cap="flat" cmpd="sng" algn="ctr">
-          <a:solidFill>
-            <a:schemeClr val="phClr">
-              <a:shade val="95000"/>
-              <a:satMod val="105000"/>
-            </a:schemeClr>
-          </a:solidFill>
-          <a:prstDash val="solid"/>
-        </a:ln>
-        <a:ln w="25400" cap="flat" cmpd="sng" algn="ctr">
-          <a:solidFill>
-            <a:schemeClr val="phClr"/>
-          </a:solidFill>
-          <a:prstDash val="solid"/>
-        </a:ln>
-        <a:ln w="38100" cap="flat" cmpd="sng" algn="ctr">
-          <a:solidFill>
-            <a:schemeClr val="phClr"/>
-          </a:solidFill>
-          <a:prstDash val="solid"/>
-        </a:ln>
-      </a:lnStyleLst>
-      <a:effectStyleLst>
-        <a:effectStyle>
-          <a:effectLst>
-            <a:outerShdw blurRad="40000" dist="20000" dir="5400000" rotWithShape="0">
-              <a:srgbClr val="000000">
-                <a:alpha val="38000"/>
-              </a:srgbClr>
-            </a:outerShdw>
-          </a:effectLst>
-        </a:effectStyle>
-        <a:effectStyle>
-          <a:effectLst>
-            <a:outerShdw blurRad="40000" dist="23000" dir="5400000" rotWithShape="0">
-              <a:srgbClr val="000000">
-                <a:alpha val="35000"/>
-              </a:srgbClr>
-            </a:outerShdw>
-          </a:effectLst>
-        </a:effectStyle>
-        <a:effectStyle>
-          <a:effectLst>
-            <a:outerShdw blurRad="40000" dist="23000" dir="5400000" rotWithShape="0">
-              <a:srgbClr val="000000">
-                <a:alpha val="35000"/>
-              </a:srgbClr>
-            </a:outerShdw>
-          </a:effectLst>
-          <a:scene3d>
-            <a:camera prst="orthographicFront">
-              <a:rot lat="0" lon="0" rev="0"/>
-            </a:camera>
-            <a:lightRig rig="threePt" dir="t">
-              <a:rot lat="0" lon="0" rev="1200000"/>
-            </a:lightRig>
-          </a:scene3d>
-          <a:sp3d>
-            <a:bevelT w="63500" h="25400"/>
-          </a:sp3d>
-        </a:effectStyle>
-      </a:effectStyleLst>
-      <a:bgFillStyleLst>
-        <a:solidFill>
-          <a:schemeClr val="phClr"/>
-        </a:solidFill>
-        <a:gradFill rotWithShape="1">
-          <a:gsLst>
-            <a:gs pos="0">
-              <a:schemeClr val="phClr">
-                <a:tint val="40000"/>
-                <a:satMod val="350000"/>
-              </a:schemeClr>
-            </a:gs>
-            <a:gs pos="40000">
-              <a:schemeClr val="phClr">
-                <a:tint val="45000"/>
-                <a:shade val="99000"/>
-                <a:satMod val="350000"/>
-              </a:schemeClr>
-            </a:gs>
-            <a:gs pos="100000">
-              <a:schemeClr val="phClr">
-                <a:shade val="20000"/>
-                <a:satMod val="255000"/>
-              </a:schemeClr>
-            </a:gs>
-          </a:gsLst>
-          <a:path path="circle">
-            <a:fillToRect l="50000" t="-80000" r="50000" b="180000"/>
-          </a:path>
-        </a:gradFill>
-        <a:gradFill rotWithShape="1">
-          <a:gsLst>
-            <a:gs pos="0">
-              <a:schemeClr val="phClr">
-                <a:tint val="80000"/>
-                <a:satMod val="300000"/>
-              </a:schemeClr>
-            </a:gs>
-            <a:gs pos="100000">
-              <a:schemeClr val="phClr">
-                <a:shade val="30000"/>
-                <a:satMod val="200000"/>
-              </a:schemeClr>
-            </a:gs>
-          </a:gsLst>
-          <a:path path="circle">
-            <a:fillToRect l="50000" t="50000" r="50000" b="50000"/>
-          </a:path>
-        </a:gradFill>
-      </a:bgFillStyleLst>
-    </a:fmtScheme>
-  </a:themeElements>
-</a:theme>
 </file>
--- a/docs/Apache Ignite as Kubernetes Store.pptx
+++ b/docs/Apache Ignite as Kubernetes Store.pptx
@@ -1,28 +1,29 @@
 
 <file path=ppt/presentation.xml><?xml version="1.0" encoding="utf-8"?>
-<p:presentation xmlns:a="http://schemas.openxmlformats.org/drawingml/2006/main" xmlns:r="http://schemas.openxmlformats.org/officeDocument/2006/relationships" xmlns:mc="http://schemas.openxmlformats.org/markup-compatibility/2006" xmlns:mv="urn:schemas-microsoft-com:mac:vml" xmlns:p="http://schemas.openxmlformats.org/presentationml/2006/main" xmlns:c="http://schemas.openxmlformats.org/drawingml/2006/chart" xmlns:dgm="http://schemas.openxmlformats.org/drawingml/2006/diagram" xmlns:o="urn:schemas-microsoft-com:office:office" xmlns:v="urn:schemas-microsoft-com:vml" xmlns:pvml="urn:schemas-microsoft-com:office:powerpoint" xmlns:com="http://schemas.openxmlformats.org/drawingml/2006/compatibility" xmlns:p14="http://schemas.microsoft.com/office/powerpoint/2010/main" xmlns:p15="http://schemas.microsoft.com/office/powerpoint/2012/main" xmlns:ahyp="http://schemas.microsoft.com/office/drawing/2018/hyperlinkcolor" autoCompressPictures="0" strictFirstAndLastChars="0" saveSubsetFonts="1">
+<p:presentation xmlns:a="http://schemas.openxmlformats.org/drawingml/2006/main" xmlns:r="http://schemas.openxmlformats.org/officeDocument/2006/relationships" xmlns:p="http://schemas.openxmlformats.org/presentationml/2006/main" strictFirstAndLastChars="0" saveSubsetFonts="1" autoCompressPictures="0">
   <p:sldMasterIdLst>
-    <p:sldMasterId id="2147483659" r:id="rId4"/>
+    <p:sldMasterId id="2147483659" r:id="rId1"/>
   </p:sldMasterIdLst>
   <p:notesMasterIdLst>
-    <p:notesMasterId r:id="rId5"/>
+    <p:notesMasterId r:id="rId13"/>
   </p:notesMasterIdLst>
   <p:sldIdLst>
-    <p:sldId id="256" r:id="rId6"/>
-    <p:sldId id="257" r:id="rId7"/>
-    <p:sldId id="258" r:id="rId8"/>
-    <p:sldId id="259" r:id="rId9"/>
-    <p:sldId id="260" r:id="rId10"/>
-    <p:sldId id="261" r:id="rId11"/>
-    <p:sldId id="262" r:id="rId12"/>
-    <p:sldId id="263" r:id="rId13"/>
-    <p:sldId id="264" r:id="rId14"/>
-    <p:sldId id="265" r:id="rId15"/>
+    <p:sldId id="256" r:id="rId2"/>
+    <p:sldId id="257" r:id="rId3"/>
+    <p:sldId id="258" r:id="rId4"/>
+    <p:sldId id="259" r:id="rId5"/>
+    <p:sldId id="260" r:id="rId6"/>
+    <p:sldId id="261" r:id="rId7"/>
+    <p:sldId id="262" r:id="rId8"/>
+    <p:sldId id="264" r:id="rId9"/>
+    <p:sldId id="266" r:id="rId10"/>
+    <p:sldId id="265" r:id="rId11"/>
+    <p:sldId id="267" r:id="rId12"/>
   </p:sldIdLst>
-  <p:sldSz cy="5143500" cx="9144000"/>
+  <p:sldSz cx="9144000" cy="5143500" type="screen16x9"/>
   <p:notesSz cx="6858000" cy="9144000"/>
   <p:defaultTextStyle>
-    <a:defPPr lvl="0" marR="0" rtl="0" algn="l">
+    <a:defPPr marR="0" lvl="0" algn="l" rtl="0">
       <a:lnSpc>
         <a:spcPct val="100000"/>
       </a:lnSpc>
@@ -33,7 +34,7 @@
         <a:spcPts val="0"/>
       </a:spcAft>
     </a:defPPr>
-    <a:lvl1pPr lvl="0" marR="0" rtl="0" algn="l">
+    <a:lvl1pPr marR="0" lvl="0" algn="l" rtl="0">
       <a:lnSpc>
         <a:spcPct val="100000"/>
       </a:lnSpc>
@@ -47,7 +48,7 @@
         <a:srgbClr val="000000"/>
       </a:buClr>
       <a:buFont typeface="Arial"/>
-      <a:defRPr b="0" i="0" sz="1400" u="none" cap="none" strike="noStrike">
+      <a:defRPr sz="1400" b="0" i="0" u="none" strike="noStrike" cap="none">
         <a:solidFill>
           <a:srgbClr val="000000"/>
         </a:solidFill>
@@ -57,7 +58,7 @@
         <a:sym typeface="Arial"/>
       </a:defRPr>
     </a:lvl1pPr>
-    <a:lvl2pPr lvl="1" marR="0" rtl="0" algn="l">
+    <a:lvl2pPr marR="0" lvl="1" algn="l" rtl="0">
       <a:lnSpc>
         <a:spcPct val="100000"/>
       </a:lnSpc>
@@ -71,7 +72,7 @@
         <a:srgbClr val="000000"/>
       </a:buClr>
       <a:buFont typeface="Arial"/>
-      <a:defRPr b="0" i="0" sz="1400" u="none" cap="none" strike="noStrike">
+      <a:defRPr sz="1400" b="0" i="0" u="none" strike="noStrike" cap="none">
         <a:solidFill>
           <a:srgbClr val="000000"/>
         </a:solidFill>
@@ -81,7 +82,7 @@
         <a:sym typeface="Arial"/>
       </a:defRPr>
     </a:lvl2pPr>
-    <a:lvl3pPr lvl="2" marR="0" rtl="0" algn="l">
+    <a:lvl3pPr marR="0" lvl="2" algn="l" rtl="0">
       <a:lnSpc>
         <a:spcPct val="100000"/>
       </a:lnSpc>
@@ -95,7 +96,7 @@
         <a:srgbClr val="000000"/>
       </a:buClr>
       <a:buFont typeface="Arial"/>
-      <a:defRPr b="0" i="0" sz="1400" u="none" cap="none" strike="noStrike">
+      <a:defRPr sz="1400" b="0" i="0" u="none" strike="noStrike" cap="none">
         <a:solidFill>
           <a:srgbClr val="000000"/>
         </a:solidFill>
@@ -105,7 +106,7 @@
         <a:sym typeface="Arial"/>
       </a:defRPr>
     </a:lvl3pPr>
-    <a:lvl4pPr lvl="3" marR="0" rtl="0" algn="l">
+    <a:lvl4pPr marR="0" lvl="3" algn="l" rtl="0">
       <a:lnSpc>
         <a:spcPct val="100000"/>
       </a:lnSpc>
@@ -119,7 +120,7 @@
         <a:srgbClr val="000000"/>
       </a:buClr>
       <a:buFont typeface="Arial"/>
-      <a:defRPr b="0" i="0" sz="1400" u="none" cap="none" strike="noStrike">
+      <a:defRPr sz="1400" b="0" i="0" u="none" strike="noStrike" cap="none">
         <a:solidFill>
           <a:srgbClr val="000000"/>
         </a:solidFill>
@@ -129,7 +130,7 @@
         <a:sym typeface="Arial"/>
       </a:defRPr>
     </a:lvl4pPr>
-    <a:lvl5pPr lvl="4" marR="0" rtl="0" algn="l">
+    <a:lvl5pPr marR="0" lvl="4" algn="l" rtl="0">
       <a:lnSpc>
         <a:spcPct val="100000"/>
       </a:lnSpc>
@@ -143,7 +144,7 @@
         <a:srgbClr val="000000"/>
       </a:buClr>
       <a:buFont typeface="Arial"/>
-      <a:defRPr b="0" i="0" sz="1400" u="none" cap="none" strike="noStrike">
+      <a:defRPr sz="1400" b="0" i="0" u="none" strike="noStrike" cap="none">
         <a:solidFill>
           <a:srgbClr val="000000"/>
         </a:solidFill>
@@ -153,7 +154,7 @@
         <a:sym typeface="Arial"/>
       </a:defRPr>
     </a:lvl5pPr>
-    <a:lvl6pPr lvl="5" marR="0" rtl="0" algn="l">
+    <a:lvl6pPr marR="0" lvl="5" algn="l" rtl="0">
       <a:lnSpc>
         <a:spcPct val="100000"/>
       </a:lnSpc>
@@ -167,7 +168,7 @@
         <a:srgbClr val="000000"/>
       </a:buClr>
       <a:buFont typeface="Arial"/>
-      <a:defRPr b="0" i="0" sz="1400" u="none" cap="none" strike="noStrike">
+      <a:defRPr sz="1400" b="0" i="0" u="none" strike="noStrike" cap="none">
         <a:solidFill>
           <a:srgbClr val="000000"/>
         </a:solidFill>
@@ -177,7 +178,7 @@
         <a:sym typeface="Arial"/>
       </a:defRPr>
     </a:lvl6pPr>
-    <a:lvl7pPr lvl="6" marR="0" rtl="0" algn="l">
+    <a:lvl7pPr marR="0" lvl="6" algn="l" rtl="0">
       <a:lnSpc>
         <a:spcPct val="100000"/>
       </a:lnSpc>
@@ -191,7 +192,7 @@
         <a:srgbClr val="000000"/>
       </a:buClr>
       <a:buFont typeface="Arial"/>
-      <a:defRPr b="0" i="0" sz="1400" u="none" cap="none" strike="noStrike">
+      <a:defRPr sz="1400" b="0" i="0" u="none" strike="noStrike" cap="none">
         <a:solidFill>
           <a:srgbClr val="000000"/>
         </a:solidFill>
@@ -201,7 +202,7 @@
         <a:sym typeface="Arial"/>
       </a:defRPr>
     </a:lvl7pPr>
-    <a:lvl8pPr lvl="7" marR="0" rtl="0" algn="l">
+    <a:lvl8pPr marR="0" lvl="7" algn="l" rtl="0">
       <a:lnSpc>
         <a:spcPct val="100000"/>
       </a:lnSpc>
@@ -215,7 +216,7 @@
         <a:srgbClr val="000000"/>
       </a:buClr>
       <a:buFont typeface="Arial"/>
-      <a:defRPr b="0" i="0" sz="1400" u="none" cap="none" strike="noStrike">
+      <a:defRPr sz="1400" b="0" i="0" u="none" strike="noStrike" cap="none">
         <a:solidFill>
           <a:srgbClr val="000000"/>
         </a:solidFill>
@@ -225,7 +226,7 @@
         <a:sym typeface="Arial"/>
       </a:defRPr>
     </a:lvl8pPr>
-    <a:lvl9pPr lvl="8" marR="0" rtl="0" algn="l">
+    <a:lvl9pPr marR="0" lvl="8" algn="l" rtl="0">
       <a:lnSpc>
         <a:spcPct val="100000"/>
       </a:lnSpc>
@@ -239,7 +240,7 @@
         <a:srgbClr val="000000"/>
       </a:buClr>
       <a:buFont typeface="Arial"/>
-      <a:defRPr b="0" i="0" sz="1400" u="none" cap="none" strike="noStrike">
+      <a:defRPr sz="1400" b="0" i="0" u="none" strike="noStrike" cap="none">
         <a:solidFill>
           <a:srgbClr val="000000"/>
         </a:solidFill>
@@ -252,7 +253,7 @@
   </p:defaultTextStyle>
   <p:extLst>
     <p:ext uri="{EFAFB233-063F-42B5-8137-9DF3F51BA10A}">
-      <p15:sldGuideLst>
+      <p15:sldGuideLst xmlns:p15="http://schemas.microsoft.com/office/powerpoint/2012/main">
         <p15:guide id="1" orient="horz" pos="1620">
           <p15:clr>
             <a:srgbClr val="A4A3A4"/>
@@ -270,11 +271,16 @@
 </file>
 
 <file path=ppt/notesMasters/notesMaster1.xml><?xml version="1.0" encoding="utf-8"?>
-<p:notesMaster xmlns:a="http://schemas.openxmlformats.org/drawingml/2006/main" xmlns:r="http://schemas.openxmlformats.org/officeDocument/2006/relationships" xmlns:mc="http://schemas.openxmlformats.org/markup-compatibility/2006" xmlns:mv="urn:schemas-microsoft-com:mac:vml" xmlns:p="http://schemas.openxmlformats.org/presentationml/2006/main" xmlns:c="http://schemas.openxmlformats.org/drawingml/2006/chart" xmlns:dgm="http://schemas.openxmlformats.org/drawingml/2006/diagram" xmlns:o="urn:schemas-microsoft-com:office:office" xmlns:v="urn:schemas-microsoft-com:vml" xmlns:pvml="urn:schemas-microsoft-com:office:powerpoint" xmlns:com="http://schemas.openxmlformats.org/drawingml/2006/compatibility" xmlns:p14="http://schemas.microsoft.com/office/powerpoint/2010/main" xmlns:p15="http://schemas.microsoft.com/office/powerpoint/2012/main" xmlns:ahyp="http://schemas.microsoft.com/office/drawing/2018/hyperlinkcolor">
+<p:notesMaster xmlns:a="http://schemas.openxmlformats.org/drawingml/2006/main" xmlns:r="http://schemas.openxmlformats.org/officeDocument/2006/relationships" xmlns:p="http://schemas.openxmlformats.org/presentationml/2006/main">
   <p:cSld>
+    <p:bg>
+      <p:bgRef idx="1001">
+        <a:schemeClr val="bg1"/>
+      </p:bgRef>
+    </p:bg>
     <p:spTree>
       <p:nvGrpSpPr>
-        <p:cNvPr id="2" name="Shape 2"/>
+        <p:cNvPr id="1" name="Shape 2"/>
         <p:cNvGrpSpPr/>
         <p:nvPr/>
       </p:nvGrpSpPr>
@@ -289,9 +295,11 @@
       <p:sp>
         <p:nvSpPr>
           <p:cNvPr id="3" name="Google Shape;3;n"/>
-          <p:cNvSpPr/>
+          <p:cNvSpPr>
+            <a:spLocks noGrp="1" noRot="1" noChangeAspect="1"/>
+          </p:cNvSpPr>
           <p:nvPr>
-            <p:ph idx="2" type="sldImg"/>
+            <p:ph type="sldImg" idx="2"/>
           </p:nvPr>
         </p:nvSpPr>
         <p:spPr>
@@ -300,9 +308,13 @@
             <a:ext cx="6096075" cy="3429000"/>
           </a:xfrm>
           <a:custGeom>
-            <a:rect b="b" l="l" r="r" t="t"/>
+            <a:avLst/>
+            <a:gdLst/>
+            <a:ahLst/>
+            <a:cxnLst/>
+            <a:rect l="l" t="t" r="r" b="b"/>
             <a:pathLst>
-              <a:path extrusionOk="0" h="120000" w="120000">
+              <a:path w="120000" h="120000" extrusionOk="0">
                 <a:moveTo>
                   <a:pt x="0" y="0"/>
                 </a:moveTo>
@@ -320,23 +332,25 @@
             </a:pathLst>
           </a:custGeom>
           <a:noFill/>
-          <a:ln cap="flat" cmpd="sng" w="9525">
+          <a:ln w="9525" cap="flat" cmpd="sng">
             <a:solidFill>
               <a:srgbClr val="000000"/>
             </a:solidFill>
             <a:prstDash val="solid"/>
             <a:round/>
-            <a:headEnd len="sm" w="sm" type="none"/>
-            <a:tailEnd len="sm" w="sm" type="none"/>
+            <a:headEnd type="none" w="sm" len="sm"/>
+            <a:tailEnd type="none" w="sm" len="sm"/>
           </a:ln>
         </p:spPr>
       </p:sp>
       <p:sp>
         <p:nvSpPr>
           <p:cNvPr id="4" name="Google Shape;4;n"/>
-          <p:cNvSpPr txBox="1"/>
+          <p:cNvSpPr txBox="1">
+            <a:spLocks noGrp="1"/>
+          </p:cNvSpPr>
           <p:nvPr>
-            <p:ph idx="1" type="body"/>
+            <p:ph type="body" idx="1"/>
           </p:nvPr>
         </p:nvSpPr>
         <p:spPr>
@@ -353,11 +367,11 @@
           </a:ln>
         </p:spPr>
         <p:txBody>
-          <a:bodyPr anchorCtr="0" anchor="t" bIns="91425" lIns="91425" spcFirstLastPara="1" rIns="91425" wrap="square" tIns="91425">
+          <a:bodyPr spcFirstLastPara="1" wrap="square" lIns="91425" tIns="91425" rIns="91425" bIns="91425" anchor="t" anchorCtr="0">
             <a:noAutofit/>
           </a:bodyPr>
           <a:lstStyle>
-            <a:lvl1pPr indent="-298450" lvl="0" marL="457200">
+            <a:lvl1pPr marL="457200" lvl="0" indent="-298450">
               <a:spcBef>
                 <a:spcPts val="0"/>
               </a:spcBef>
@@ -368,7 +382,7 @@
               <a:buChar char="●"/>
               <a:defRPr sz="1100"/>
             </a:lvl1pPr>
-            <a:lvl2pPr indent="-298450" lvl="1" marL="914400">
+            <a:lvl2pPr marL="914400" lvl="1" indent="-298450">
               <a:spcBef>
                 <a:spcPts val="0"/>
               </a:spcBef>
@@ -379,7 +393,7 @@
               <a:buChar char="○"/>
               <a:defRPr sz="1100"/>
             </a:lvl2pPr>
-            <a:lvl3pPr indent="-298450" lvl="2" marL="1371600">
+            <a:lvl3pPr marL="1371600" lvl="2" indent="-298450">
               <a:spcBef>
                 <a:spcPts val="0"/>
               </a:spcBef>
@@ -390,7 +404,7 @@
               <a:buChar char="■"/>
               <a:defRPr sz="1100"/>
             </a:lvl3pPr>
-            <a:lvl4pPr indent="-298450" lvl="3" marL="1828800">
+            <a:lvl4pPr marL="1828800" lvl="3" indent="-298450">
               <a:spcBef>
                 <a:spcPts val="0"/>
               </a:spcBef>
@@ -401,7 +415,7 @@
               <a:buChar char="●"/>
               <a:defRPr sz="1100"/>
             </a:lvl4pPr>
-            <a:lvl5pPr indent="-298450" lvl="4" marL="2286000">
+            <a:lvl5pPr marL="2286000" lvl="4" indent="-298450">
               <a:spcBef>
                 <a:spcPts val="0"/>
               </a:spcBef>
@@ -412,7 +426,7 @@
               <a:buChar char="○"/>
               <a:defRPr sz="1100"/>
             </a:lvl5pPr>
-            <a:lvl6pPr indent="-298450" lvl="5" marL="2743200">
+            <a:lvl6pPr marL="2743200" lvl="5" indent="-298450">
               <a:spcBef>
                 <a:spcPts val="0"/>
               </a:spcBef>
@@ -423,7 +437,7 @@
               <a:buChar char="■"/>
               <a:defRPr sz="1100"/>
             </a:lvl6pPr>
-            <a:lvl7pPr indent="-298450" lvl="6" marL="3200400">
+            <a:lvl7pPr marL="3200400" lvl="6" indent="-298450">
               <a:spcBef>
                 <a:spcPts val="0"/>
               </a:spcBef>
@@ -434,7 +448,7 @@
               <a:buChar char="●"/>
               <a:defRPr sz="1100"/>
             </a:lvl7pPr>
-            <a:lvl8pPr indent="-298450" lvl="7" marL="3657600">
+            <a:lvl8pPr marL="3657600" lvl="7" indent="-298450">
               <a:spcBef>
                 <a:spcPts val="0"/>
               </a:spcBef>
@@ -445,7 +459,7 @@
               <a:buChar char="○"/>
               <a:defRPr sz="1100"/>
             </a:lvl8pPr>
-            <a:lvl9pPr indent="-298450" lvl="8" marL="4114800">
+            <a:lvl9pPr marL="4114800" lvl="8" indent="-298450">
               <a:spcBef>
                 <a:spcPts val="0"/>
               </a:spcBef>
@@ -457,14 +471,16 @@
               <a:defRPr sz="1100"/>
             </a:lvl9pPr>
           </a:lstStyle>
-          <a:p/>
+          <a:p>
+            <a:endParaRPr/>
+          </a:p>
         </p:txBody>
       </p:sp>
     </p:spTree>
   </p:cSld>
-  <p:clrMap accent1="accent1" accent2="accent2" accent3="accent3" accent4="accent4" accent5="accent5" accent6="accent6" bg1="lt1" bg2="dk2" tx1="dk1" tx2="lt2" folHlink="folHlink" hlink="hlink"/>
+  <p:clrMap bg1="lt1" tx1="dk1" bg2="dk2" tx2="lt2" accent1="accent1" accent2="accent2" accent3="accent3" accent4="accent4" accent5="accent5" accent6="accent6" hlink="hlink" folHlink="folHlink"/>
   <p:notesStyle>
-    <a:defPPr lvl="0" marR="0" rtl="0" algn="l">
+    <a:defPPr marR="0" lvl="0" algn="l" rtl="0">
       <a:lnSpc>
         <a:spcPct val="100000"/>
       </a:lnSpc>
@@ -475,7 +491,7 @@
         <a:spcPts val="0"/>
       </a:spcAft>
     </a:defPPr>
-    <a:lvl1pPr lvl="0" marR="0" rtl="0" algn="l">
+    <a:lvl1pPr marR="0" lvl="0" algn="l" rtl="0">
       <a:lnSpc>
         <a:spcPct val="100000"/>
       </a:lnSpc>
@@ -489,7 +505,7 @@
         <a:srgbClr val="000000"/>
       </a:buClr>
       <a:buFont typeface="Arial"/>
-      <a:defRPr b="0" i="0" sz="1400" u="none" cap="none" strike="noStrike">
+      <a:defRPr sz="1400" b="0" i="0" u="none" strike="noStrike" cap="none">
         <a:solidFill>
           <a:srgbClr val="000000"/>
         </a:solidFill>
@@ -499,7 +515,7 @@
         <a:sym typeface="Arial"/>
       </a:defRPr>
     </a:lvl1pPr>
-    <a:lvl2pPr lvl="1" marR="0" rtl="0" algn="l">
+    <a:lvl2pPr marR="0" lvl="1" algn="l" rtl="0">
       <a:lnSpc>
         <a:spcPct val="100000"/>
       </a:lnSpc>
@@ -513,7 +529,7 @@
         <a:srgbClr val="000000"/>
       </a:buClr>
       <a:buFont typeface="Arial"/>
-      <a:defRPr b="0" i="0" sz="1400" u="none" cap="none" strike="noStrike">
+      <a:defRPr sz="1400" b="0" i="0" u="none" strike="noStrike" cap="none">
         <a:solidFill>
           <a:srgbClr val="000000"/>
         </a:solidFill>
@@ -523,7 +539,7 @@
         <a:sym typeface="Arial"/>
       </a:defRPr>
     </a:lvl2pPr>
-    <a:lvl3pPr lvl="2" marR="0" rtl="0" algn="l">
+    <a:lvl3pPr marR="0" lvl="2" algn="l" rtl="0">
       <a:lnSpc>
         <a:spcPct val="100000"/>
       </a:lnSpc>
@@ -537,7 +553,7 @@
         <a:srgbClr val="000000"/>
       </a:buClr>
       <a:buFont typeface="Arial"/>
-      <a:defRPr b="0" i="0" sz="1400" u="none" cap="none" strike="noStrike">
+      <a:defRPr sz="1400" b="0" i="0" u="none" strike="noStrike" cap="none">
         <a:solidFill>
           <a:srgbClr val="000000"/>
         </a:solidFill>
@@ -547,7 +563,7 @@
         <a:sym typeface="Arial"/>
       </a:defRPr>
     </a:lvl3pPr>
-    <a:lvl4pPr lvl="3" marR="0" rtl="0" algn="l">
+    <a:lvl4pPr marR="0" lvl="3" algn="l" rtl="0">
       <a:lnSpc>
         <a:spcPct val="100000"/>
       </a:lnSpc>
@@ -561,7 +577,7 @@
         <a:srgbClr val="000000"/>
       </a:buClr>
       <a:buFont typeface="Arial"/>
-      <a:defRPr b="0" i="0" sz="1400" u="none" cap="none" strike="noStrike">
+      <a:defRPr sz="1400" b="0" i="0" u="none" strike="noStrike" cap="none">
         <a:solidFill>
           <a:srgbClr val="000000"/>
         </a:solidFill>
@@ -571,7 +587,7 @@
         <a:sym typeface="Arial"/>
       </a:defRPr>
     </a:lvl4pPr>
-    <a:lvl5pPr lvl="4" marR="0" rtl="0" algn="l">
+    <a:lvl5pPr marR="0" lvl="4" algn="l" rtl="0">
       <a:lnSpc>
         <a:spcPct val="100000"/>
       </a:lnSpc>
@@ -585,7 +601,7 @@
         <a:srgbClr val="000000"/>
       </a:buClr>
       <a:buFont typeface="Arial"/>
-      <a:defRPr b="0" i="0" sz="1400" u="none" cap="none" strike="noStrike">
+      <a:defRPr sz="1400" b="0" i="0" u="none" strike="noStrike" cap="none">
         <a:solidFill>
           <a:srgbClr val="000000"/>
         </a:solidFill>
@@ -595,7 +611,7 @@
         <a:sym typeface="Arial"/>
       </a:defRPr>
     </a:lvl5pPr>
-    <a:lvl6pPr lvl="5" marR="0" rtl="0" algn="l">
+    <a:lvl6pPr marR="0" lvl="5" algn="l" rtl="0">
       <a:lnSpc>
         <a:spcPct val="100000"/>
       </a:lnSpc>
@@ -609,7 +625,7 @@
         <a:srgbClr val="000000"/>
       </a:buClr>
       <a:buFont typeface="Arial"/>
-      <a:defRPr b="0" i="0" sz="1400" u="none" cap="none" strike="noStrike">
+      <a:defRPr sz="1400" b="0" i="0" u="none" strike="noStrike" cap="none">
         <a:solidFill>
           <a:srgbClr val="000000"/>
         </a:solidFill>
@@ -619,7 +635,7 @@
         <a:sym typeface="Arial"/>
       </a:defRPr>
     </a:lvl6pPr>
-    <a:lvl7pPr lvl="6" marR="0" rtl="0" algn="l">
+    <a:lvl7pPr marR="0" lvl="6" algn="l" rtl="0">
       <a:lnSpc>
         <a:spcPct val="100000"/>
       </a:lnSpc>
@@ -633,7 +649,7 @@
         <a:srgbClr val="000000"/>
       </a:buClr>
       <a:buFont typeface="Arial"/>
-      <a:defRPr b="0" i="0" sz="1400" u="none" cap="none" strike="noStrike">
+      <a:defRPr sz="1400" b="0" i="0" u="none" strike="noStrike" cap="none">
         <a:solidFill>
           <a:srgbClr val="000000"/>
         </a:solidFill>
@@ -643,7 +659,7 @@
         <a:sym typeface="Arial"/>
       </a:defRPr>
     </a:lvl7pPr>
-    <a:lvl8pPr lvl="7" marR="0" rtl="0" algn="l">
+    <a:lvl8pPr marR="0" lvl="7" algn="l" rtl="0">
       <a:lnSpc>
         <a:spcPct val="100000"/>
       </a:lnSpc>
@@ -657,7 +673,7 @@
         <a:srgbClr val="000000"/>
       </a:buClr>
       <a:buFont typeface="Arial"/>
-      <a:defRPr b="0" i="0" sz="1400" u="none" cap="none" strike="noStrike">
+      <a:defRPr sz="1400" b="0" i="0" u="none" strike="noStrike" cap="none">
         <a:solidFill>
           <a:srgbClr val="000000"/>
         </a:solidFill>
@@ -667,7 +683,7 @@
         <a:sym typeface="Arial"/>
       </a:defRPr>
     </a:lvl8pPr>
-    <a:lvl9pPr lvl="8" marR="0" rtl="0" algn="l">
+    <a:lvl9pPr marR="0" lvl="8" algn="l" rtl="0">
       <a:lnSpc>
         <a:spcPct val="100000"/>
       </a:lnSpc>
@@ -681,7 +697,7 @@
         <a:srgbClr val="000000"/>
       </a:buClr>
       <a:buFont typeface="Arial"/>
-      <a:defRPr b="0" i="0" sz="1400" u="none" cap="none" strike="noStrike">
+      <a:defRPr sz="1400" b="0" i="0" u="none" strike="noStrike" cap="none">
         <a:solidFill>
           <a:srgbClr val="000000"/>
         </a:solidFill>
@@ -696,11 +712,11 @@
 </file>
 
 <file path=ppt/notesSlides/notesSlide1.xml><?xml version="1.0" encoding="utf-8"?>
-<p:notes xmlns:a="http://schemas.openxmlformats.org/drawingml/2006/main" xmlns:r="http://schemas.openxmlformats.org/officeDocument/2006/relationships" xmlns:mc="http://schemas.openxmlformats.org/markup-compatibility/2006" xmlns:mv="urn:schemas-microsoft-com:mac:vml" xmlns:p="http://schemas.openxmlformats.org/presentationml/2006/main" xmlns:c="http://schemas.openxmlformats.org/drawingml/2006/chart" xmlns:dgm="http://schemas.openxmlformats.org/drawingml/2006/diagram" xmlns:o="urn:schemas-microsoft-com:office:office" xmlns:v="urn:schemas-microsoft-com:vml" xmlns:pvml="urn:schemas-microsoft-com:office:powerpoint" xmlns:com="http://schemas.openxmlformats.org/drawingml/2006/compatibility" xmlns:p14="http://schemas.microsoft.com/office/powerpoint/2010/main" xmlns:p15="http://schemas.microsoft.com/office/powerpoint/2012/main" xmlns:ahyp="http://schemas.microsoft.com/office/drawing/2018/hyperlinkcolor" showMasterPhAnim="0" showMasterSp="0">
+<p:notes xmlns:a="http://schemas.openxmlformats.org/drawingml/2006/main" xmlns:r="http://schemas.openxmlformats.org/officeDocument/2006/relationships" xmlns:p="http://schemas.openxmlformats.org/presentationml/2006/main" showMasterSp="0" showMasterPhAnim="0">
   <p:cSld>
     <p:spTree>
       <p:nvGrpSpPr>
-        <p:cNvPr id="50" name="Shape 50"/>
+        <p:cNvPr id="1" name="Shape 50"/>
         <p:cNvGrpSpPr/>
         <p:nvPr/>
       </p:nvGrpSpPr>
@@ -715,9 +731,11 @@
       <p:sp>
         <p:nvSpPr>
           <p:cNvPr id="51" name="Google Shape;51;gc8921fd8c2_0_0:notes"/>
-          <p:cNvSpPr/>
+          <p:cNvSpPr>
+            <a:spLocks noGrp="1" noRot="1" noChangeAspect="1"/>
+          </p:cNvSpPr>
           <p:nvPr>
-            <p:ph idx="2" type="sldImg"/>
+            <p:ph type="sldImg" idx="2"/>
           </p:nvPr>
         </p:nvSpPr>
         <p:spPr>
@@ -726,9 +744,13 @@
             <a:ext cx="6096000" cy="3429000"/>
           </a:xfrm>
           <a:custGeom>
-            <a:rect b="b" l="l" r="r" t="t"/>
+            <a:avLst/>
+            <a:gdLst/>
+            <a:ahLst/>
+            <a:cxnLst/>
+            <a:rect l="l" t="t" r="r" b="b"/>
             <a:pathLst>
-              <a:path extrusionOk="0" h="120000" w="120000">
+              <a:path w="120000" h="120000" extrusionOk="0">
                 <a:moveTo>
                   <a:pt x="0" y="0"/>
                 </a:moveTo>
@@ -750,9 +772,11 @@
       <p:sp>
         <p:nvSpPr>
           <p:cNvPr id="52" name="Google Shape;52;gc8921fd8c2_0_0:notes"/>
-          <p:cNvSpPr txBox="1"/>
+          <p:cNvSpPr txBox="1">
+            <a:spLocks noGrp="1"/>
+          </p:cNvSpPr>
           <p:nvPr>
-            <p:ph idx="1" type="body"/>
+            <p:ph type="body" idx="1"/>
           </p:nvPr>
         </p:nvSpPr>
         <p:spPr>
@@ -765,12 +789,12 @@
           </a:prstGeom>
         </p:spPr>
         <p:txBody>
-          <a:bodyPr anchorCtr="0" anchor="t" bIns="91425" lIns="91425" spcFirstLastPara="1" rIns="91425" wrap="square" tIns="91425">
+          <a:bodyPr spcFirstLastPara="1" wrap="square" lIns="91425" tIns="91425" rIns="91425" bIns="91425" anchor="t" anchorCtr="0">
             <a:noAutofit/>
           </a:bodyPr>
           <a:lstStyle/>
           <a:p>
-            <a:pPr indent="0" lvl="0" marL="0" rtl="0" algn="l">
+            <a:pPr marL="0" lvl="0" indent="0" algn="l" rtl="0">
               <a:spcBef>
                 <a:spcPts val="0"/>
               </a:spcBef>
@@ -779,108 +803,6 @@
               </a:spcAft>
               <a:buNone/>
             </a:pPr>
-            <a:r>
-              <a:t/>
-            </a:r>
-            <a:endParaRPr/>
-          </a:p>
-        </p:txBody>
-      </p:sp>
-    </p:spTree>
-  </p:cSld>
-  <p:clrMapOvr>
-    <a:masterClrMapping/>
-  </p:clrMapOvr>
-</p:notes>
-</file>
-
-<file path=ppt/notesSlides/notesSlide10.xml><?xml version="1.0" encoding="utf-8"?>
-<p:notes xmlns:a="http://schemas.openxmlformats.org/drawingml/2006/main" xmlns:r="http://schemas.openxmlformats.org/officeDocument/2006/relationships" xmlns:mc="http://schemas.openxmlformats.org/markup-compatibility/2006" xmlns:mv="urn:schemas-microsoft-com:mac:vml" xmlns:p="http://schemas.openxmlformats.org/presentationml/2006/main" xmlns:c="http://schemas.openxmlformats.org/drawingml/2006/chart" xmlns:dgm="http://schemas.openxmlformats.org/drawingml/2006/diagram" xmlns:o="urn:schemas-microsoft-com:office:office" xmlns:v="urn:schemas-microsoft-com:vml" xmlns:pvml="urn:schemas-microsoft-com:office:powerpoint" xmlns:com="http://schemas.openxmlformats.org/drawingml/2006/compatibility" xmlns:p14="http://schemas.microsoft.com/office/powerpoint/2010/main" xmlns:p15="http://schemas.microsoft.com/office/powerpoint/2012/main" xmlns:ahyp="http://schemas.microsoft.com/office/drawing/2018/hyperlinkcolor" showMasterPhAnim="0" showMasterSp="0">
-  <p:cSld>
-    <p:spTree>
-      <p:nvGrpSpPr>
-        <p:cNvPr id="106" name="Shape 106"/>
-        <p:cNvGrpSpPr/>
-        <p:nvPr/>
-      </p:nvGrpSpPr>
-      <p:grpSpPr>
-        <a:xfrm>
-          <a:off x="0" y="0"/>
-          <a:ext cx="0" cy="0"/>
-          <a:chOff x="0" y="0"/>
-          <a:chExt cx="0" cy="0"/>
-        </a:xfrm>
-      </p:grpSpPr>
-      <p:sp>
-        <p:nvSpPr>
-          <p:cNvPr id="107" name="Google Shape;107;gc8921fd8c2_0_109:notes"/>
-          <p:cNvSpPr/>
-          <p:nvPr>
-            <p:ph idx="2" type="sldImg"/>
-          </p:nvPr>
-        </p:nvSpPr>
-        <p:spPr>
-          <a:xfrm>
-            <a:off x="381300" y="685800"/>
-            <a:ext cx="6096000" cy="3429000"/>
-          </a:xfrm>
-          <a:custGeom>
-            <a:rect b="b" l="l" r="r" t="t"/>
-            <a:pathLst>
-              <a:path extrusionOk="0" h="120000" w="120000">
-                <a:moveTo>
-                  <a:pt x="0" y="0"/>
-                </a:moveTo>
-                <a:lnTo>
-                  <a:pt x="120000" y="0"/>
-                </a:lnTo>
-                <a:lnTo>
-                  <a:pt x="120000" y="120000"/>
-                </a:lnTo>
-                <a:lnTo>
-                  <a:pt x="0" y="120000"/>
-                </a:lnTo>
-                <a:close/>
-              </a:path>
-            </a:pathLst>
-          </a:custGeom>
-        </p:spPr>
-      </p:sp>
-      <p:sp>
-        <p:nvSpPr>
-          <p:cNvPr id="108" name="Google Shape;108;gc8921fd8c2_0_109:notes"/>
-          <p:cNvSpPr txBox="1"/>
-          <p:nvPr>
-            <p:ph idx="1" type="body"/>
-          </p:nvPr>
-        </p:nvSpPr>
-        <p:spPr>
-          <a:xfrm>
-            <a:off x="685800" y="4343400"/>
-            <a:ext cx="5486400" cy="4114800"/>
-          </a:xfrm>
-          <a:prstGeom prst="rect">
-            <a:avLst/>
-          </a:prstGeom>
-        </p:spPr>
-        <p:txBody>
-          <a:bodyPr anchorCtr="0" anchor="t" bIns="91425" lIns="91425" spcFirstLastPara="1" rIns="91425" wrap="square" tIns="91425">
-            <a:noAutofit/>
-          </a:bodyPr>
-          <a:lstStyle/>
-          <a:p>
-            <a:pPr indent="0" lvl="0" marL="0" rtl="0" algn="l">
-              <a:spcBef>
-                <a:spcPts val="0"/>
-              </a:spcBef>
-              <a:spcAft>
-                <a:spcPts val="0"/>
-              </a:spcAft>
-              <a:buNone/>
-            </a:pPr>
-            <a:r>
-              <a:t/>
-            </a:r>
             <a:endParaRPr/>
           </a:p>
         </p:txBody>
@@ -894,11 +816,11 @@
 </file>
 
 <file path=ppt/notesSlides/notesSlide2.xml><?xml version="1.0" encoding="utf-8"?>
-<p:notes xmlns:a="http://schemas.openxmlformats.org/drawingml/2006/main" xmlns:r="http://schemas.openxmlformats.org/officeDocument/2006/relationships" xmlns:mc="http://schemas.openxmlformats.org/markup-compatibility/2006" xmlns:mv="urn:schemas-microsoft-com:mac:vml" xmlns:p="http://schemas.openxmlformats.org/presentationml/2006/main" xmlns:c="http://schemas.openxmlformats.org/drawingml/2006/chart" xmlns:dgm="http://schemas.openxmlformats.org/drawingml/2006/diagram" xmlns:o="urn:schemas-microsoft-com:office:office" xmlns:v="urn:schemas-microsoft-com:vml" xmlns:pvml="urn:schemas-microsoft-com:office:powerpoint" xmlns:com="http://schemas.openxmlformats.org/drawingml/2006/compatibility" xmlns:p14="http://schemas.microsoft.com/office/powerpoint/2010/main" xmlns:p15="http://schemas.microsoft.com/office/powerpoint/2012/main" xmlns:ahyp="http://schemas.microsoft.com/office/drawing/2018/hyperlinkcolor" showMasterPhAnim="0" showMasterSp="0">
+<p:notes xmlns:a="http://schemas.openxmlformats.org/drawingml/2006/main" xmlns:r="http://schemas.openxmlformats.org/officeDocument/2006/relationships" xmlns:p="http://schemas.openxmlformats.org/presentationml/2006/main" showMasterSp="0" showMasterPhAnim="0">
   <p:cSld>
     <p:spTree>
       <p:nvGrpSpPr>
-        <p:cNvPr id="56" name="Shape 56"/>
+        <p:cNvPr id="1" name="Shape 56"/>
         <p:cNvGrpSpPr/>
         <p:nvPr/>
       </p:nvGrpSpPr>
@@ -913,9 +835,11 @@
       <p:sp>
         <p:nvSpPr>
           <p:cNvPr id="57" name="Google Shape;57;gc8921fd8c2_0_5:notes"/>
-          <p:cNvSpPr/>
+          <p:cNvSpPr>
+            <a:spLocks noGrp="1" noRot="1" noChangeAspect="1"/>
+          </p:cNvSpPr>
           <p:nvPr>
-            <p:ph idx="2" type="sldImg"/>
+            <p:ph type="sldImg" idx="2"/>
           </p:nvPr>
         </p:nvSpPr>
         <p:spPr>
@@ -924,9 +848,13 @@
             <a:ext cx="6096000" cy="3429000"/>
           </a:xfrm>
           <a:custGeom>
-            <a:rect b="b" l="l" r="r" t="t"/>
+            <a:avLst/>
+            <a:gdLst/>
+            <a:ahLst/>
+            <a:cxnLst/>
+            <a:rect l="l" t="t" r="r" b="b"/>
             <a:pathLst>
-              <a:path extrusionOk="0" h="120000" w="120000">
+              <a:path w="120000" h="120000" extrusionOk="0">
                 <a:moveTo>
                   <a:pt x="0" y="0"/>
                 </a:moveTo>
@@ -948,9 +876,11 @@
       <p:sp>
         <p:nvSpPr>
           <p:cNvPr id="58" name="Google Shape;58;gc8921fd8c2_0_5:notes"/>
-          <p:cNvSpPr txBox="1"/>
+          <p:cNvSpPr txBox="1">
+            <a:spLocks noGrp="1"/>
+          </p:cNvSpPr>
           <p:nvPr>
-            <p:ph idx="1" type="body"/>
+            <p:ph type="body" idx="1"/>
           </p:nvPr>
         </p:nvSpPr>
         <p:spPr>
@@ -963,12 +893,12 @@
           </a:prstGeom>
         </p:spPr>
         <p:txBody>
-          <a:bodyPr anchorCtr="0" anchor="t" bIns="91425" lIns="91425" spcFirstLastPara="1" rIns="91425" wrap="square" tIns="91425">
+          <a:bodyPr spcFirstLastPara="1" wrap="square" lIns="91425" tIns="91425" rIns="91425" bIns="91425" anchor="t" anchorCtr="0">
             <a:noAutofit/>
           </a:bodyPr>
           <a:lstStyle/>
           <a:p>
-            <a:pPr indent="0" lvl="0" marL="0" rtl="0" algn="l">
+            <a:pPr marL="0" lvl="0" indent="0" algn="l" rtl="0">
               <a:spcBef>
                 <a:spcPts val="0"/>
               </a:spcBef>
@@ -977,9 +907,6 @@
               </a:spcAft>
               <a:buNone/>
             </a:pPr>
-            <a:r>
-              <a:t/>
-            </a:r>
             <a:endParaRPr/>
           </a:p>
         </p:txBody>
@@ -993,11 +920,11 @@
 </file>
 
 <file path=ppt/notesSlides/notesSlide3.xml><?xml version="1.0" encoding="utf-8"?>
-<p:notes xmlns:a="http://schemas.openxmlformats.org/drawingml/2006/main" xmlns:r="http://schemas.openxmlformats.org/officeDocument/2006/relationships" xmlns:mc="http://schemas.openxmlformats.org/markup-compatibility/2006" xmlns:mv="urn:schemas-microsoft-com:mac:vml" xmlns:p="http://schemas.openxmlformats.org/presentationml/2006/main" xmlns:c="http://schemas.openxmlformats.org/drawingml/2006/chart" xmlns:dgm="http://schemas.openxmlformats.org/drawingml/2006/diagram" xmlns:o="urn:schemas-microsoft-com:office:office" xmlns:v="urn:schemas-microsoft-com:vml" xmlns:pvml="urn:schemas-microsoft-com:office:powerpoint" xmlns:com="http://schemas.openxmlformats.org/drawingml/2006/compatibility" xmlns:p14="http://schemas.microsoft.com/office/powerpoint/2010/main" xmlns:p15="http://schemas.microsoft.com/office/powerpoint/2012/main" xmlns:ahyp="http://schemas.microsoft.com/office/drawing/2018/hyperlinkcolor" showMasterPhAnim="0" showMasterSp="0">
+<p:notes xmlns:a="http://schemas.openxmlformats.org/drawingml/2006/main" xmlns:r="http://schemas.openxmlformats.org/officeDocument/2006/relationships" xmlns:p="http://schemas.openxmlformats.org/presentationml/2006/main" showMasterSp="0" showMasterPhAnim="0">
   <p:cSld>
     <p:spTree>
       <p:nvGrpSpPr>
-        <p:cNvPr id="62" name="Shape 62"/>
+        <p:cNvPr id="1" name="Shape 62"/>
         <p:cNvGrpSpPr/>
         <p:nvPr/>
       </p:nvGrpSpPr>
@@ -1012,9 +939,11 @@
       <p:sp>
         <p:nvSpPr>
           <p:cNvPr id="63" name="Google Shape;63;gc8921fd8c2_0_10:notes"/>
-          <p:cNvSpPr/>
+          <p:cNvSpPr>
+            <a:spLocks noGrp="1" noRot="1" noChangeAspect="1"/>
+          </p:cNvSpPr>
           <p:nvPr>
-            <p:ph idx="2" type="sldImg"/>
+            <p:ph type="sldImg" idx="2"/>
           </p:nvPr>
         </p:nvSpPr>
         <p:spPr>
@@ -1023,9 +952,13 @@
             <a:ext cx="6096000" cy="3429000"/>
           </a:xfrm>
           <a:custGeom>
-            <a:rect b="b" l="l" r="r" t="t"/>
+            <a:avLst/>
+            <a:gdLst/>
+            <a:ahLst/>
+            <a:cxnLst/>
+            <a:rect l="l" t="t" r="r" b="b"/>
             <a:pathLst>
-              <a:path extrusionOk="0" h="120000" w="120000">
+              <a:path w="120000" h="120000" extrusionOk="0">
                 <a:moveTo>
                   <a:pt x="0" y="0"/>
                 </a:moveTo>
@@ -1047,9 +980,11 @@
       <p:sp>
         <p:nvSpPr>
           <p:cNvPr id="64" name="Google Shape;64;gc8921fd8c2_0_10:notes"/>
-          <p:cNvSpPr txBox="1"/>
+          <p:cNvSpPr txBox="1">
+            <a:spLocks noGrp="1"/>
+          </p:cNvSpPr>
           <p:nvPr>
-            <p:ph idx="1" type="body"/>
+            <p:ph type="body" idx="1"/>
           </p:nvPr>
         </p:nvSpPr>
         <p:spPr>
@@ -1062,12 +997,12 @@
           </a:prstGeom>
         </p:spPr>
         <p:txBody>
-          <a:bodyPr anchorCtr="0" anchor="t" bIns="91425" lIns="91425" spcFirstLastPara="1" rIns="91425" wrap="square" tIns="91425">
+          <a:bodyPr spcFirstLastPara="1" wrap="square" lIns="91425" tIns="91425" rIns="91425" bIns="91425" anchor="t" anchorCtr="0">
             <a:noAutofit/>
           </a:bodyPr>
           <a:lstStyle/>
           <a:p>
-            <a:pPr indent="0" lvl="0" marL="0" rtl="0" algn="l">
+            <a:pPr marL="0" lvl="0" indent="0" algn="l" rtl="0">
               <a:spcBef>
                 <a:spcPts val="0"/>
               </a:spcBef>
@@ -1076,9 +1011,6 @@
               </a:spcAft>
               <a:buNone/>
             </a:pPr>
-            <a:r>
-              <a:t/>
-            </a:r>
             <a:endParaRPr/>
           </a:p>
         </p:txBody>
@@ -1092,11 +1024,11 @@
 </file>
 
 <file path=ppt/notesSlides/notesSlide4.xml><?xml version="1.0" encoding="utf-8"?>
-<p:notes xmlns:a="http://schemas.openxmlformats.org/drawingml/2006/main" xmlns:r="http://schemas.openxmlformats.org/officeDocument/2006/relationships" xmlns:mc="http://schemas.openxmlformats.org/markup-compatibility/2006" xmlns:mv="urn:schemas-microsoft-com:mac:vml" xmlns:p="http://schemas.openxmlformats.org/presentationml/2006/main" xmlns:c="http://schemas.openxmlformats.org/drawingml/2006/chart" xmlns:dgm="http://schemas.openxmlformats.org/drawingml/2006/diagram" xmlns:o="urn:schemas-microsoft-com:office:office" xmlns:v="urn:schemas-microsoft-com:vml" xmlns:pvml="urn:schemas-microsoft-com:office:powerpoint" xmlns:com="http://schemas.openxmlformats.org/drawingml/2006/compatibility" xmlns:p14="http://schemas.microsoft.com/office/powerpoint/2010/main" xmlns:p15="http://schemas.microsoft.com/office/powerpoint/2012/main" xmlns:ahyp="http://schemas.microsoft.com/office/drawing/2018/hyperlinkcolor" showMasterPhAnim="0" showMasterSp="0">
+<p:notes xmlns:a="http://schemas.openxmlformats.org/drawingml/2006/main" xmlns:r="http://schemas.openxmlformats.org/officeDocument/2006/relationships" xmlns:p="http://schemas.openxmlformats.org/presentationml/2006/main" showMasterSp="0" showMasterPhAnim="0">
   <p:cSld>
     <p:spTree>
       <p:nvGrpSpPr>
-        <p:cNvPr id="68" name="Shape 68"/>
+        <p:cNvPr id="1" name="Shape 68"/>
         <p:cNvGrpSpPr/>
         <p:nvPr/>
       </p:nvGrpSpPr>
@@ -1111,9 +1043,11 @@
       <p:sp>
         <p:nvSpPr>
           <p:cNvPr id="69" name="Google Shape;69;gc8921fd8c2_0_15:notes"/>
-          <p:cNvSpPr/>
+          <p:cNvSpPr>
+            <a:spLocks noGrp="1" noRot="1" noChangeAspect="1"/>
+          </p:cNvSpPr>
           <p:nvPr>
-            <p:ph idx="2" type="sldImg"/>
+            <p:ph type="sldImg" idx="2"/>
           </p:nvPr>
         </p:nvSpPr>
         <p:spPr>
@@ -1122,9 +1056,13 @@
             <a:ext cx="6096000" cy="3429000"/>
           </a:xfrm>
           <a:custGeom>
-            <a:rect b="b" l="l" r="r" t="t"/>
+            <a:avLst/>
+            <a:gdLst/>
+            <a:ahLst/>
+            <a:cxnLst/>
+            <a:rect l="l" t="t" r="r" b="b"/>
             <a:pathLst>
-              <a:path extrusionOk="0" h="120000" w="120000">
+              <a:path w="120000" h="120000" extrusionOk="0">
                 <a:moveTo>
                   <a:pt x="0" y="0"/>
                 </a:moveTo>
@@ -1146,9 +1084,11 @@
       <p:sp>
         <p:nvSpPr>
           <p:cNvPr id="70" name="Google Shape;70;gc8921fd8c2_0_15:notes"/>
-          <p:cNvSpPr txBox="1"/>
+          <p:cNvSpPr txBox="1">
+            <a:spLocks noGrp="1"/>
+          </p:cNvSpPr>
           <p:nvPr>
-            <p:ph idx="1" type="body"/>
+            <p:ph type="body" idx="1"/>
           </p:nvPr>
         </p:nvSpPr>
         <p:spPr>
@@ -1161,12 +1101,12 @@
           </a:prstGeom>
         </p:spPr>
         <p:txBody>
-          <a:bodyPr anchorCtr="0" anchor="t" bIns="91425" lIns="91425" spcFirstLastPara="1" rIns="91425" wrap="square" tIns="91425">
+          <a:bodyPr spcFirstLastPara="1" wrap="square" lIns="91425" tIns="91425" rIns="91425" bIns="91425" anchor="t" anchorCtr="0">
             <a:noAutofit/>
           </a:bodyPr>
           <a:lstStyle/>
           <a:p>
-            <a:pPr indent="0" lvl="0" marL="0" rtl="0" algn="l">
+            <a:pPr marL="0" lvl="0" indent="0" algn="l" rtl="0">
               <a:spcBef>
                 <a:spcPts val="0"/>
               </a:spcBef>
@@ -1175,9 +1115,6 @@
               </a:spcAft>
               <a:buNone/>
             </a:pPr>
-            <a:r>
-              <a:t/>
-            </a:r>
             <a:endParaRPr/>
           </a:p>
         </p:txBody>
@@ -1191,11 +1128,11 @@
 </file>
 
 <file path=ppt/notesSlides/notesSlide5.xml><?xml version="1.0" encoding="utf-8"?>
-<p:notes xmlns:a="http://schemas.openxmlformats.org/drawingml/2006/main" xmlns:r="http://schemas.openxmlformats.org/officeDocument/2006/relationships" xmlns:mc="http://schemas.openxmlformats.org/markup-compatibility/2006" xmlns:mv="urn:schemas-microsoft-com:mac:vml" xmlns:p="http://schemas.openxmlformats.org/presentationml/2006/main" xmlns:c="http://schemas.openxmlformats.org/drawingml/2006/chart" xmlns:dgm="http://schemas.openxmlformats.org/drawingml/2006/diagram" xmlns:o="urn:schemas-microsoft-com:office:office" xmlns:v="urn:schemas-microsoft-com:vml" xmlns:pvml="urn:schemas-microsoft-com:office:powerpoint" xmlns:com="http://schemas.openxmlformats.org/drawingml/2006/compatibility" xmlns:p14="http://schemas.microsoft.com/office/powerpoint/2010/main" xmlns:p15="http://schemas.microsoft.com/office/powerpoint/2012/main" xmlns:ahyp="http://schemas.microsoft.com/office/drawing/2018/hyperlinkcolor" showMasterPhAnim="0" showMasterSp="0">
+<p:notes xmlns:a="http://schemas.openxmlformats.org/drawingml/2006/main" xmlns:r="http://schemas.openxmlformats.org/officeDocument/2006/relationships" xmlns:p="http://schemas.openxmlformats.org/presentationml/2006/main" showMasterSp="0" showMasterPhAnim="0">
   <p:cSld>
     <p:spTree>
       <p:nvGrpSpPr>
-        <p:cNvPr id="75" name="Shape 75"/>
+        <p:cNvPr id="1" name="Shape 75"/>
         <p:cNvGrpSpPr/>
         <p:nvPr/>
       </p:nvGrpSpPr>
@@ -1210,20 +1147,26 @@
       <p:sp>
         <p:nvSpPr>
           <p:cNvPr id="76" name="Google Shape;76;gc8921fd8c2_0_78:notes"/>
-          <p:cNvSpPr/>
+          <p:cNvSpPr>
+            <a:spLocks noGrp="1" noRot="1" noChangeAspect="1"/>
+          </p:cNvSpPr>
           <p:nvPr>
-            <p:ph idx="2" type="sldImg"/>
+            <p:ph type="sldImg" idx="2"/>
           </p:nvPr>
         </p:nvSpPr>
         <p:spPr>
           <a:xfrm>
-            <a:off x="381300" y="685800"/>
+            <a:off x="381000" y="685800"/>
             <a:ext cx="6096000" cy="3429000"/>
           </a:xfrm>
           <a:custGeom>
-            <a:rect b="b" l="l" r="r" t="t"/>
+            <a:avLst/>
+            <a:gdLst/>
+            <a:ahLst/>
+            <a:cxnLst/>
+            <a:rect l="l" t="t" r="r" b="b"/>
             <a:pathLst>
-              <a:path extrusionOk="0" h="120000" w="120000">
+              <a:path w="120000" h="120000" extrusionOk="0">
                 <a:moveTo>
                   <a:pt x="0" y="0"/>
                 </a:moveTo>
@@ -1245,9 +1188,11 @@
       <p:sp>
         <p:nvSpPr>
           <p:cNvPr id="77" name="Google Shape;77;gc8921fd8c2_0_78:notes"/>
-          <p:cNvSpPr txBox="1"/>
+          <p:cNvSpPr txBox="1">
+            <a:spLocks noGrp="1"/>
+          </p:cNvSpPr>
           <p:nvPr>
-            <p:ph idx="1" type="body"/>
+            <p:ph type="body" idx="1"/>
           </p:nvPr>
         </p:nvSpPr>
         <p:spPr>
@@ -1260,12 +1205,12 @@
           </a:prstGeom>
         </p:spPr>
         <p:txBody>
-          <a:bodyPr anchorCtr="0" anchor="t" bIns="91425" lIns="91425" spcFirstLastPara="1" rIns="91425" wrap="square" tIns="91425">
+          <a:bodyPr spcFirstLastPara="1" wrap="square" lIns="91425" tIns="91425" rIns="91425" bIns="91425" anchor="t" anchorCtr="0">
             <a:noAutofit/>
           </a:bodyPr>
           <a:lstStyle/>
           <a:p>
-            <a:pPr indent="0" lvl="0" marL="0" rtl="0" algn="l">
+            <a:pPr marL="0" lvl="0" indent="0" algn="l" rtl="0">
               <a:spcBef>
                 <a:spcPts val="0"/>
               </a:spcBef>
@@ -1274,9 +1219,6 @@
               </a:spcAft>
               <a:buNone/>
             </a:pPr>
-            <a:r>
-              <a:t/>
-            </a:r>
             <a:endParaRPr/>
           </a:p>
         </p:txBody>
@@ -1290,11 +1232,11 @@
 </file>
 
 <file path=ppt/notesSlides/notesSlide6.xml><?xml version="1.0" encoding="utf-8"?>
-<p:notes xmlns:a="http://schemas.openxmlformats.org/drawingml/2006/main" xmlns:r="http://schemas.openxmlformats.org/officeDocument/2006/relationships" xmlns:mc="http://schemas.openxmlformats.org/markup-compatibility/2006" xmlns:mv="urn:schemas-microsoft-com:mac:vml" xmlns:p="http://schemas.openxmlformats.org/presentationml/2006/main" xmlns:c="http://schemas.openxmlformats.org/drawingml/2006/chart" xmlns:dgm="http://schemas.openxmlformats.org/drawingml/2006/diagram" xmlns:o="urn:schemas-microsoft-com:office:office" xmlns:v="urn:schemas-microsoft-com:vml" xmlns:pvml="urn:schemas-microsoft-com:office:powerpoint" xmlns:com="http://schemas.openxmlformats.org/drawingml/2006/compatibility" xmlns:p14="http://schemas.microsoft.com/office/powerpoint/2010/main" xmlns:p15="http://schemas.microsoft.com/office/powerpoint/2012/main" xmlns:ahyp="http://schemas.microsoft.com/office/drawing/2018/hyperlinkcolor" showMasterPhAnim="0" showMasterSp="0">
+<p:notes xmlns:a="http://schemas.openxmlformats.org/drawingml/2006/main" xmlns:r="http://schemas.openxmlformats.org/officeDocument/2006/relationships" xmlns:p="http://schemas.openxmlformats.org/presentationml/2006/main" showMasterSp="0" showMasterPhAnim="0">
   <p:cSld>
     <p:spTree>
       <p:nvGrpSpPr>
-        <p:cNvPr id="81" name="Shape 81"/>
+        <p:cNvPr id="1" name="Shape 81"/>
         <p:cNvGrpSpPr/>
         <p:nvPr/>
       </p:nvGrpSpPr>
@@ -1309,9 +1251,11 @@
       <p:sp>
         <p:nvSpPr>
           <p:cNvPr id="82" name="Google Shape;82;gc8921fd8c2_0_83:notes"/>
-          <p:cNvSpPr/>
+          <p:cNvSpPr>
+            <a:spLocks noGrp="1" noRot="1" noChangeAspect="1"/>
+          </p:cNvSpPr>
           <p:nvPr>
-            <p:ph idx="2" type="sldImg"/>
+            <p:ph type="sldImg" idx="2"/>
           </p:nvPr>
         </p:nvSpPr>
         <p:spPr>
@@ -1320,9 +1264,13 @@
             <a:ext cx="6096000" cy="3429000"/>
           </a:xfrm>
           <a:custGeom>
-            <a:rect b="b" l="l" r="r" t="t"/>
+            <a:avLst/>
+            <a:gdLst/>
+            <a:ahLst/>
+            <a:cxnLst/>
+            <a:rect l="l" t="t" r="r" b="b"/>
             <a:pathLst>
-              <a:path extrusionOk="0" h="120000" w="120000">
+              <a:path w="120000" h="120000" extrusionOk="0">
                 <a:moveTo>
                   <a:pt x="0" y="0"/>
                 </a:moveTo>
@@ -1344,9 +1292,11 @@
       <p:sp>
         <p:nvSpPr>
           <p:cNvPr id="83" name="Google Shape;83;gc8921fd8c2_0_83:notes"/>
-          <p:cNvSpPr txBox="1"/>
+          <p:cNvSpPr txBox="1">
+            <a:spLocks noGrp="1"/>
+          </p:cNvSpPr>
           <p:nvPr>
-            <p:ph idx="1" type="body"/>
+            <p:ph type="body" idx="1"/>
           </p:nvPr>
         </p:nvSpPr>
         <p:spPr>
@@ -1359,12 +1309,12 @@
           </a:prstGeom>
         </p:spPr>
         <p:txBody>
-          <a:bodyPr anchorCtr="0" anchor="t" bIns="91425" lIns="91425" spcFirstLastPara="1" rIns="91425" wrap="square" tIns="91425">
+          <a:bodyPr spcFirstLastPara="1" wrap="square" lIns="91425" tIns="91425" rIns="91425" bIns="91425" anchor="t" anchorCtr="0">
             <a:noAutofit/>
           </a:bodyPr>
           <a:lstStyle/>
           <a:p>
-            <a:pPr indent="0" lvl="0" marL="0" rtl="0" algn="l">
+            <a:pPr marL="0" lvl="0" indent="0" algn="l" rtl="0">
               <a:spcBef>
                 <a:spcPts val="0"/>
               </a:spcBef>
@@ -1373,9 +1323,6 @@
               </a:spcAft>
               <a:buNone/>
             </a:pPr>
-            <a:r>
-              <a:t/>
-            </a:r>
             <a:endParaRPr/>
           </a:p>
         </p:txBody>
@@ -1389,11 +1336,11 @@
 </file>
 
 <file path=ppt/notesSlides/notesSlide7.xml><?xml version="1.0" encoding="utf-8"?>
-<p:notes xmlns:a="http://schemas.openxmlformats.org/drawingml/2006/main" xmlns:r="http://schemas.openxmlformats.org/officeDocument/2006/relationships" xmlns:mc="http://schemas.openxmlformats.org/markup-compatibility/2006" xmlns:mv="urn:schemas-microsoft-com:mac:vml" xmlns:p="http://schemas.openxmlformats.org/presentationml/2006/main" xmlns:c="http://schemas.openxmlformats.org/drawingml/2006/chart" xmlns:dgm="http://schemas.openxmlformats.org/drawingml/2006/diagram" xmlns:o="urn:schemas-microsoft-com:office:office" xmlns:v="urn:schemas-microsoft-com:vml" xmlns:pvml="urn:schemas-microsoft-com:office:powerpoint" xmlns:com="http://schemas.openxmlformats.org/drawingml/2006/compatibility" xmlns:p14="http://schemas.microsoft.com/office/powerpoint/2010/main" xmlns:p15="http://schemas.microsoft.com/office/powerpoint/2012/main" xmlns:ahyp="http://schemas.microsoft.com/office/drawing/2018/hyperlinkcolor" showMasterPhAnim="0" showMasterSp="0">
+<p:notes xmlns:a="http://schemas.openxmlformats.org/drawingml/2006/main" xmlns:r="http://schemas.openxmlformats.org/officeDocument/2006/relationships" xmlns:p="http://schemas.openxmlformats.org/presentationml/2006/main" showMasterSp="0" showMasterPhAnim="0">
   <p:cSld>
     <p:spTree>
       <p:nvGrpSpPr>
-        <p:cNvPr id="87" name="Shape 87"/>
+        <p:cNvPr id="1" name="Shape 87"/>
         <p:cNvGrpSpPr/>
         <p:nvPr/>
       </p:nvGrpSpPr>
@@ -1408,9 +1355,11 @@
       <p:sp>
         <p:nvSpPr>
           <p:cNvPr id="88" name="Google Shape;88;gc8921fd8c2_0_91:notes"/>
-          <p:cNvSpPr/>
+          <p:cNvSpPr>
+            <a:spLocks noGrp="1" noRot="1" noChangeAspect="1"/>
+          </p:cNvSpPr>
           <p:nvPr>
-            <p:ph idx="2" type="sldImg"/>
+            <p:ph type="sldImg" idx="2"/>
           </p:nvPr>
         </p:nvSpPr>
         <p:spPr>
@@ -1419,9 +1368,13 @@
             <a:ext cx="6096000" cy="3429000"/>
           </a:xfrm>
           <a:custGeom>
-            <a:rect b="b" l="l" r="r" t="t"/>
+            <a:avLst/>
+            <a:gdLst/>
+            <a:ahLst/>
+            <a:cxnLst/>
+            <a:rect l="l" t="t" r="r" b="b"/>
             <a:pathLst>
-              <a:path extrusionOk="0" h="120000" w="120000">
+              <a:path w="120000" h="120000" extrusionOk="0">
                 <a:moveTo>
                   <a:pt x="0" y="0"/>
                 </a:moveTo>
@@ -1443,9 +1396,11 @@
       <p:sp>
         <p:nvSpPr>
           <p:cNvPr id="89" name="Google Shape;89;gc8921fd8c2_0_91:notes"/>
-          <p:cNvSpPr txBox="1"/>
+          <p:cNvSpPr txBox="1">
+            <a:spLocks noGrp="1"/>
+          </p:cNvSpPr>
           <p:nvPr>
-            <p:ph idx="1" type="body"/>
+            <p:ph type="body" idx="1"/>
           </p:nvPr>
         </p:nvSpPr>
         <p:spPr>
@@ -1458,12 +1413,12 @@
           </a:prstGeom>
         </p:spPr>
         <p:txBody>
-          <a:bodyPr anchorCtr="0" anchor="t" bIns="91425" lIns="91425" spcFirstLastPara="1" rIns="91425" wrap="square" tIns="91425">
+          <a:bodyPr spcFirstLastPara="1" wrap="square" lIns="91425" tIns="91425" rIns="91425" bIns="91425" anchor="t" anchorCtr="0">
             <a:noAutofit/>
           </a:bodyPr>
           <a:lstStyle/>
           <a:p>
-            <a:pPr indent="0" lvl="0" marL="0" rtl="0" algn="l">
+            <a:pPr marL="0" lvl="0" indent="0" algn="l" rtl="0">
               <a:spcBef>
                 <a:spcPts val="0"/>
               </a:spcBef>
@@ -1472,9 +1427,6 @@
               </a:spcAft>
               <a:buNone/>
             </a:pPr>
-            <a:r>
-              <a:t/>
-            </a:r>
             <a:endParaRPr/>
           </a:p>
         </p:txBody>
@@ -1488,110 +1440,11 @@
 </file>
 
 <file path=ppt/notesSlides/notesSlide8.xml><?xml version="1.0" encoding="utf-8"?>
-<p:notes xmlns:a="http://schemas.openxmlformats.org/drawingml/2006/main" xmlns:r="http://schemas.openxmlformats.org/officeDocument/2006/relationships" xmlns:mc="http://schemas.openxmlformats.org/markup-compatibility/2006" xmlns:mv="urn:schemas-microsoft-com:mac:vml" xmlns:p="http://schemas.openxmlformats.org/presentationml/2006/main" xmlns:c="http://schemas.openxmlformats.org/drawingml/2006/chart" xmlns:dgm="http://schemas.openxmlformats.org/drawingml/2006/diagram" xmlns:o="urn:schemas-microsoft-com:office:office" xmlns:v="urn:schemas-microsoft-com:vml" xmlns:pvml="urn:schemas-microsoft-com:office:powerpoint" xmlns:com="http://schemas.openxmlformats.org/drawingml/2006/compatibility" xmlns:p14="http://schemas.microsoft.com/office/powerpoint/2010/main" xmlns:p15="http://schemas.microsoft.com/office/powerpoint/2012/main" xmlns:ahyp="http://schemas.microsoft.com/office/drawing/2018/hyperlinkcolor" showMasterPhAnim="0" showMasterSp="0">
+<p:notes xmlns:a="http://schemas.openxmlformats.org/drawingml/2006/main" xmlns:r="http://schemas.openxmlformats.org/officeDocument/2006/relationships" xmlns:p="http://schemas.openxmlformats.org/presentationml/2006/main" showMasterSp="0" showMasterPhAnim="0">
   <p:cSld>
     <p:spTree>
       <p:nvGrpSpPr>
-        <p:cNvPr id="93" name="Shape 93"/>
-        <p:cNvGrpSpPr/>
-        <p:nvPr/>
-      </p:nvGrpSpPr>
-      <p:grpSpPr>
-        <a:xfrm>
-          <a:off x="0" y="0"/>
-          <a:ext cx="0" cy="0"/>
-          <a:chOff x="0" y="0"/>
-          <a:chExt cx="0" cy="0"/>
-        </a:xfrm>
-      </p:grpSpPr>
-      <p:sp>
-        <p:nvSpPr>
-          <p:cNvPr id="94" name="Google Shape;94;gc8921fd8c2_0_96:notes"/>
-          <p:cNvSpPr/>
-          <p:nvPr>
-            <p:ph idx="2" type="sldImg"/>
-          </p:nvPr>
-        </p:nvSpPr>
-        <p:spPr>
-          <a:xfrm>
-            <a:off x="381300" y="685800"/>
-            <a:ext cx="6096000" cy="3429000"/>
-          </a:xfrm>
-          <a:custGeom>
-            <a:rect b="b" l="l" r="r" t="t"/>
-            <a:pathLst>
-              <a:path extrusionOk="0" h="120000" w="120000">
-                <a:moveTo>
-                  <a:pt x="0" y="0"/>
-                </a:moveTo>
-                <a:lnTo>
-                  <a:pt x="120000" y="0"/>
-                </a:lnTo>
-                <a:lnTo>
-                  <a:pt x="120000" y="120000"/>
-                </a:lnTo>
-                <a:lnTo>
-                  <a:pt x="0" y="120000"/>
-                </a:lnTo>
-                <a:close/>
-              </a:path>
-            </a:pathLst>
-          </a:custGeom>
-        </p:spPr>
-      </p:sp>
-      <p:sp>
-        <p:nvSpPr>
-          <p:cNvPr id="95" name="Google Shape;95;gc8921fd8c2_0_96:notes"/>
-          <p:cNvSpPr txBox="1"/>
-          <p:nvPr>
-            <p:ph idx="1" type="body"/>
-          </p:nvPr>
-        </p:nvSpPr>
-        <p:spPr>
-          <a:xfrm>
-            <a:off x="685800" y="4343400"/>
-            <a:ext cx="5486400" cy="4114800"/>
-          </a:xfrm>
-          <a:prstGeom prst="rect">
-            <a:avLst/>
-          </a:prstGeom>
-        </p:spPr>
-        <p:txBody>
-          <a:bodyPr anchorCtr="0" anchor="t" bIns="91425" lIns="91425" spcFirstLastPara="1" rIns="91425" wrap="square" tIns="91425">
-            <a:noAutofit/>
-          </a:bodyPr>
-          <a:lstStyle/>
-          <a:p>
-            <a:pPr indent="0" lvl="0" marL="0" rtl="0" algn="l">
-              <a:spcBef>
-                <a:spcPts val="0"/>
-              </a:spcBef>
-              <a:spcAft>
-                <a:spcPts val="0"/>
-              </a:spcAft>
-              <a:buNone/>
-            </a:pPr>
-            <a:r>
-              <a:t/>
-            </a:r>
-            <a:endParaRPr/>
-          </a:p>
-        </p:txBody>
-      </p:sp>
-    </p:spTree>
-  </p:cSld>
-  <p:clrMapOvr>
-    <a:masterClrMapping/>
-  </p:clrMapOvr>
-</p:notes>
-</file>
-
-<file path=ppt/notesSlides/notesSlide9.xml><?xml version="1.0" encoding="utf-8"?>
-<p:notes xmlns:a="http://schemas.openxmlformats.org/drawingml/2006/main" xmlns:r="http://schemas.openxmlformats.org/officeDocument/2006/relationships" xmlns:mc="http://schemas.openxmlformats.org/markup-compatibility/2006" xmlns:mv="urn:schemas-microsoft-com:mac:vml" xmlns:p="http://schemas.openxmlformats.org/presentationml/2006/main" xmlns:c="http://schemas.openxmlformats.org/drawingml/2006/chart" xmlns:dgm="http://schemas.openxmlformats.org/drawingml/2006/diagram" xmlns:o="urn:schemas-microsoft-com:office:office" xmlns:v="urn:schemas-microsoft-com:vml" xmlns:pvml="urn:schemas-microsoft-com:office:powerpoint" xmlns:com="http://schemas.openxmlformats.org/drawingml/2006/compatibility" xmlns:p14="http://schemas.microsoft.com/office/powerpoint/2010/main" xmlns:p15="http://schemas.microsoft.com/office/powerpoint/2012/main" xmlns:ahyp="http://schemas.microsoft.com/office/drawing/2018/hyperlinkcolor" showMasterPhAnim="0" showMasterSp="0">
-  <p:cSld>
-    <p:spTree>
-      <p:nvGrpSpPr>
-        <p:cNvPr id="99" name="Shape 99"/>
+        <p:cNvPr id="1" name="Shape 99"/>
         <p:cNvGrpSpPr/>
         <p:nvPr/>
       </p:nvGrpSpPr>
@@ -1606,20 +1459,26 @@
       <p:sp>
         <p:nvSpPr>
           <p:cNvPr id="100" name="Google Shape;100;gc8921fd8c2_0_101:notes"/>
-          <p:cNvSpPr/>
+          <p:cNvSpPr>
+            <a:spLocks noGrp="1" noRot="1" noChangeAspect="1"/>
+          </p:cNvSpPr>
           <p:nvPr>
-            <p:ph idx="2" type="sldImg"/>
+            <p:ph type="sldImg" idx="2"/>
           </p:nvPr>
         </p:nvSpPr>
         <p:spPr>
           <a:xfrm>
-            <a:off x="381300" y="685800"/>
+            <a:off x="381000" y="685800"/>
             <a:ext cx="6096000" cy="3429000"/>
           </a:xfrm>
           <a:custGeom>
-            <a:rect b="b" l="l" r="r" t="t"/>
+            <a:avLst/>
+            <a:gdLst/>
+            <a:ahLst/>
+            <a:cxnLst/>
+            <a:rect l="l" t="t" r="r" b="b"/>
             <a:pathLst>
-              <a:path extrusionOk="0" h="120000" w="120000">
+              <a:path w="120000" h="120000" extrusionOk="0">
                 <a:moveTo>
                   <a:pt x="0" y="0"/>
                 </a:moveTo>
@@ -1641,9 +1500,11 @@
       <p:sp>
         <p:nvSpPr>
           <p:cNvPr id="101" name="Google Shape;101;gc8921fd8c2_0_101:notes"/>
-          <p:cNvSpPr txBox="1"/>
+          <p:cNvSpPr txBox="1">
+            <a:spLocks noGrp="1"/>
+          </p:cNvSpPr>
           <p:nvPr>
-            <p:ph idx="1" type="body"/>
+            <p:ph type="body" idx="1"/>
           </p:nvPr>
         </p:nvSpPr>
         <p:spPr>
@@ -1656,12 +1517,12 @@
           </a:prstGeom>
         </p:spPr>
         <p:txBody>
-          <a:bodyPr anchorCtr="0" anchor="t" bIns="91425" lIns="91425" spcFirstLastPara="1" rIns="91425" wrap="square" tIns="91425">
+          <a:bodyPr spcFirstLastPara="1" wrap="square" lIns="91425" tIns="91425" rIns="91425" bIns="91425" anchor="t" anchorCtr="0">
             <a:noAutofit/>
           </a:bodyPr>
           <a:lstStyle/>
           <a:p>
-            <a:pPr indent="0" lvl="0" marL="0" rtl="0" algn="l">
+            <a:pPr marL="0" lvl="0" indent="0" algn="l" rtl="0">
               <a:spcBef>
                 <a:spcPts val="0"/>
               </a:spcBef>
@@ -1670,9 +1531,6 @@
               </a:spcAft>
               <a:buNone/>
             </a:pPr>
-            <a:r>
-              <a:t/>
-            </a:r>
             <a:endParaRPr/>
           </a:p>
         </p:txBody>
@@ -1686,11 +1544,11 @@
 </file>
 
 <file path=ppt/slideLayouts/slideLayout1.xml><?xml version="1.0" encoding="utf-8"?>
-<p:sldLayout xmlns:a="http://schemas.openxmlformats.org/drawingml/2006/main" xmlns:r="http://schemas.openxmlformats.org/officeDocument/2006/relationships" xmlns:mc="http://schemas.openxmlformats.org/markup-compatibility/2006" xmlns:mv="urn:schemas-microsoft-com:mac:vml" xmlns:p="http://schemas.openxmlformats.org/presentationml/2006/main" xmlns:c="http://schemas.openxmlformats.org/drawingml/2006/chart" xmlns:dgm="http://schemas.openxmlformats.org/drawingml/2006/diagram" xmlns:o="urn:schemas-microsoft-com:office:office" xmlns:v="urn:schemas-microsoft-com:vml" xmlns:pvml="urn:schemas-microsoft-com:office:powerpoint" xmlns:com="http://schemas.openxmlformats.org/drawingml/2006/compatibility" xmlns:p14="http://schemas.microsoft.com/office/powerpoint/2010/main" xmlns:p15="http://schemas.microsoft.com/office/powerpoint/2012/main" xmlns:ahyp="http://schemas.microsoft.com/office/drawing/2018/hyperlinkcolor" matchingName="Title slide" type="title">
+<p:sldLayout xmlns:a="http://schemas.openxmlformats.org/drawingml/2006/main" xmlns:r="http://schemas.openxmlformats.org/officeDocument/2006/relationships" xmlns:p="http://schemas.openxmlformats.org/presentationml/2006/main" matchingName="Title slide" type="title">
   <p:cSld name="TITLE">
     <p:spTree>
       <p:nvGrpSpPr>
-        <p:cNvPr id="9" name="Shape 9"/>
+        <p:cNvPr id="1" name="Shape 9"/>
         <p:cNvGrpSpPr/>
         <p:nvPr/>
       </p:nvGrpSpPr>
@@ -1705,7 +1563,9 @@
       <p:sp>
         <p:nvSpPr>
           <p:cNvPr id="10" name="Google Shape;10;p2"/>
-          <p:cNvSpPr txBox="1"/>
+          <p:cNvSpPr txBox="1">
+            <a:spLocks noGrp="1"/>
+          </p:cNvSpPr>
           <p:nvPr>
             <p:ph type="ctrTitle"/>
           </p:nvPr>
@@ -1720,7 +1580,7 @@
           </a:prstGeom>
         </p:spPr>
         <p:txBody>
-          <a:bodyPr anchorCtr="0" anchor="b" bIns="91425" lIns="91425" spcFirstLastPara="1" rIns="91425" wrap="square" tIns="91425">
+          <a:bodyPr spcFirstLastPara="1" wrap="square" lIns="91425" tIns="91425" rIns="91425" bIns="91425" anchor="b" anchorCtr="0">
             <a:normAutofit/>
           </a:bodyPr>
           <a:lstStyle>
@@ -1824,15 +1684,19 @@
               <a:defRPr sz="5200"/>
             </a:lvl9pPr>
           </a:lstStyle>
-          <a:p/>
+          <a:p>
+            <a:endParaRPr/>
+          </a:p>
         </p:txBody>
       </p:sp>
       <p:sp>
         <p:nvSpPr>
           <p:cNvPr id="11" name="Google Shape;11;p2"/>
-          <p:cNvSpPr txBox="1"/>
+          <p:cNvSpPr txBox="1">
+            <a:spLocks noGrp="1"/>
+          </p:cNvSpPr>
           <p:nvPr>
-            <p:ph idx="1" type="subTitle"/>
+            <p:ph type="subTitle" idx="1"/>
           </p:nvPr>
         </p:nvSpPr>
         <p:spPr>
@@ -1845,7 +1709,7 @@
           </a:prstGeom>
         </p:spPr>
         <p:txBody>
-          <a:bodyPr anchorCtr="0" anchor="t" bIns="91425" lIns="91425" spcFirstLastPara="1" rIns="91425" wrap="square" tIns="91425">
+          <a:bodyPr spcFirstLastPara="1" wrap="square" lIns="91425" tIns="91425" rIns="91425" bIns="91425" anchor="t" anchorCtr="0">
             <a:normAutofit/>
           </a:bodyPr>
           <a:lstStyle>
@@ -1976,15 +1840,19 @@
               <a:defRPr sz="2800"/>
             </a:lvl9pPr>
           </a:lstStyle>
-          <a:p/>
+          <a:p>
+            <a:endParaRPr/>
+          </a:p>
         </p:txBody>
       </p:sp>
       <p:sp>
         <p:nvSpPr>
           <p:cNvPr id="12" name="Google Shape;12;p2"/>
-          <p:cNvSpPr txBox="1"/>
+          <p:cNvSpPr txBox="1">
+            <a:spLocks noGrp="1"/>
+          </p:cNvSpPr>
           <p:nvPr>
-            <p:ph idx="12" type="sldNum"/>
+            <p:ph type="sldNum" idx="12"/>
           </p:nvPr>
         </p:nvSpPr>
         <p:spPr>
@@ -1997,7 +1865,7 @@
           </a:prstGeom>
         </p:spPr>
         <p:txBody>
-          <a:bodyPr anchorCtr="0" anchor="ctr" bIns="91425" lIns="91425" spcFirstLastPara="1" rIns="91425" wrap="square" tIns="91425">
+          <a:bodyPr spcFirstLastPara="1" wrap="square" lIns="91425" tIns="91425" rIns="91425" bIns="91425" anchor="ctr" anchorCtr="0">
             <a:normAutofit/>
           </a:bodyPr>
           <a:lstStyle>
@@ -2039,7 +1907,7 @@
             </a:lvl9pPr>
           </a:lstStyle>
           <a:p>
-            <a:pPr indent="0" lvl="0" marL="0" rtl="0" algn="r">
+            <a:pPr marL="0" lvl="0" indent="0" algn="r" rtl="0">
               <a:spcBef>
                 <a:spcPts val="0"/>
               </a:spcBef>
@@ -2065,11 +1933,11 @@
 </file>
 
 <file path=ppt/slideLayouts/slideLayout10.xml><?xml version="1.0" encoding="utf-8"?>
-<p:sldLayout xmlns:a="http://schemas.openxmlformats.org/drawingml/2006/main" xmlns:r="http://schemas.openxmlformats.org/officeDocument/2006/relationships" xmlns:mc="http://schemas.openxmlformats.org/markup-compatibility/2006" xmlns:mv="urn:schemas-microsoft-com:mac:vml" xmlns:p="http://schemas.openxmlformats.org/presentationml/2006/main" xmlns:c="http://schemas.openxmlformats.org/drawingml/2006/chart" xmlns:dgm="http://schemas.openxmlformats.org/drawingml/2006/diagram" xmlns:o="urn:schemas-microsoft-com:office:office" xmlns:v="urn:schemas-microsoft-com:vml" xmlns:pvml="urn:schemas-microsoft-com:office:powerpoint" xmlns:com="http://schemas.openxmlformats.org/drawingml/2006/compatibility" xmlns:p14="http://schemas.microsoft.com/office/powerpoint/2010/main" xmlns:p15="http://schemas.microsoft.com/office/powerpoint/2012/main" xmlns:ahyp="http://schemas.microsoft.com/office/drawing/2018/hyperlinkcolor" matchingName="Big number">
+<p:sldLayout xmlns:a="http://schemas.openxmlformats.org/drawingml/2006/main" xmlns:r="http://schemas.openxmlformats.org/officeDocument/2006/relationships" xmlns:p="http://schemas.openxmlformats.org/presentationml/2006/main" matchingName="Big number">
   <p:cSld name="BIG_NUMBER">
     <p:spTree>
       <p:nvGrpSpPr>
-        <p:cNvPr id="44" name="Shape 44"/>
+        <p:cNvPr id="1" name="Shape 44"/>
         <p:cNvGrpSpPr/>
         <p:nvPr/>
       </p:nvGrpSpPr>
@@ -2084,9 +1952,11 @@
       <p:sp>
         <p:nvSpPr>
           <p:cNvPr id="45" name="Google Shape;45;p11"/>
-          <p:cNvSpPr txBox="1"/>
+          <p:cNvSpPr txBox="1">
+            <a:spLocks noGrp="1"/>
+          </p:cNvSpPr>
           <p:nvPr>
-            <p:ph hasCustomPrompt="1" type="title"/>
+            <p:ph type="title" hasCustomPrompt="1"/>
           </p:nvPr>
         </p:nvSpPr>
         <p:spPr>
@@ -2099,7 +1969,7 @@
           </a:prstGeom>
         </p:spPr>
         <p:txBody>
-          <a:bodyPr anchorCtr="0" anchor="b" bIns="91425" lIns="91425" spcFirstLastPara="1" rIns="91425" wrap="square" tIns="91425">
+          <a:bodyPr spcFirstLastPara="1" wrap="square" lIns="91425" tIns="91425" rIns="91425" bIns="91425" anchor="b" anchorCtr="0">
             <a:normAutofit/>
           </a:bodyPr>
           <a:lstStyle>
@@ -2213,9 +2083,11 @@
       <p:sp>
         <p:nvSpPr>
           <p:cNvPr id="46" name="Google Shape;46;p11"/>
-          <p:cNvSpPr txBox="1"/>
+          <p:cNvSpPr txBox="1">
+            <a:spLocks noGrp="1"/>
+          </p:cNvSpPr>
           <p:nvPr>
-            <p:ph idx="1" type="body"/>
+            <p:ph type="body" idx="1"/>
           </p:nvPr>
         </p:nvSpPr>
         <p:spPr>
@@ -2228,11 +2100,11 @@
           </a:prstGeom>
         </p:spPr>
         <p:txBody>
-          <a:bodyPr anchorCtr="0" anchor="t" bIns="91425" lIns="91425" spcFirstLastPara="1" rIns="91425" wrap="square" tIns="91425">
+          <a:bodyPr spcFirstLastPara="1" wrap="square" lIns="91425" tIns="91425" rIns="91425" bIns="91425" anchor="t" anchorCtr="0">
             <a:normAutofit/>
           </a:bodyPr>
           <a:lstStyle>
-            <a:lvl1pPr indent="-342900" lvl="0" marL="457200" algn="ctr">
+            <a:lvl1pPr marL="457200" lvl="0" indent="-342900" algn="ctr">
               <a:spcBef>
                 <a:spcPts val="0"/>
               </a:spcBef>
@@ -2243,7 +2115,7 @@
               <a:buChar char="●"/>
               <a:defRPr/>
             </a:lvl1pPr>
-            <a:lvl2pPr indent="-317500" lvl="1" marL="914400" algn="ctr">
+            <a:lvl2pPr marL="914400" lvl="1" indent="-317500" algn="ctr">
               <a:spcBef>
                 <a:spcPts val="0"/>
               </a:spcBef>
@@ -2254,7 +2126,7 @@
               <a:buChar char="○"/>
               <a:defRPr/>
             </a:lvl2pPr>
-            <a:lvl3pPr indent="-317500" lvl="2" marL="1371600" algn="ctr">
+            <a:lvl3pPr marL="1371600" lvl="2" indent="-317500" algn="ctr">
               <a:spcBef>
                 <a:spcPts val="0"/>
               </a:spcBef>
@@ -2265,7 +2137,7 @@
               <a:buChar char="■"/>
               <a:defRPr/>
             </a:lvl3pPr>
-            <a:lvl4pPr indent="-317500" lvl="3" marL="1828800" algn="ctr">
+            <a:lvl4pPr marL="1828800" lvl="3" indent="-317500" algn="ctr">
               <a:spcBef>
                 <a:spcPts val="0"/>
               </a:spcBef>
@@ -2276,7 +2148,7 @@
               <a:buChar char="●"/>
               <a:defRPr/>
             </a:lvl4pPr>
-            <a:lvl5pPr indent="-317500" lvl="4" marL="2286000" algn="ctr">
+            <a:lvl5pPr marL="2286000" lvl="4" indent="-317500" algn="ctr">
               <a:spcBef>
                 <a:spcPts val="0"/>
               </a:spcBef>
@@ -2287,7 +2159,7 @@
               <a:buChar char="○"/>
               <a:defRPr/>
             </a:lvl5pPr>
-            <a:lvl6pPr indent="-317500" lvl="5" marL="2743200" algn="ctr">
+            <a:lvl6pPr marL="2743200" lvl="5" indent="-317500" algn="ctr">
               <a:spcBef>
                 <a:spcPts val="0"/>
               </a:spcBef>
@@ -2298,7 +2170,7 @@
               <a:buChar char="■"/>
               <a:defRPr/>
             </a:lvl6pPr>
-            <a:lvl7pPr indent="-317500" lvl="6" marL="3200400" algn="ctr">
+            <a:lvl7pPr marL="3200400" lvl="6" indent="-317500" algn="ctr">
               <a:spcBef>
                 <a:spcPts val="0"/>
               </a:spcBef>
@@ -2309,7 +2181,7 @@
               <a:buChar char="●"/>
               <a:defRPr/>
             </a:lvl7pPr>
-            <a:lvl8pPr indent="-317500" lvl="7" marL="3657600" algn="ctr">
+            <a:lvl8pPr marL="3657600" lvl="7" indent="-317500" algn="ctr">
               <a:spcBef>
                 <a:spcPts val="0"/>
               </a:spcBef>
@@ -2320,7 +2192,7 @@
               <a:buChar char="○"/>
               <a:defRPr/>
             </a:lvl8pPr>
-            <a:lvl9pPr indent="-317500" lvl="8" marL="4114800" algn="ctr">
+            <a:lvl9pPr marL="4114800" lvl="8" indent="-317500" algn="ctr">
               <a:spcBef>
                 <a:spcPts val="0"/>
               </a:spcBef>
@@ -2332,15 +2204,19 @@
               <a:defRPr/>
             </a:lvl9pPr>
           </a:lstStyle>
-          <a:p/>
+          <a:p>
+            <a:endParaRPr/>
+          </a:p>
         </p:txBody>
       </p:sp>
       <p:sp>
         <p:nvSpPr>
           <p:cNvPr id="47" name="Google Shape;47;p11"/>
-          <p:cNvSpPr txBox="1"/>
+          <p:cNvSpPr txBox="1">
+            <a:spLocks noGrp="1"/>
+          </p:cNvSpPr>
           <p:nvPr>
-            <p:ph idx="12" type="sldNum"/>
+            <p:ph type="sldNum" idx="12"/>
           </p:nvPr>
         </p:nvSpPr>
         <p:spPr>
@@ -2353,7 +2229,7 @@
           </a:prstGeom>
         </p:spPr>
         <p:txBody>
-          <a:bodyPr anchorCtr="0" anchor="ctr" bIns="91425" lIns="91425" spcFirstLastPara="1" rIns="91425" wrap="square" tIns="91425">
+          <a:bodyPr spcFirstLastPara="1" wrap="square" lIns="91425" tIns="91425" rIns="91425" bIns="91425" anchor="ctr" anchorCtr="0">
             <a:normAutofit/>
           </a:bodyPr>
           <a:lstStyle>
@@ -2395,7 +2271,7 @@
             </a:lvl9pPr>
           </a:lstStyle>
           <a:p>
-            <a:pPr indent="0" lvl="0" marL="0" rtl="0" algn="r">
+            <a:pPr marL="0" lvl="0" indent="0" algn="r" rtl="0">
               <a:spcBef>
                 <a:spcPts val="0"/>
               </a:spcBef>
@@ -2421,11 +2297,11 @@
 </file>
 
 <file path=ppt/slideLayouts/slideLayout11.xml><?xml version="1.0" encoding="utf-8"?>
-<p:sldLayout xmlns:a="http://schemas.openxmlformats.org/drawingml/2006/main" xmlns:r="http://schemas.openxmlformats.org/officeDocument/2006/relationships" xmlns:mc="http://schemas.openxmlformats.org/markup-compatibility/2006" xmlns:mv="urn:schemas-microsoft-com:mac:vml" xmlns:p="http://schemas.openxmlformats.org/presentationml/2006/main" xmlns:c="http://schemas.openxmlformats.org/drawingml/2006/chart" xmlns:dgm="http://schemas.openxmlformats.org/drawingml/2006/diagram" xmlns:o="urn:schemas-microsoft-com:office:office" xmlns:v="urn:schemas-microsoft-com:vml" xmlns:pvml="urn:schemas-microsoft-com:office:powerpoint" xmlns:com="http://schemas.openxmlformats.org/drawingml/2006/compatibility" xmlns:p14="http://schemas.microsoft.com/office/powerpoint/2010/main" xmlns:p15="http://schemas.microsoft.com/office/powerpoint/2012/main" xmlns:ahyp="http://schemas.microsoft.com/office/drawing/2018/hyperlinkcolor" matchingName="Blank" type="blank">
+<p:sldLayout xmlns:a="http://schemas.openxmlformats.org/drawingml/2006/main" xmlns:r="http://schemas.openxmlformats.org/officeDocument/2006/relationships" xmlns:p="http://schemas.openxmlformats.org/presentationml/2006/main" matchingName="Blank" type="blank">
   <p:cSld name="BLANK">
     <p:spTree>
       <p:nvGrpSpPr>
-        <p:cNvPr id="48" name="Shape 48"/>
+        <p:cNvPr id="1" name="Shape 48"/>
         <p:cNvGrpSpPr/>
         <p:nvPr/>
       </p:nvGrpSpPr>
@@ -2440,9 +2316,11 @@
       <p:sp>
         <p:nvSpPr>
           <p:cNvPr id="49" name="Google Shape;49;p12"/>
-          <p:cNvSpPr txBox="1"/>
+          <p:cNvSpPr txBox="1">
+            <a:spLocks noGrp="1"/>
+          </p:cNvSpPr>
           <p:nvPr>
-            <p:ph idx="12" type="sldNum"/>
+            <p:ph type="sldNum" idx="12"/>
           </p:nvPr>
         </p:nvSpPr>
         <p:spPr>
@@ -2455,7 +2333,7 @@
           </a:prstGeom>
         </p:spPr>
         <p:txBody>
-          <a:bodyPr anchorCtr="0" anchor="ctr" bIns="91425" lIns="91425" spcFirstLastPara="1" rIns="91425" wrap="square" tIns="91425">
+          <a:bodyPr spcFirstLastPara="1" wrap="square" lIns="91425" tIns="91425" rIns="91425" bIns="91425" anchor="ctr" anchorCtr="0">
             <a:normAutofit/>
           </a:bodyPr>
           <a:lstStyle>
@@ -2497,7 +2375,7 @@
             </a:lvl9pPr>
           </a:lstStyle>
           <a:p>
-            <a:pPr indent="0" lvl="0" marL="0" rtl="0" algn="r">
+            <a:pPr marL="0" lvl="0" indent="0" algn="r" rtl="0">
               <a:spcBef>
                 <a:spcPts val="0"/>
               </a:spcBef>
@@ -2523,11 +2401,11 @@
 </file>
 
 <file path=ppt/slideLayouts/slideLayout2.xml><?xml version="1.0" encoding="utf-8"?>
-<p:sldLayout xmlns:a="http://schemas.openxmlformats.org/drawingml/2006/main" xmlns:r="http://schemas.openxmlformats.org/officeDocument/2006/relationships" xmlns:mc="http://schemas.openxmlformats.org/markup-compatibility/2006" xmlns:mv="urn:schemas-microsoft-com:mac:vml" xmlns:p="http://schemas.openxmlformats.org/presentationml/2006/main" xmlns:c="http://schemas.openxmlformats.org/drawingml/2006/chart" xmlns:dgm="http://schemas.openxmlformats.org/drawingml/2006/diagram" xmlns:o="urn:schemas-microsoft-com:office:office" xmlns:v="urn:schemas-microsoft-com:vml" xmlns:pvml="urn:schemas-microsoft-com:office:powerpoint" xmlns:com="http://schemas.openxmlformats.org/drawingml/2006/compatibility" xmlns:p14="http://schemas.microsoft.com/office/powerpoint/2010/main" xmlns:p15="http://schemas.microsoft.com/office/powerpoint/2012/main" xmlns:ahyp="http://schemas.microsoft.com/office/drawing/2018/hyperlinkcolor" matchingName="Section header" type="secHead">
+<p:sldLayout xmlns:a="http://schemas.openxmlformats.org/drawingml/2006/main" xmlns:r="http://schemas.openxmlformats.org/officeDocument/2006/relationships" xmlns:p="http://schemas.openxmlformats.org/presentationml/2006/main" matchingName="Section header" type="secHead">
   <p:cSld name="SECTION_HEADER">
     <p:spTree>
       <p:nvGrpSpPr>
-        <p:cNvPr id="13" name="Shape 13"/>
+        <p:cNvPr id="1" name="Shape 13"/>
         <p:cNvGrpSpPr/>
         <p:nvPr/>
       </p:nvGrpSpPr>
@@ -2542,7 +2420,9 @@
       <p:sp>
         <p:nvSpPr>
           <p:cNvPr id="14" name="Google Shape;14;p3"/>
-          <p:cNvSpPr txBox="1"/>
+          <p:cNvSpPr txBox="1">
+            <a:spLocks noGrp="1"/>
+          </p:cNvSpPr>
           <p:nvPr>
             <p:ph type="title"/>
           </p:nvPr>
@@ -2557,7 +2437,7 @@
           </a:prstGeom>
         </p:spPr>
         <p:txBody>
-          <a:bodyPr anchorCtr="0" anchor="ctr" bIns="91425" lIns="91425" spcFirstLastPara="1" rIns="91425" wrap="square" tIns="91425">
+          <a:bodyPr spcFirstLastPara="1" wrap="square" lIns="91425" tIns="91425" rIns="91425" bIns="91425" anchor="ctr" anchorCtr="0">
             <a:normAutofit/>
           </a:bodyPr>
           <a:lstStyle>
@@ -2661,15 +2541,19 @@
               <a:defRPr sz="3600"/>
             </a:lvl9pPr>
           </a:lstStyle>
-          <a:p/>
+          <a:p>
+            <a:endParaRPr/>
+          </a:p>
         </p:txBody>
       </p:sp>
       <p:sp>
         <p:nvSpPr>
           <p:cNvPr id="15" name="Google Shape;15;p3"/>
-          <p:cNvSpPr txBox="1"/>
+          <p:cNvSpPr txBox="1">
+            <a:spLocks noGrp="1"/>
+          </p:cNvSpPr>
           <p:nvPr>
-            <p:ph idx="12" type="sldNum"/>
+            <p:ph type="sldNum" idx="12"/>
           </p:nvPr>
         </p:nvSpPr>
         <p:spPr>
@@ -2682,7 +2566,7 @@
           </a:prstGeom>
         </p:spPr>
         <p:txBody>
-          <a:bodyPr anchorCtr="0" anchor="ctr" bIns="91425" lIns="91425" spcFirstLastPara="1" rIns="91425" wrap="square" tIns="91425">
+          <a:bodyPr spcFirstLastPara="1" wrap="square" lIns="91425" tIns="91425" rIns="91425" bIns="91425" anchor="ctr" anchorCtr="0">
             <a:normAutofit/>
           </a:bodyPr>
           <a:lstStyle>
@@ -2724,7 +2608,7 @@
             </a:lvl9pPr>
           </a:lstStyle>
           <a:p>
-            <a:pPr indent="0" lvl="0" marL="0" rtl="0" algn="r">
+            <a:pPr marL="0" lvl="0" indent="0" algn="r" rtl="0">
               <a:spcBef>
                 <a:spcPts val="0"/>
               </a:spcBef>
@@ -2750,11 +2634,11 @@
 </file>
 
 <file path=ppt/slideLayouts/slideLayout3.xml><?xml version="1.0" encoding="utf-8"?>
-<p:sldLayout xmlns:a="http://schemas.openxmlformats.org/drawingml/2006/main" xmlns:r="http://schemas.openxmlformats.org/officeDocument/2006/relationships" xmlns:mc="http://schemas.openxmlformats.org/markup-compatibility/2006" xmlns:mv="urn:schemas-microsoft-com:mac:vml" xmlns:p="http://schemas.openxmlformats.org/presentationml/2006/main" xmlns:c="http://schemas.openxmlformats.org/drawingml/2006/chart" xmlns:dgm="http://schemas.openxmlformats.org/drawingml/2006/diagram" xmlns:o="urn:schemas-microsoft-com:office:office" xmlns:v="urn:schemas-microsoft-com:vml" xmlns:pvml="urn:schemas-microsoft-com:office:powerpoint" xmlns:com="http://schemas.openxmlformats.org/drawingml/2006/compatibility" xmlns:p14="http://schemas.microsoft.com/office/powerpoint/2010/main" xmlns:p15="http://schemas.microsoft.com/office/powerpoint/2012/main" xmlns:ahyp="http://schemas.microsoft.com/office/drawing/2018/hyperlinkcolor" matchingName="Title and body" type="tx">
+<p:sldLayout xmlns:a="http://schemas.openxmlformats.org/drawingml/2006/main" xmlns:r="http://schemas.openxmlformats.org/officeDocument/2006/relationships" xmlns:p="http://schemas.openxmlformats.org/presentationml/2006/main" matchingName="Title and body" type="tx">
   <p:cSld name="TITLE_AND_BODY">
     <p:spTree>
       <p:nvGrpSpPr>
-        <p:cNvPr id="16" name="Shape 16"/>
+        <p:cNvPr id="1" name="Shape 16"/>
         <p:cNvGrpSpPr/>
         <p:nvPr/>
       </p:nvGrpSpPr>
@@ -2769,7 +2653,9 @@
       <p:sp>
         <p:nvSpPr>
           <p:cNvPr id="17" name="Google Shape;17;p4"/>
-          <p:cNvSpPr txBox="1"/>
+          <p:cNvSpPr txBox="1">
+            <a:spLocks noGrp="1"/>
+          </p:cNvSpPr>
           <p:nvPr>
             <p:ph type="title"/>
           </p:nvPr>
@@ -2784,7 +2670,7 @@
           </a:prstGeom>
         </p:spPr>
         <p:txBody>
-          <a:bodyPr anchorCtr="0" anchor="t" bIns="91425" lIns="91425" spcFirstLastPara="1" rIns="91425" wrap="square" tIns="91425">
+          <a:bodyPr spcFirstLastPara="1" wrap="square" lIns="91425" tIns="91425" rIns="91425" bIns="91425" anchor="t" anchorCtr="0">
             <a:normAutofit/>
           </a:bodyPr>
           <a:lstStyle>
@@ -2888,15 +2774,19 @@
               <a:defRPr/>
             </a:lvl9pPr>
           </a:lstStyle>
-          <a:p/>
+          <a:p>
+            <a:endParaRPr/>
+          </a:p>
         </p:txBody>
       </p:sp>
       <p:sp>
         <p:nvSpPr>
           <p:cNvPr id="18" name="Google Shape;18;p4"/>
-          <p:cNvSpPr txBox="1"/>
+          <p:cNvSpPr txBox="1">
+            <a:spLocks noGrp="1"/>
+          </p:cNvSpPr>
           <p:nvPr>
-            <p:ph idx="1" type="body"/>
+            <p:ph type="body" idx="1"/>
           </p:nvPr>
         </p:nvSpPr>
         <p:spPr>
@@ -2909,11 +2799,11 @@
           </a:prstGeom>
         </p:spPr>
         <p:txBody>
-          <a:bodyPr anchorCtr="0" anchor="t" bIns="91425" lIns="91425" spcFirstLastPara="1" rIns="91425" wrap="square" tIns="91425">
+          <a:bodyPr spcFirstLastPara="1" wrap="square" lIns="91425" tIns="91425" rIns="91425" bIns="91425" anchor="t" anchorCtr="0">
             <a:normAutofit/>
           </a:bodyPr>
           <a:lstStyle>
-            <a:lvl1pPr indent="-342900" lvl="0" marL="457200">
+            <a:lvl1pPr marL="457200" lvl="0" indent="-342900">
               <a:spcBef>
                 <a:spcPts val="0"/>
               </a:spcBef>
@@ -2924,7 +2814,7 @@
               <a:buChar char="●"/>
               <a:defRPr/>
             </a:lvl1pPr>
-            <a:lvl2pPr indent="-317500" lvl="1" marL="914400">
+            <a:lvl2pPr marL="914400" lvl="1" indent="-317500">
               <a:spcBef>
                 <a:spcPts val="0"/>
               </a:spcBef>
@@ -2935,7 +2825,7 @@
               <a:buChar char="○"/>
               <a:defRPr/>
             </a:lvl2pPr>
-            <a:lvl3pPr indent="-317500" lvl="2" marL="1371600">
+            <a:lvl3pPr marL="1371600" lvl="2" indent="-317500">
               <a:spcBef>
                 <a:spcPts val="0"/>
               </a:spcBef>
@@ -2946,7 +2836,7 @@
               <a:buChar char="■"/>
               <a:defRPr/>
             </a:lvl3pPr>
-            <a:lvl4pPr indent="-317500" lvl="3" marL="1828800">
+            <a:lvl4pPr marL="1828800" lvl="3" indent="-317500">
               <a:spcBef>
                 <a:spcPts val="0"/>
               </a:spcBef>
@@ -2957,7 +2847,7 @@
               <a:buChar char="●"/>
               <a:defRPr/>
             </a:lvl4pPr>
-            <a:lvl5pPr indent="-317500" lvl="4" marL="2286000">
+            <a:lvl5pPr marL="2286000" lvl="4" indent="-317500">
               <a:spcBef>
                 <a:spcPts val="0"/>
               </a:spcBef>
@@ -2968,7 +2858,7 @@
               <a:buChar char="○"/>
               <a:defRPr/>
             </a:lvl5pPr>
-            <a:lvl6pPr indent="-317500" lvl="5" marL="2743200">
+            <a:lvl6pPr marL="2743200" lvl="5" indent="-317500">
               <a:spcBef>
                 <a:spcPts val="0"/>
               </a:spcBef>
@@ -2979,7 +2869,7 @@
               <a:buChar char="■"/>
               <a:defRPr/>
             </a:lvl6pPr>
-            <a:lvl7pPr indent="-317500" lvl="6" marL="3200400">
+            <a:lvl7pPr marL="3200400" lvl="6" indent="-317500">
               <a:spcBef>
                 <a:spcPts val="0"/>
               </a:spcBef>
@@ -2990,7 +2880,7 @@
               <a:buChar char="●"/>
               <a:defRPr/>
             </a:lvl7pPr>
-            <a:lvl8pPr indent="-317500" lvl="7" marL="3657600">
+            <a:lvl8pPr marL="3657600" lvl="7" indent="-317500">
               <a:spcBef>
                 <a:spcPts val="0"/>
               </a:spcBef>
@@ -3001,7 +2891,7 @@
               <a:buChar char="○"/>
               <a:defRPr/>
             </a:lvl8pPr>
-            <a:lvl9pPr indent="-317500" lvl="8" marL="4114800">
+            <a:lvl9pPr marL="4114800" lvl="8" indent="-317500">
               <a:spcBef>
                 <a:spcPts val="0"/>
               </a:spcBef>
@@ -3013,15 +2903,19 @@
               <a:defRPr/>
             </a:lvl9pPr>
           </a:lstStyle>
-          <a:p/>
+          <a:p>
+            <a:endParaRPr/>
+          </a:p>
         </p:txBody>
       </p:sp>
       <p:sp>
         <p:nvSpPr>
           <p:cNvPr id="19" name="Google Shape;19;p4"/>
-          <p:cNvSpPr txBox="1"/>
+          <p:cNvSpPr txBox="1">
+            <a:spLocks noGrp="1"/>
+          </p:cNvSpPr>
           <p:nvPr>
-            <p:ph idx="12" type="sldNum"/>
+            <p:ph type="sldNum" idx="12"/>
           </p:nvPr>
         </p:nvSpPr>
         <p:spPr>
@@ -3034,7 +2928,7 @@
           </a:prstGeom>
         </p:spPr>
         <p:txBody>
-          <a:bodyPr anchorCtr="0" anchor="ctr" bIns="91425" lIns="91425" spcFirstLastPara="1" rIns="91425" wrap="square" tIns="91425">
+          <a:bodyPr spcFirstLastPara="1" wrap="square" lIns="91425" tIns="91425" rIns="91425" bIns="91425" anchor="ctr" anchorCtr="0">
             <a:normAutofit/>
           </a:bodyPr>
           <a:lstStyle>
@@ -3076,7 +2970,7 @@
             </a:lvl9pPr>
           </a:lstStyle>
           <a:p>
-            <a:pPr indent="0" lvl="0" marL="0" rtl="0" algn="r">
+            <a:pPr marL="0" lvl="0" indent="0" algn="r" rtl="0">
               <a:spcBef>
                 <a:spcPts val="0"/>
               </a:spcBef>
@@ -3102,11 +2996,11 @@
 </file>
 
 <file path=ppt/slideLayouts/slideLayout4.xml><?xml version="1.0" encoding="utf-8"?>
-<p:sldLayout xmlns:a="http://schemas.openxmlformats.org/drawingml/2006/main" xmlns:r="http://schemas.openxmlformats.org/officeDocument/2006/relationships" xmlns:mc="http://schemas.openxmlformats.org/markup-compatibility/2006" xmlns:mv="urn:schemas-microsoft-com:mac:vml" xmlns:p="http://schemas.openxmlformats.org/presentationml/2006/main" xmlns:c="http://schemas.openxmlformats.org/drawingml/2006/chart" xmlns:dgm="http://schemas.openxmlformats.org/drawingml/2006/diagram" xmlns:o="urn:schemas-microsoft-com:office:office" xmlns:v="urn:schemas-microsoft-com:vml" xmlns:pvml="urn:schemas-microsoft-com:office:powerpoint" xmlns:com="http://schemas.openxmlformats.org/drawingml/2006/compatibility" xmlns:p14="http://schemas.microsoft.com/office/powerpoint/2010/main" xmlns:p15="http://schemas.microsoft.com/office/powerpoint/2012/main" xmlns:ahyp="http://schemas.microsoft.com/office/drawing/2018/hyperlinkcolor" matchingName="Title and two columns" type="twoColTx">
+<p:sldLayout xmlns:a="http://schemas.openxmlformats.org/drawingml/2006/main" xmlns:r="http://schemas.openxmlformats.org/officeDocument/2006/relationships" xmlns:p="http://schemas.openxmlformats.org/presentationml/2006/main" matchingName="Title and two columns" type="twoColTx">
   <p:cSld name="TITLE_AND_TWO_COLUMNS">
     <p:spTree>
       <p:nvGrpSpPr>
-        <p:cNvPr id="20" name="Shape 20"/>
+        <p:cNvPr id="1" name="Shape 20"/>
         <p:cNvGrpSpPr/>
         <p:nvPr/>
       </p:nvGrpSpPr>
@@ -3121,7 +3015,9 @@
       <p:sp>
         <p:nvSpPr>
           <p:cNvPr id="21" name="Google Shape;21;p5"/>
-          <p:cNvSpPr txBox="1"/>
+          <p:cNvSpPr txBox="1">
+            <a:spLocks noGrp="1"/>
+          </p:cNvSpPr>
           <p:nvPr>
             <p:ph type="title"/>
           </p:nvPr>
@@ -3136,7 +3032,7 @@
           </a:prstGeom>
         </p:spPr>
         <p:txBody>
-          <a:bodyPr anchorCtr="0" anchor="t" bIns="91425" lIns="91425" spcFirstLastPara="1" rIns="91425" wrap="square" tIns="91425">
+          <a:bodyPr spcFirstLastPara="1" wrap="square" lIns="91425" tIns="91425" rIns="91425" bIns="91425" anchor="t" anchorCtr="0">
             <a:normAutofit/>
           </a:bodyPr>
           <a:lstStyle>
@@ -3240,15 +3136,19 @@
               <a:defRPr/>
             </a:lvl9pPr>
           </a:lstStyle>
-          <a:p/>
+          <a:p>
+            <a:endParaRPr/>
+          </a:p>
         </p:txBody>
       </p:sp>
       <p:sp>
         <p:nvSpPr>
           <p:cNvPr id="22" name="Google Shape;22;p5"/>
-          <p:cNvSpPr txBox="1"/>
+          <p:cNvSpPr txBox="1">
+            <a:spLocks noGrp="1"/>
+          </p:cNvSpPr>
           <p:nvPr>
-            <p:ph idx="1" type="body"/>
+            <p:ph type="body" idx="1"/>
           </p:nvPr>
         </p:nvSpPr>
         <p:spPr>
@@ -3261,11 +3161,11 @@
           </a:prstGeom>
         </p:spPr>
         <p:txBody>
-          <a:bodyPr anchorCtr="0" anchor="t" bIns="91425" lIns="91425" spcFirstLastPara="1" rIns="91425" wrap="square" tIns="91425">
+          <a:bodyPr spcFirstLastPara="1" wrap="square" lIns="91425" tIns="91425" rIns="91425" bIns="91425" anchor="t" anchorCtr="0">
             <a:normAutofit/>
           </a:bodyPr>
           <a:lstStyle>
-            <a:lvl1pPr indent="-317500" lvl="0" marL="457200">
+            <a:lvl1pPr marL="457200" lvl="0" indent="-317500">
               <a:spcBef>
                 <a:spcPts val="0"/>
               </a:spcBef>
@@ -3276,7 +3176,7 @@
               <a:buChar char="●"/>
               <a:defRPr sz="1400"/>
             </a:lvl1pPr>
-            <a:lvl2pPr indent="-304800" lvl="1" marL="914400">
+            <a:lvl2pPr marL="914400" lvl="1" indent="-304800">
               <a:spcBef>
                 <a:spcPts val="0"/>
               </a:spcBef>
@@ -3287,7 +3187,7 @@
               <a:buChar char="○"/>
               <a:defRPr sz="1200"/>
             </a:lvl2pPr>
-            <a:lvl3pPr indent="-304800" lvl="2" marL="1371600">
+            <a:lvl3pPr marL="1371600" lvl="2" indent="-304800">
               <a:spcBef>
                 <a:spcPts val="0"/>
               </a:spcBef>
@@ -3298,7 +3198,7 @@
               <a:buChar char="■"/>
               <a:defRPr sz="1200"/>
             </a:lvl3pPr>
-            <a:lvl4pPr indent="-304800" lvl="3" marL="1828800">
+            <a:lvl4pPr marL="1828800" lvl="3" indent="-304800">
               <a:spcBef>
                 <a:spcPts val="0"/>
               </a:spcBef>
@@ -3309,7 +3209,7 @@
               <a:buChar char="●"/>
               <a:defRPr sz="1200"/>
             </a:lvl4pPr>
-            <a:lvl5pPr indent="-304800" lvl="4" marL="2286000">
+            <a:lvl5pPr marL="2286000" lvl="4" indent="-304800">
               <a:spcBef>
                 <a:spcPts val="0"/>
               </a:spcBef>
@@ -3320,7 +3220,7 @@
               <a:buChar char="○"/>
               <a:defRPr sz="1200"/>
             </a:lvl5pPr>
-            <a:lvl6pPr indent="-304800" lvl="5" marL="2743200">
+            <a:lvl6pPr marL="2743200" lvl="5" indent="-304800">
               <a:spcBef>
                 <a:spcPts val="0"/>
               </a:spcBef>
@@ -3331,7 +3231,7 @@
               <a:buChar char="■"/>
               <a:defRPr sz="1200"/>
             </a:lvl6pPr>
-            <a:lvl7pPr indent="-304800" lvl="6" marL="3200400">
+            <a:lvl7pPr marL="3200400" lvl="6" indent="-304800">
               <a:spcBef>
                 <a:spcPts val="0"/>
               </a:spcBef>
@@ -3342,7 +3242,7 @@
               <a:buChar char="●"/>
               <a:defRPr sz="1200"/>
             </a:lvl7pPr>
-            <a:lvl8pPr indent="-304800" lvl="7" marL="3657600">
+            <a:lvl8pPr marL="3657600" lvl="7" indent="-304800">
               <a:spcBef>
                 <a:spcPts val="0"/>
               </a:spcBef>
@@ -3353,7 +3253,7 @@
               <a:buChar char="○"/>
               <a:defRPr sz="1200"/>
             </a:lvl8pPr>
-            <a:lvl9pPr indent="-304800" lvl="8" marL="4114800">
+            <a:lvl9pPr marL="4114800" lvl="8" indent="-304800">
               <a:spcBef>
                 <a:spcPts val="0"/>
               </a:spcBef>
@@ -3365,15 +3265,19 @@
               <a:defRPr sz="1200"/>
             </a:lvl9pPr>
           </a:lstStyle>
-          <a:p/>
+          <a:p>
+            <a:endParaRPr/>
+          </a:p>
         </p:txBody>
       </p:sp>
       <p:sp>
         <p:nvSpPr>
           <p:cNvPr id="23" name="Google Shape;23;p5"/>
-          <p:cNvSpPr txBox="1"/>
+          <p:cNvSpPr txBox="1">
+            <a:spLocks noGrp="1"/>
+          </p:cNvSpPr>
           <p:nvPr>
-            <p:ph idx="2" type="body"/>
+            <p:ph type="body" idx="2"/>
           </p:nvPr>
         </p:nvSpPr>
         <p:spPr>
@@ -3386,11 +3290,11 @@
           </a:prstGeom>
         </p:spPr>
         <p:txBody>
-          <a:bodyPr anchorCtr="0" anchor="t" bIns="91425" lIns="91425" spcFirstLastPara="1" rIns="91425" wrap="square" tIns="91425">
+          <a:bodyPr spcFirstLastPara="1" wrap="square" lIns="91425" tIns="91425" rIns="91425" bIns="91425" anchor="t" anchorCtr="0">
             <a:normAutofit/>
           </a:bodyPr>
           <a:lstStyle>
-            <a:lvl1pPr indent="-317500" lvl="0" marL="457200">
+            <a:lvl1pPr marL="457200" lvl="0" indent="-317500">
               <a:spcBef>
                 <a:spcPts val="0"/>
               </a:spcBef>
@@ -3401,7 +3305,7 @@
               <a:buChar char="●"/>
               <a:defRPr sz="1400"/>
             </a:lvl1pPr>
-            <a:lvl2pPr indent="-304800" lvl="1" marL="914400">
+            <a:lvl2pPr marL="914400" lvl="1" indent="-304800">
               <a:spcBef>
                 <a:spcPts val="0"/>
               </a:spcBef>
@@ -3412,7 +3316,7 @@
               <a:buChar char="○"/>
               <a:defRPr sz="1200"/>
             </a:lvl2pPr>
-            <a:lvl3pPr indent="-304800" lvl="2" marL="1371600">
+            <a:lvl3pPr marL="1371600" lvl="2" indent="-304800">
               <a:spcBef>
                 <a:spcPts val="0"/>
               </a:spcBef>
@@ -3423,7 +3327,7 @@
               <a:buChar char="■"/>
               <a:defRPr sz="1200"/>
             </a:lvl3pPr>
-            <a:lvl4pPr indent="-304800" lvl="3" marL="1828800">
+            <a:lvl4pPr marL="1828800" lvl="3" indent="-304800">
               <a:spcBef>
                 <a:spcPts val="0"/>
               </a:spcBef>
@@ -3434,7 +3338,7 @@
               <a:buChar char="●"/>
               <a:defRPr sz="1200"/>
             </a:lvl4pPr>
-            <a:lvl5pPr indent="-304800" lvl="4" marL="2286000">
+            <a:lvl5pPr marL="2286000" lvl="4" indent="-304800">
               <a:spcBef>
                 <a:spcPts val="0"/>
               </a:spcBef>
@@ -3445,7 +3349,7 @@
               <a:buChar char="○"/>
               <a:defRPr sz="1200"/>
             </a:lvl5pPr>
-            <a:lvl6pPr indent="-304800" lvl="5" marL="2743200">
+            <a:lvl6pPr marL="2743200" lvl="5" indent="-304800">
               <a:spcBef>
                 <a:spcPts val="0"/>
               </a:spcBef>
@@ -3456,7 +3360,7 @@
               <a:buChar char="■"/>
               <a:defRPr sz="1200"/>
             </a:lvl6pPr>
-            <a:lvl7pPr indent="-304800" lvl="6" marL="3200400">
+            <a:lvl7pPr marL="3200400" lvl="6" indent="-304800">
               <a:spcBef>
                 <a:spcPts val="0"/>
               </a:spcBef>
@@ -3467,7 +3371,7 @@
               <a:buChar char="●"/>
               <a:defRPr sz="1200"/>
             </a:lvl7pPr>
-            <a:lvl8pPr indent="-304800" lvl="7" marL="3657600">
+            <a:lvl8pPr marL="3657600" lvl="7" indent="-304800">
               <a:spcBef>
                 <a:spcPts val="0"/>
               </a:spcBef>
@@ -3478,7 +3382,7 @@
               <a:buChar char="○"/>
               <a:defRPr sz="1200"/>
             </a:lvl8pPr>
-            <a:lvl9pPr indent="-304800" lvl="8" marL="4114800">
+            <a:lvl9pPr marL="4114800" lvl="8" indent="-304800">
               <a:spcBef>
                 <a:spcPts val="0"/>
               </a:spcBef>
@@ -3490,15 +3394,19 @@
               <a:defRPr sz="1200"/>
             </a:lvl9pPr>
           </a:lstStyle>
-          <a:p/>
+          <a:p>
+            <a:endParaRPr/>
+          </a:p>
         </p:txBody>
       </p:sp>
       <p:sp>
         <p:nvSpPr>
           <p:cNvPr id="24" name="Google Shape;24;p5"/>
-          <p:cNvSpPr txBox="1"/>
+          <p:cNvSpPr txBox="1">
+            <a:spLocks noGrp="1"/>
+          </p:cNvSpPr>
           <p:nvPr>
-            <p:ph idx="12" type="sldNum"/>
+            <p:ph type="sldNum" idx="12"/>
           </p:nvPr>
         </p:nvSpPr>
         <p:spPr>
@@ -3511,7 +3419,7 @@
           </a:prstGeom>
         </p:spPr>
         <p:txBody>
-          <a:bodyPr anchorCtr="0" anchor="ctr" bIns="91425" lIns="91425" spcFirstLastPara="1" rIns="91425" wrap="square" tIns="91425">
+          <a:bodyPr spcFirstLastPara="1" wrap="square" lIns="91425" tIns="91425" rIns="91425" bIns="91425" anchor="ctr" anchorCtr="0">
             <a:normAutofit/>
           </a:bodyPr>
           <a:lstStyle>
@@ -3553,7 +3461,7 @@
             </a:lvl9pPr>
           </a:lstStyle>
           <a:p>
-            <a:pPr indent="0" lvl="0" marL="0" rtl="0" algn="r">
+            <a:pPr marL="0" lvl="0" indent="0" algn="r" rtl="0">
               <a:spcBef>
                 <a:spcPts val="0"/>
               </a:spcBef>
@@ -3579,11 +3487,11 @@
 </file>
 
 <file path=ppt/slideLayouts/slideLayout5.xml><?xml version="1.0" encoding="utf-8"?>
-<p:sldLayout xmlns:a="http://schemas.openxmlformats.org/drawingml/2006/main" xmlns:r="http://schemas.openxmlformats.org/officeDocument/2006/relationships" xmlns:mc="http://schemas.openxmlformats.org/markup-compatibility/2006" xmlns:mv="urn:schemas-microsoft-com:mac:vml" xmlns:p="http://schemas.openxmlformats.org/presentationml/2006/main" xmlns:c="http://schemas.openxmlformats.org/drawingml/2006/chart" xmlns:dgm="http://schemas.openxmlformats.org/drawingml/2006/diagram" xmlns:o="urn:schemas-microsoft-com:office:office" xmlns:v="urn:schemas-microsoft-com:vml" xmlns:pvml="urn:schemas-microsoft-com:office:powerpoint" xmlns:com="http://schemas.openxmlformats.org/drawingml/2006/compatibility" xmlns:p14="http://schemas.microsoft.com/office/powerpoint/2010/main" xmlns:p15="http://schemas.microsoft.com/office/powerpoint/2012/main" xmlns:ahyp="http://schemas.microsoft.com/office/drawing/2018/hyperlinkcolor" matchingName="Title only" type="titleOnly">
+<p:sldLayout xmlns:a="http://schemas.openxmlformats.org/drawingml/2006/main" xmlns:r="http://schemas.openxmlformats.org/officeDocument/2006/relationships" xmlns:p="http://schemas.openxmlformats.org/presentationml/2006/main" matchingName="Title only" type="titleOnly">
   <p:cSld name="TITLE_ONLY">
     <p:spTree>
       <p:nvGrpSpPr>
-        <p:cNvPr id="25" name="Shape 25"/>
+        <p:cNvPr id="1" name="Shape 25"/>
         <p:cNvGrpSpPr/>
         <p:nvPr/>
       </p:nvGrpSpPr>
@@ -3598,7 +3506,9 @@
       <p:sp>
         <p:nvSpPr>
           <p:cNvPr id="26" name="Google Shape;26;p6"/>
-          <p:cNvSpPr txBox="1"/>
+          <p:cNvSpPr txBox="1">
+            <a:spLocks noGrp="1"/>
+          </p:cNvSpPr>
           <p:nvPr>
             <p:ph type="title"/>
           </p:nvPr>
@@ -3613,7 +3523,7 @@
           </a:prstGeom>
         </p:spPr>
         <p:txBody>
-          <a:bodyPr anchorCtr="0" anchor="t" bIns="91425" lIns="91425" spcFirstLastPara="1" rIns="91425" wrap="square" tIns="91425">
+          <a:bodyPr spcFirstLastPara="1" wrap="square" lIns="91425" tIns="91425" rIns="91425" bIns="91425" anchor="t" anchorCtr="0">
             <a:normAutofit/>
           </a:bodyPr>
           <a:lstStyle>
@@ -3717,15 +3627,19 @@
               <a:defRPr/>
             </a:lvl9pPr>
           </a:lstStyle>
-          <a:p/>
+          <a:p>
+            <a:endParaRPr/>
+          </a:p>
         </p:txBody>
       </p:sp>
       <p:sp>
         <p:nvSpPr>
           <p:cNvPr id="27" name="Google Shape;27;p6"/>
-          <p:cNvSpPr txBox="1"/>
+          <p:cNvSpPr txBox="1">
+            <a:spLocks noGrp="1"/>
+          </p:cNvSpPr>
           <p:nvPr>
-            <p:ph idx="12" type="sldNum"/>
+            <p:ph type="sldNum" idx="12"/>
           </p:nvPr>
         </p:nvSpPr>
         <p:spPr>
@@ -3738,7 +3652,7 @@
           </a:prstGeom>
         </p:spPr>
         <p:txBody>
-          <a:bodyPr anchorCtr="0" anchor="ctr" bIns="91425" lIns="91425" spcFirstLastPara="1" rIns="91425" wrap="square" tIns="91425">
+          <a:bodyPr spcFirstLastPara="1" wrap="square" lIns="91425" tIns="91425" rIns="91425" bIns="91425" anchor="ctr" anchorCtr="0">
             <a:normAutofit/>
           </a:bodyPr>
           <a:lstStyle>
@@ -3780,7 +3694,7 @@
             </a:lvl9pPr>
           </a:lstStyle>
           <a:p>
-            <a:pPr indent="0" lvl="0" marL="0" rtl="0" algn="r">
+            <a:pPr marL="0" lvl="0" indent="0" algn="r" rtl="0">
               <a:spcBef>
                 <a:spcPts val="0"/>
               </a:spcBef>
@@ -3806,11 +3720,11 @@
 </file>
 
 <file path=ppt/slideLayouts/slideLayout6.xml><?xml version="1.0" encoding="utf-8"?>
-<p:sldLayout xmlns:a="http://schemas.openxmlformats.org/drawingml/2006/main" xmlns:r="http://schemas.openxmlformats.org/officeDocument/2006/relationships" xmlns:mc="http://schemas.openxmlformats.org/markup-compatibility/2006" xmlns:mv="urn:schemas-microsoft-com:mac:vml" xmlns:p="http://schemas.openxmlformats.org/presentationml/2006/main" xmlns:c="http://schemas.openxmlformats.org/drawingml/2006/chart" xmlns:dgm="http://schemas.openxmlformats.org/drawingml/2006/diagram" xmlns:o="urn:schemas-microsoft-com:office:office" xmlns:v="urn:schemas-microsoft-com:vml" xmlns:pvml="urn:schemas-microsoft-com:office:powerpoint" xmlns:com="http://schemas.openxmlformats.org/drawingml/2006/compatibility" xmlns:p14="http://schemas.microsoft.com/office/powerpoint/2010/main" xmlns:p15="http://schemas.microsoft.com/office/powerpoint/2012/main" xmlns:ahyp="http://schemas.microsoft.com/office/drawing/2018/hyperlinkcolor" matchingName="One column text">
+<p:sldLayout xmlns:a="http://schemas.openxmlformats.org/drawingml/2006/main" xmlns:r="http://schemas.openxmlformats.org/officeDocument/2006/relationships" xmlns:p="http://schemas.openxmlformats.org/presentationml/2006/main" matchingName="One column text">
   <p:cSld name="ONE_COLUMN_TEXT">
     <p:spTree>
       <p:nvGrpSpPr>
-        <p:cNvPr id="28" name="Shape 28"/>
+        <p:cNvPr id="1" name="Shape 28"/>
         <p:cNvGrpSpPr/>
         <p:nvPr/>
       </p:nvGrpSpPr>
@@ -3825,7 +3739,9 @@
       <p:sp>
         <p:nvSpPr>
           <p:cNvPr id="29" name="Google Shape;29;p7"/>
-          <p:cNvSpPr txBox="1"/>
+          <p:cNvSpPr txBox="1">
+            <a:spLocks noGrp="1"/>
+          </p:cNvSpPr>
           <p:nvPr>
             <p:ph type="title"/>
           </p:nvPr>
@@ -3840,7 +3756,7 @@
           </a:prstGeom>
         </p:spPr>
         <p:txBody>
-          <a:bodyPr anchorCtr="0" anchor="b" bIns="91425" lIns="91425" spcFirstLastPara="1" rIns="91425" wrap="square" tIns="91425">
+          <a:bodyPr spcFirstLastPara="1" wrap="square" lIns="91425" tIns="91425" rIns="91425" bIns="91425" anchor="b" anchorCtr="0">
             <a:normAutofit/>
           </a:bodyPr>
           <a:lstStyle>
@@ -3944,15 +3860,19 @@
               <a:defRPr sz="2400"/>
             </a:lvl9pPr>
           </a:lstStyle>
-          <a:p/>
+          <a:p>
+            <a:endParaRPr/>
+          </a:p>
         </p:txBody>
       </p:sp>
       <p:sp>
         <p:nvSpPr>
           <p:cNvPr id="30" name="Google Shape;30;p7"/>
-          <p:cNvSpPr txBox="1"/>
+          <p:cNvSpPr txBox="1">
+            <a:spLocks noGrp="1"/>
+          </p:cNvSpPr>
           <p:nvPr>
-            <p:ph idx="1" type="body"/>
+            <p:ph type="body" idx="1"/>
           </p:nvPr>
         </p:nvSpPr>
         <p:spPr>
@@ -3965,11 +3885,11 @@
           </a:prstGeom>
         </p:spPr>
         <p:txBody>
-          <a:bodyPr anchorCtr="0" anchor="t" bIns="91425" lIns="91425" spcFirstLastPara="1" rIns="91425" wrap="square" tIns="91425">
+          <a:bodyPr spcFirstLastPara="1" wrap="square" lIns="91425" tIns="91425" rIns="91425" bIns="91425" anchor="t" anchorCtr="0">
             <a:normAutofit/>
           </a:bodyPr>
           <a:lstStyle>
-            <a:lvl1pPr indent="-304800" lvl="0" marL="457200">
+            <a:lvl1pPr marL="457200" lvl="0" indent="-304800">
               <a:spcBef>
                 <a:spcPts val="0"/>
               </a:spcBef>
@@ -3980,7 +3900,7 @@
               <a:buChar char="●"/>
               <a:defRPr sz="1200"/>
             </a:lvl1pPr>
-            <a:lvl2pPr indent="-304800" lvl="1" marL="914400">
+            <a:lvl2pPr marL="914400" lvl="1" indent="-304800">
               <a:spcBef>
                 <a:spcPts val="0"/>
               </a:spcBef>
@@ -3991,7 +3911,7 @@
               <a:buChar char="○"/>
               <a:defRPr sz="1200"/>
             </a:lvl2pPr>
-            <a:lvl3pPr indent="-304800" lvl="2" marL="1371600">
+            <a:lvl3pPr marL="1371600" lvl="2" indent="-304800">
               <a:spcBef>
                 <a:spcPts val="0"/>
               </a:spcBef>
@@ -4002,7 +3922,7 @@
               <a:buChar char="■"/>
               <a:defRPr sz="1200"/>
             </a:lvl3pPr>
-            <a:lvl4pPr indent="-304800" lvl="3" marL="1828800">
+            <a:lvl4pPr marL="1828800" lvl="3" indent="-304800">
               <a:spcBef>
                 <a:spcPts val="0"/>
               </a:spcBef>
@@ -4013,7 +3933,7 @@
               <a:buChar char="●"/>
               <a:defRPr sz="1200"/>
             </a:lvl4pPr>
-            <a:lvl5pPr indent="-304800" lvl="4" marL="2286000">
+            <a:lvl5pPr marL="2286000" lvl="4" indent="-304800">
               <a:spcBef>
                 <a:spcPts val="0"/>
               </a:spcBef>
@@ -4024,7 +3944,7 @@
               <a:buChar char="○"/>
               <a:defRPr sz="1200"/>
             </a:lvl5pPr>
-            <a:lvl6pPr indent="-304800" lvl="5" marL="2743200">
+            <a:lvl6pPr marL="2743200" lvl="5" indent="-304800">
               <a:spcBef>
                 <a:spcPts val="0"/>
               </a:spcBef>
@@ -4035,7 +3955,7 @@
               <a:buChar char="■"/>
               <a:defRPr sz="1200"/>
             </a:lvl6pPr>
-            <a:lvl7pPr indent="-304800" lvl="6" marL="3200400">
+            <a:lvl7pPr marL="3200400" lvl="6" indent="-304800">
               <a:spcBef>
                 <a:spcPts val="0"/>
               </a:spcBef>
@@ -4046,7 +3966,7 @@
               <a:buChar char="●"/>
               <a:defRPr sz="1200"/>
             </a:lvl7pPr>
-            <a:lvl8pPr indent="-304800" lvl="7" marL="3657600">
+            <a:lvl8pPr marL="3657600" lvl="7" indent="-304800">
               <a:spcBef>
                 <a:spcPts val="0"/>
               </a:spcBef>
@@ -4057,7 +3977,7 @@
               <a:buChar char="○"/>
               <a:defRPr sz="1200"/>
             </a:lvl8pPr>
-            <a:lvl9pPr indent="-304800" lvl="8" marL="4114800">
+            <a:lvl9pPr marL="4114800" lvl="8" indent="-304800">
               <a:spcBef>
                 <a:spcPts val="0"/>
               </a:spcBef>
@@ -4069,15 +3989,19 @@
               <a:defRPr sz="1200"/>
             </a:lvl9pPr>
           </a:lstStyle>
-          <a:p/>
+          <a:p>
+            <a:endParaRPr/>
+          </a:p>
         </p:txBody>
       </p:sp>
       <p:sp>
         <p:nvSpPr>
           <p:cNvPr id="31" name="Google Shape;31;p7"/>
-          <p:cNvSpPr txBox="1"/>
+          <p:cNvSpPr txBox="1">
+            <a:spLocks noGrp="1"/>
+          </p:cNvSpPr>
           <p:nvPr>
-            <p:ph idx="12" type="sldNum"/>
+            <p:ph type="sldNum" idx="12"/>
           </p:nvPr>
         </p:nvSpPr>
         <p:spPr>
@@ -4090,7 +4014,7 @@
           </a:prstGeom>
         </p:spPr>
         <p:txBody>
-          <a:bodyPr anchorCtr="0" anchor="ctr" bIns="91425" lIns="91425" spcFirstLastPara="1" rIns="91425" wrap="square" tIns="91425">
+          <a:bodyPr spcFirstLastPara="1" wrap="square" lIns="91425" tIns="91425" rIns="91425" bIns="91425" anchor="ctr" anchorCtr="0">
             <a:normAutofit/>
           </a:bodyPr>
           <a:lstStyle>
@@ -4132,7 +4056,7 @@
             </a:lvl9pPr>
           </a:lstStyle>
           <a:p>
-            <a:pPr indent="0" lvl="0" marL="0" rtl="0" algn="r">
+            <a:pPr marL="0" lvl="0" indent="0" algn="r" rtl="0">
               <a:spcBef>
                 <a:spcPts val="0"/>
               </a:spcBef>
@@ -4158,11 +4082,11 @@
 </file>
 
 <file path=ppt/slideLayouts/slideLayout7.xml><?xml version="1.0" encoding="utf-8"?>
-<p:sldLayout xmlns:a="http://schemas.openxmlformats.org/drawingml/2006/main" xmlns:r="http://schemas.openxmlformats.org/officeDocument/2006/relationships" xmlns:mc="http://schemas.openxmlformats.org/markup-compatibility/2006" xmlns:mv="urn:schemas-microsoft-com:mac:vml" xmlns:p="http://schemas.openxmlformats.org/presentationml/2006/main" xmlns:c="http://schemas.openxmlformats.org/drawingml/2006/chart" xmlns:dgm="http://schemas.openxmlformats.org/drawingml/2006/diagram" xmlns:o="urn:schemas-microsoft-com:office:office" xmlns:v="urn:schemas-microsoft-com:vml" xmlns:pvml="urn:schemas-microsoft-com:office:powerpoint" xmlns:com="http://schemas.openxmlformats.org/drawingml/2006/compatibility" xmlns:p14="http://schemas.microsoft.com/office/powerpoint/2010/main" xmlns:p15="http://schemas.microsoft.com/office/powerpoint/2012/main" xmlns:ahyp="http://schemas.microsoft.com/office/drawing/2018/hyperlinkcolor" matchingName="Main point">
+<p:sldLayout xmlns:a="http://schemas.openxmlformats.org/drawingml/2006/main" xmlns:r="http://schemas.openxmlformats.org/officeDocument/2006/relationships" xmlns:p="http://schemas.openxmlformats.org/presentationml/2006/main" matchingName="Main point">
   <p:cSld name="MAIN_POINT">
     <p:spTree>
       <p:nvGrpSpPr>
-        <p:cNvPr id="32" name="Shape 32"/>
+        <p:cNvPr id="1" name="Shape 32"/>
         <p:cNvGrpSpPr/>
         <p:nvPr/>
       </p:nvGrpSpPr>
@@ -4177,7 +4101,9 @@
       <p:sp>
         <p:nvSpPr>
           <p:cNvPr id="33" name="Google Shape;33;p8"/>
-          <p:cNvSpPr txBox="1"/>
+          <p:cNvSpPr txBox="1">
+            <a:spLocks noGrp="1"/>
+          </p:cNvSpPr>
           <p:nvPr>
             <p:ph type="title"/>
           </p:nvPr>
@@ -4192,7 +4118,7 @@
           </a:prstGeom>
         </p:spPr>
         <p:txBody>
-          <a:bodyPr anchorCtr="0" anchor="ctr" bIns="91425" lIns="91425" spcFirstLastPara="1" rIns="91425" wrap="square" tIns="91425">
+          <a:bodyPr spcFirstLastPara="1" wrap="square" lIns="91425" tIns="91425" rIns="91425" bIns="91425" anchor="ctr" anchorCtr="0">
             <a:normAutofit/>
           </a:bodyPr>
           <a:lstStyle>
@@ -4296,15 +4222,19 @@
               <a:defRPr sz="4800"/>
             </a:lvl9pPr>
           </a:lstStyle>
-          <a:p/>
+          <a:p>
+            <a:endParaRPr/>
+          </a:p>
         </p:txBody>
       </p:sp>
       <p:sp>
         <p:nvSpPr>
           <p:cNvPr id="34" name="Google Shape;34;p8"/>
-          <p:cNvSpPr txBox="1"/>
+          <p:cNvSpPr txBox="1">
+            <a:spLocks noGrp="1"/>
+          </p:cNvSpPr>
           <p:nvPr>
-            <p:ph idx="12" type="sldNum"/>
+            <p:ph type="sldNum" idx="12"/>
           </p:nvPr>
         </p:nvSpPr>
         <p:spPr>
@@ -4317,7 +4247,7 @@
           </a:prstGeom>
         </p:spPr>
         <p:txBody>
-          <a:bodyPr anchorCtr="0" anchor="ctr" bIns="91425" lIns="91425" spcFirstLastPara="1" rIns="91425" wrap="square" tIns="91425">
+          <a:bodyPr spcFirstLastPara="1" wrap="square" lIns="91425" tIns="91425" rIns="91425" bIns="91425" anchor="ctr" anchorCtr="0">
             <a:normAutofit/>
           </a:bodyPr>
           <a:lstStyle>
@@ -4359,7 +4289,7 @@
             </a:lvl9pPr>
           </a:lstStyle>
           <a:p>
-            <a:pPr indent="0" lvl="0" marL="0" rtl="0" algn="r">
+            <a:pPr marL="0" lvl="0" indent="0" algn="r" rtl="0">
               <a:spcBef>
                 <a:spcPts val="0"/>
               </a:spcBef>
@@ -4385,11 +4315,11 @@
 </file>
 
 <file path=ppt/slideLayouts/slideLayout8.xml><?xml version="1.0" encoding="utf-8"?>
-<p:sldLayout xmlns:a="http://schemas.openxmlformats.org/drawingml/2006/main" xmlns:r="http://schemas.openxmlformats.org/officeDocument/2006/relationships" xmlns:mc="http://schemas.openxmlformats.org/markup-compatibility/2006" xmlns:mv="urn:schemas-microsoft-com:mac:vml" xmlns:p="http://schemas.openxmlformats.org/presentationml/2006/main" xmlns:c="http://schemas.openxmlformats.org/drawingml/2006/chart" xmlns:dgm="http://schemas.openxmlformats.org/drawingml/2006/diagram" xmlns:o="urn:schemas-microsoft-com:office:office" xmlns:v="urn:schemas-microsoft-com:vml" xmlns:pvml="urn:schemas-microsoft-com:office:powerpoint" xmlns:com="http://schemas.openxmlformats.org/drawingml/2006/compatibility" xmlns:p14="http://schemas.microsoft.com/office/powerpoint/2010/main" xmlns:p15="http://schemas.microsoft.com/office/powerpoint/2012/main" xmlns:ahyp="http://schemas.microsoft.com/office/drawing/2018/hyperlinkcolor" matchingName="Section title and description">
+<p:sldLayout xmlns:a="http://schemas.openxmlformats.org/drawingml/2006/main" xmlns:r="http://schemas.openxmlformats.org/officeDocument/2006/relationships" xmlns:p="http://schemas.openxmlformats.org/presentationml/2006/main" matchingName="Section title and description">
   <p:cSld name="SECTION_TITLE_AND_DESCRIPTION">
     <p:spTree>
       <p:nvGrpSpPr>
-        <p:cNvPr id="35" name="Shape 35"/>
+        <p:cNvPr id="1" name="Shape 35"/>
         <p:cNvGrpSpPr/>
         <p:nvPr/>
       </p:nvGrpSpPr>
@@ -4423,12 +4353,12 @@
           </a:ln>
         </p:spPr>
         <p:txBody>
-          <a:bodyPr anchorCtr="0" anchor="ctr" bIns="91425" lIns="91425" spcFirstLastPara="1" rIns="91425" wrap="square" tIns="91425">
+          <a:bodyPr spcFirstLastPara="1" wrap="square" lIns="91425" tIns="91425" rIns="91425" bIns="91425" anchor="ctr" anchorCtr="0">
             <a:noAutofit/>
           </a:bodyPr>
           <a:lstStyle/>
           <a:p>
-            <a:pPr indent="0" lvl="0" marL="0" rtl="0" algn="l">
+            <a:pPr marL="0" lvl="0" indent="0" algn="l" rtl="0">
               <a:spcBef>
                 <a:spcPts val="0"/>
               </a:spcBef>
@@ -4437,9 +4367,6 @@
               </a:spcAft>
               <a:buNone/>
             </a:pPr>
-            <a:r>
-              <a:t/>
-            </a:r>
             <a:endParaRPr/>
           </a:p>
         </p:txBody>
@@ -4447,7 +4374,9 @@
       <p:sp>
         <p:nvSpPr>
           <p:cNvPr id="37" name="Google Shape;37;p9"/>
-          <p:cNvSpPr txBox="1"/>
+          <p:cNvSpPr txBox="1">
+            <a:spLocks noGrp="1"/>
+          </p:cNvSpPr>
           <p:nvPr>
             <p:ph type="title"/>
           </p:nvPr>
@@ -4462,7 +4391,7 @@
           </a:prstGeom>
         </p:spPr>
         <p:txBody>
-          <a:bodyPr anchorCtr="0" anchor="b" bIns="91425" lIns="91425" spcFirstLastPara="1" rIns="91425" wrap="square" tIns="91425">
+          <a:bodyPr spcFirstLastPara="1" wrap="square" lIns="91425" tIns="91425" rIns="91425" bIns="91425" anchor="b" anchorCtr="0">
             <a:normAutofit/>
           </a:bodyPr>
           <a:lstStyle>
@@ -4566,15 +4495,19 @@
               <a:defRPr sz="4200"/>
             </a:lvl9pPr>
           </a:lstStyle>
-          <a:p/>
+          <a:p>
+            <a:endParaRPr/>
+          </a:p>
         </p:txBody>
       </p:sp>
       <p:sp>
         <p:nvSpPr>
           <p:cNvPr id="38" name="Google Shape;38;p9"/>
-          <p:cNvSpPr txBox="1"/>
+          <p:cNvSpPr txBox="1">
+            <a:spLocks noGrp="1"/>
+          </p:cNvSpPr>
           <p:nvPr>
-            <p:ph idx="1" type="subTitle"/>
+            <p:ph type="subTitle" idx="1"/>
           </p:nvPr>
         </p:nvSpPr>
         <p:spPr>
@@ -4587,7 +4520,7 @@
           </a:prstGeom>
         </p:spPr>
         <p:txBody>
-          <a:bodyPr anchorCtr="0" anchor="t" bIns="91425" lIns="91425" spcFirstLastPara="1" rIns="91425" wrap="square" tIns="91425">
+          <a:bodyPr spcFirstLastPara="1" wrap="square" lIns="91425" tIns="91425" rIns="91425" bIns="91425" anchor="t" anchorCtr="0">
             <a:normAutofit/>
           </a:bodyPr>
           <a:lstStyle>
@@ -4718,15 +4651,19 @@
               <a:defRPr sz="2100"/>
             </a:lvl9pPr>
           </a:lstStyle>
-          <a:p/>
+          <a:p>
+            <a:endParaRPr/>
+          </a:p>
         </p:txBody>
       </p:sp>
       <p:sp>
         <p:nvSpPr>
           <p:cNvPr id="39" name="Google Shape;39;p9"/>
-          <p:cNvSpPr txBox="1"/>
+          <p:cNvSpPr txBox="1">
+            <a:spLocks noGrp="1"/>
+          </p:cNvSpPr>
           <p:nvPr>
-            <p:ph idx="2" type="body"/>
+            <p:ph type="body" idx="2"/>
           </p:nvPr>
         </p:nvSpPr>
         <p:spPr>
@@ -4739,11 +4676,11 @@
           </a:prstGeom>
         </p:spPr>
         <p:txBody>
-          <a:bodyPr anchorCtr="0" anchor="ctr" bIns="91425" lIns="91425" spcFirstLastPara="1" rIns="91425" wrap="square" tIns="91425">
+          <a:bodyPr spcFirstLastPara="1" wrap="square" lIns="91425" tIns="91425" rIns="91425" bIns="91425" anchor="ctr" anchorCtr="0">
             <a:normAutofit/>
           </a:bodyPr>
           <a:lstStyle>
-            <a:lvl1pPr indent="-342900" lvl="0" marL="457200">
+            <a:lvl1pPr marL="457200" lvl="0" indent="-342900">
               <a:spcBef>
                 <a:spcPts val="0"/>
               </a:spcBef>
@@ -4754,7 +4691,7 @@
               <a:buChar char="●"/>
               <a:defRPr/>
             </a:lvl1pPr>
-            <a:lvl2pPr indent="-317500" lvl="1" marL="914400">
+            <a:lvl2pPr marL="914400" lvl="1" indent="-317500">
               <a:spcBef>
                 <a:spcPts val="0"/>
               </a:spcBef>
@@ -4765,7 +4702,7 @@
               <a:buChar char="○"/>
               <a:defRPr/>
             </a:lvl2pPr>
-            <a:lvl3pPr indent="-317500" lvl="2" marL="1371600">
+            <a:lvl3pPr marL="1371600" lvl="2" indent="-317500">
               <a:spcBef>
                 <a:spcPts val="0"/>
               </a:spcBef>
@@ -4776,7 +4713,7 @@
               <a:buChar char="■"/>
               <a:defRPr/>
             </a:lvl3pPr>
-            <a:lvl4pPr indent="-317500" lvl="3" marL="1828800">
+            <a:lvl4pPr marL="1828800" lvl="3" indent="-317500">
               <a:spcBef>
                 <a:spcPts val="0"/>
               </a:spcBef>
@@ -4787,7 +4724,7 @@
               <a:buChar char="●"/>
               <a:defRPr/>
             </a:lvl4pPr>
-            <a:lvl5pPr indent="-317500" lvl="4" marL="2286000">
+            <a:lvl5pPr marL="2286000" lvl="4" indent="-317500">
               <a:spcBef>
                 <a:spcPts val="0"/>
               </a:spcBef>
@@ -4798,7 +4735,7 @@
               <a:buChar char="○"/>
               <a:defRPr/>
             </a:lvl5pPr>
-            <a:lvl6pPr indent="-317500" lvl="5" marL="2743200">
+            <a:lvl6pPr marL="2743200" lvl="5" indent="-317500">
               <a:spcBef>
                 <a:spcPts val="0"/>
               </a:spcBef>
@@ -4809,7 +4746,7 @@
               <a:buChar char="■"/>
               <a:defRPr/>
             </a:lvl6pPr>
-            <a:lvl7pPr indent="-317500" lvl="6" marL="3200400">
+            <a:lvl7pPr marL="3200400" lvl="6" indent="-317500">
               <a:spcBef>
                 <a:spcPts val="0"/>
               </a:spcBef>
@@ -4820,7 +4757,7 @@
               <a:buChar char="●"/>
               <a:defRPr/>
             </a:lvl7pPr>
-            <a:lvl8pPr indent="-317500" lvl="7" marL="3657600">
+            <a:lvl8pPr marL="3657600" lvl="7" indent="-317500">
               <a:spcBef>
                 <a:spcPts val="0"/>
               </a:spcBef>
@@ -4831,7 +4768,7 @@
               <a:buChar char="○"/>
               <a:defRPr/>
             </a:lvl8pPr>
-            <a:lvl9pPr indent="-317500" lvl="8" marL="4114800">
+            <a:lvl9pPr marL="4114800" lvl="8" indent="-317500">
               <a:spcBef>
                 <a:spcPts val="0"/>
               </a:spcBef>
@@ -4843,15 +4780,19 @@
               <a:defRPr/>
             </a:lvl9pPr>
           </a:lstStyle>
-          <a:p/>
+          <a:p>
+            <a:endParaRPr/>
+          </a:p>
         </p:txBody>
       </p:sp>
       <p:sp>
         <p:nvSpPr>
           <p:cNvPr id="40" name="Google Shape;40;p9"/>
-          <p:cNvSpPr txBox="1"/>
+          <p:cNvSpPr txBox="1">
+            <a:spLocks noGrp="1"/>
+          </p:cNvSpPr>
           <p:nvPr>
-            <p:ph idx="12" type="sldNum"/>
+            <p:ph type="sldNum" idx="12"/>
           </p:nvPr>
         </p:nvSpPr>
         <p:spPr>
@@ -4864,7 +4805,7 @@
           </a:prstGeom>
         </p:spPr>
         <p:txBody>
-          <a:bodyPr anchorCtr="0" anchor="ctr" bIns="91425" lIns="91425" spcFirstLastPara="1" rIns="91425" wrap="square" tIns="91425">
+          <a:bodyPr spcFirstLastPara="1" wrap="square" lIns="91425" tIns="91425" rIns="91425" bIns="91425" anchor="ctr" anchorCtr="0">
             <a:normAutofit/>
           </a:bodyPr>
           <a:lstStyle>
@@ -4906,7 +4847,7 @@
             </a:lvl9pPr>
           </a:lstStyle>
           <a:p>
-            <a:pPr indent="0" lvl="0" marL="0" rtl="0" algn="r">
+            <a:pPr marL="0" lvl="0" indent="0" algn="r" rtl="0">
               <a:spcBef>
                 <a:spcPts val="0"/>
               </a:spcBef>
@@ -4932,11 +4873,11 @@
 </file>
 
 <file path=ppt/slideLayouts/slideLayout9.xml><?xml version="1.0" encoding="utf-8"?>
-<p:sldLayout xmlns:a="http://schemas.openxmlformats.org/drawingml/2006/main" xmlns:r="http://schemas.openxmlformats.org/officeDocument/2006/relationships" xmlns:mc="http://schemas.openxmlformats.org/markup-compatibility/2006" xmlns:mv="urn:schemas-microsoft-com:mac:vml" xmlns:p="http://schemas.openxmlformats.org/presentationml/2006/main" xmlns:c="http://schemas.openxmlformats.org/drawingml/2006/chart" xmlns:dgm="http://schemas.openxmlformats.org/drawingml/2006/diagram" xmlns:o="urn:schemas-microsoft-com:office:office" xmlns:v="urn:schemas-microsoft-com:vml" xmlns:pvml="urn:schemas-microsoft-com:office:powerpoint" xmlns:com="http://schemas.openxmlformats.org/drawingml/2006/compatibility" xmlns:p14="http://schemas.microsoft.com/office/powerpoint/2010/main" xmlns:p15="http://schemas.microsoft.com/office/powerpoint/2012/main" xmlns:ahyp="http://schemas.microsoft.com/office/drawing/2018/hyperlinkcolor" matchingName="Caption">
+<p:sldLayout xmlns:a="http://schemas.openxmlformats.org/drawingml/2006/main" xmlns:r="http://schemas.openxmlformats.org/officeDocument/2006/relationships" xmlns:p="http://schemas.openxmlformats.org/presentationml/2006/main" matchingName="Caption">
   <p:cSld name="CAPTION_ONLY">
     <p:spTree>
       <p:nvGrpSpPr>
-        <p:cNvPr id="41" name="Shape 41"/>
+        <p:cNvPr id="1" name="Shape 41"/>
         <p:cNvGrpSpPr/>
         <p:nvPr/>
       </p:nvGrpSpPr>
@@ -4951,9 +4892,11 @@
       <p:sp>
         <p:nvSpPr>
           <p:cNvPr id="42" name="Google Shape;42;p10"/>
-          <p:cNvSpPr txBox="1"/>
+          <p:cNvSpPr txBox="1">
+            <a:spLocks noGrp="1"/>
+          </p:cNvSpPr>
           <p:nvPr>
-            <p:ph idx="1" type="body"/>
+            <p:ph type="body" idx="1"/>
           </p:nvPr>
         </p:nvSpPr>
         <p:spPr>
@@ -4966,11 +4909,11 @@
           </a:prstGeom>
         </p:spPr>
         <p:txBody>
-          <a:bodyPr anchorCtr="0" anchor="ctr" bIns="91425" lIns="91425" spcFirstLastPara="1" rIns="91425" wrap="square" tIns="91425">
+          <a:bodyPr spcFirstLastPara="1" wrap="square" lIns="91425" tIns="91425" rIns="91425" bIns="91425" anchor="ctr" anchorCtr="0">
             <a:normAutofit/>
           </a:bodyPr>
           <a:lstStyle>
-            <a:lvl1pPr indent="-228600" lvl="0" marL="457200">
+            <a:lvl1pPr marL="457200" lvl="0" indent="-228600">
               <a:lnSpc>
                 <a:spcPct val="100000"/>
               </a:lnSpc>
@@ -4985,15 +4928,19 @@
               <a:defRPr/>
             </a:lvl1pPr>
           </a:lstStyle>
-          <a:p/>
+          <a:p>
+            <a:endParaRPr/>
+          </a:p>
         </p:txBody>
       </p:sp>
       <p:sp>
         <p:nvSpPr>
           <p:cNvPr id="43" name="Google Shape;43;p10"/>
-          <p:cNvSpPr txBox="1"/>
+          <p:cNvSpPr txBox="1">
+            <a:spLocks noGrp="1"/>
+          </p:cNvSpPr>
           <p:nvPr>
-            <p:ph idx="12" type="sldNum"/>
+            <p:ph type="sldNum" idx="12"/>
           </p:nvPr>
         </p:nvSpPr>
         <p:spPr>
@@ -5006,7 +4953,7 @@
           </a:prstGeom>
         </p:spPr>
         <p:txBody>
-          <a:bodyPr anchorCtr="0" anchor="ctr" bIns="91425" lIns="91425" spcFirstLastPara="1" rIns="91425" wrap="square" tIns="91425">
+          <a:bodyPr spcFirstLastPara="1" wrap="square" lIns="91425" tIns="91425" rIns="91425" bIns="91425" anchor="ctr" anchorCtr="0">
             <a:normAutofit/>
           </a:bodyPr>
           <a:lstStyle>
@@ -5048,7 +4995,7 @@
             </a:lvl9pPr>
           </a:lstStyle>
           <a:p>
-            <a:pPr indent="0" lvl="0" marL="0" rtl="0" algn="r">
+            <a:pPr marL="0" lvl="0" indent="0" algn="r" rtl="0">
               <a:spcBef>
                 <a:spcPts val="0"/>
               </a:spcBef>
@@ -5074,18 +5021,19 @@
 </file>
 
 <file path=ppt/slideMasters/slideMaster1.xml><?xml version="1.0" encoding="utf-8"?>
-<p:sldMaster xmlns:a="http://schemas.openxmlformats.org/drawingml/2006/main" xmlns:r="http://schemas.openxmlformats.org/officeDocument/2006/relationships" xmlns:mc="http://schemas.openxmlformats.org/markup-compatibility/2006" xmlns:mv="urn:schemas-microsoft-com:mac:vml" xmlns:p="http://schemas.openxmlformats.org/presentationml/2006/main" xmlns:c="http://schemas.openxmlformats.org/drawingml/2006/chart" xmlns:dgm="http://schemas.openxmlformats.org/drawingml/2006/diagram" xmlns:o="urn:schemas-microsoft-com:office:office" xmlns:v="urn:schemas-microsoft-com:vml" xmlns:pvml="urn:schemas-microsoft-com:office:powerpoint" xmlns:com="http://schemas.openxmlformats.org/drawingml/2006/compatibility" xmlns:p14="http://schemas.microsoft.com/office/powerpoint/2010/main" xmlns:p15="http://schemas.microsoft.com/office/powerpoint/2012/main" xmlns:ahyp="http://schemas.microsoft.com/office/drawing/2018/hyperlinkcolor">
+<p:sldMaster xmlns:a="http://schemas.openxmlformats.org/drawingml/2006/main" xmlns:r="http://schemas.openxmlformats.org/officeDocument/2006/relationships" xmlns:p="http://schemas.openxmlformats.org/presentationml/2006/main">
   <p:cSld name="simple-light-2">
     <p:bg>
       <p:bgPr>
         <a:solidFill>
           <a:schemeClr val="lt1"/>
         </a:solidFill>
+        <a:effectLst/>
       </p:bgPr>
     </p:bg>
     <p:spTree>
       <p:nvGrpSpPr>
-        <p:cNvPr id="5" name="Shape 5"/>
+        <p:cNvPr id="1" name="Shape 5"/>
         <p:cNvGrpSpPr/>
         <p:nvPr/>
       </p:nvGrpSpPr>
@@ -5100,7 +5048,9 @@
       <p:sp>
         <p:nvSpPr>
           <p:cNvPr id="6" name="Google Shape;6;p1"/>
-          <p:cNvSpPr txBox="1"/>
+          <p:cNvSpPr txBox="1">
+            <a:spLocks noGrp="1"/>
+          </p:cNvSpPr>
           <p:nvPr>
             <p:ph type="title"/>
           </p:nvPr>
@@ -5119,7 +5069,7 @@
           </a:ln>
         </p:spPr>
         <p:txBody>
-          <a:bodyPr anchorCtr="0" anchor="t" bIns="91425" lIns="91425" spcFirstLastPara="1" rIns="91425" wrap="square" tIns="91425">
+          <a:bodyPr spcFirstLastPara="1" wrap="square" lIns="91425" tIns="91425" rIns="91425" bIns="91425" anchor="t" anchorCtr="0">
             <a:normAutofit/>
           </a:bodyPr>
           <a:lstStyle>
@@ -5286,15 +5236,19 @@
               </a:defRPr>
             </a:lvl9pPr>
           </a:lstStyle>
-          <a:p/>
+          <a:p>
+            <a:endParaRPr/>
+          </a:p>
         </p:txBody>
       </p:sp>
       <p:sp>
         <p:nvSpPr>
           <p:cNvPr id="7" name="Google Shape;7;p1"/>
-          <p:cNvSpPr txBox="1"/>
+          <p:cNvSpPr txBox="1">
+            <a:spLocks noGrp="1"/>
+          </p:cNvSpPr>
           <p:nvPr>
-            <p:ph idx="1" type="body"/>
+            <p:ph type="body" idx="1"/>
           </p:nvPr>
         </p:nvSpPr>
         <p:spPr>
@@ -5311,11 +5265,11 @@
           </a:ln>
         </p:spPr>
         <p:txBody>
-          <a:bodyPr anchorCtr="0" anchor="t" bIns="91425" lIns="91425" spcFirstLastPara="1" rIns="91425" wrap="square" tIns="91425">
+          <a:bodyPr spcFirstLastPara="1" wrap="square" lIns="91425" tIns="91425" rIns="91425" bIns="91425" anchor="t" anchorCtr="0">
             <a:normAutofit/>
           </a:bodyPr>
           <a:lstStyle>
-            <a:lvl1pPr indent="-342900" lvl="0" marL="457200">
+            <a:lvl1pPr marL="457200" lvl="0" indent="-342900">
               <a:lnSpc>
                 <a:spcPct val="115000"/>
               </a:lnSpc>
@@ -5336,7 +5290,7 @@
                 </a:solidFill>
               </a:defRPr>
             </a:lvl1pPr>
-            <a:lvl2pPr indent="-317500" lvl="1" marL="914400">
+            <a:lvl2pPr marL="914400" lvl="1" indent="-317500">
               <a:lnSpc>
                 <a:spcPct val="115000"/>
               </a:lnSpc>
@@ -5357,7 +5311,7 @@
                 </a:solidFill>
               </a:defRPr>
             </a:lvl2pPr>
-            <a:lvl3pPr indent="-317500" lvl="2" marL="1371600">
+            <a:lvl3pPr marL="1371600" lvl="2" indent="-317500">
               <a:lnSpc>
                 <a:spcPct val="115000"/>
               </a:lnSpc>
@@ -5378,7 +5332,7 @@
                 </a:solidFill>
               </a:defRPr>
             </a:lvl3pPr>
-            <a:lvl4pPr indent="-317500" lvl="3" marL="1828800">
+            <a:lvl4pPr marL="1828800" lvl="3" indent="-317500">
               <a:lnSpc>
                 <a:spcPct val="115000"/>
               </a:lnSpc>
@@ -5399,7 +5353,7 @@
                 </a:solidFill>
               </a:defRPr>
             </a:lvl4pPr>
-            <a:lvl5pPr indent="-317500" lvl="4" marL="2286000">
+            <a:lvl5pPr marL="2286000" lvl="4" indent="-317500">
               <a:lnSpc>
                 <a:spcPct val="115000"/>
               </a:lnSpc>
@@ -5420,7 +5374,7 @@
                 </a:solidFill>
               </a:defRPr>
             </a:lvl5pPr>
-            <a:lvl6pPr indent="-317500" lvl="5" marL="2743200">
+            <a:lvl6pPr marL="2743200" lvl="5" indent="-317500">
               <a:lnSpc>
                 <a:spcPct val="115000"/>
               </a:lnSpc>
@@ -5441,7 +5395,7 @@
                 </a:solidFill>
               </a:defRPr>
             </a:lvl6pPr>
-            <a:lvl7pPr indent="-317500" lvl="6" marL="3200400">
+            <a:lvl7pPr marL="3200400" lvl="6" indent="-317500">
               <a:lnSpc>
                 <a:spcPct val="115000"/>
               </a:lnSpc>
@@ -5462,7 +5416,7 @@
                 </a:solidFill>
               </a:defRPr>
             </a:lvl7pPr>
-            <a:lvl8pPr indent="-317500" lvl="7" marL="3657600">
+            <a:lvl8pPr marL="3657600" lvl="7" indent="-317500">
               <a:lnSpc>
                 <a:spcPct val="115000"/>
               </a:lnSpc>
@@ -5483,7 +5437,7 @@
                 </a:solidFill>
               </a:defRPr>
             </a:lvl8pPr>
-            <a:lvl9pPr indent="-317500" lvl="8" marL="4114800">
+            <a:lvl9pPr marL="4114800" lvl="8" indent="-317500">
               <a:lnSpc>
                 <a:spcPct val="115000"/>
               </a:lnSpc>
@@ -5505,15 +5459,19 @@
               </a:defRPr>
             </a:lvl9pPr>
           </a:lstStyle>
-          <a:p/>
+          <a:p>
+            <a:endParaRPr/>
+          </a:p>
         </p:txBody>
       </p:sp>
       <p:sp>
         <p:nvSpPr>
           <p:cNvPr id="8" name="Google Shape;8;p1"/>
-          <p:cNvSpPr txBox="1"/>
+          <p:cNvSpPr txBox="1">
+            <a:spLocks noGrp="1"/>
+          </p:cNvSpPr>
           <p:nvPr>
-            <p:ph idx="12" type="sldNum"/>
+            <p:ph type="sldNum" idx="12"/>
           </p:nvPr>
         </p:nvSpPr>
         <p:spPr>
@@ -5530,7 +5488,7 @@
           </a:ln>
         </p:spPr>
         <p:txBody>
-          <a:bodyPr anchorCtr="0" anchor="ctr" bIns="91425" lIns="91425" spcFirstLastPara="1" rIns="91425" wrap="square" tIns="91425">
+          <a:bodyPr spcFirstLastPara="1" wrap="square" lIns="91425" tIns="91425" rIns="91425" bIns="91425" anchor="ctr" anchorCtr="0">
             <a:normAutofit/>
           </a:bodyPr>
           <a:lstStyle>
@@ -5608,7 +5566,7 @@
             </a:lvl9pPr>
           </a:lstStyle>
           <a:p>
-            <a:pPr indent="0" lvl="0" marL="0" rtl="0" algn="r">
+            <a:pPr marL="0" lvl="0" indent="0" algn="r" rtl="0">
               <a:spcBef>
                 <a:spcPts val="0"/>
               </a:spcBef>
@@ -5627,7 +5585,7 @@
       </p:sp>
     </p:spTree>
   </p:cSld>
-  <p:clrMap accent1="accent1" accent2="accent2" accent3="accent3" accent4="accent4" accent5="accent5" accent6="accent6" bg1="lt1" bg2="dk2" tx1="dk1" tx2="lt2" folHlink="folHlink" hlink="hlink"/>
+  <p:clrMap bg1="lt1" tx1="dk1" bg2="dk2" tx2="lt2" accent1="accent1" accent2="accent2" accent3="accent3" accent4="accent4" accent5="accent5" accent6="accent6" hlink="hlink" folHlink="folHlink"/>
   <p:sldLayoutIdLst>
     <p:sldLayoutId id="2147483648" r:id="rId1"/>
     <p:sldLayoutId id="2147483649" r:id="rId2"/>
@@ -5641,10 +5599,10 @@
     <p:sldLayoutId id="2147483657" r:id="rId10"/>
     <p:sldLayoutId id="2147483658" r:id="rId11"/>
   </p:sldLayoutIdLst>
-  <p:hf dt="0" ftr="0" hdr="0" sldNum="0"/>
+  <p:hf sldNum="0" hdr="0" ftr="0" dt="0"/>
   <p:txStyles>
     <p:titleStyle>
-      <a:defPPr lvl="0" marR="0" rtl="0" algn="l">
+      <a:defPPr marR="0" lvl="0" algn="l" rtl="0">
         <a:lnSpc>
           <a:spcPct val="100000"/>
         </a:lnSpc>
@@ -5655,7 +5613,7 @@
           <a:spcPts val="0"/>
         </a:spcAft>
       </a:defPPr>
-      <a:lvl1pPr lvl="0" marR="0" rtl="0" algn="l">
+      <a:lvl1pPr marR="0" lvl="0" algn="l" rtl="0">
         <a:lnSpc>
           <a:spcPct val="100000"/>
         </a:lnSpc>
@@ -5669,7 +5627,7 @@
           <a:srgbClr val="000000"/>
         </a:buClr>
         <a:buFont typeface="Arial"/>
-        <a:defRPr b="0" i="0" sz="1400" u="none" cap="none" strike="noStrike">
+        <a:defRPr sz="1400" b="0" i="0" u="none" strike="noStrike" cap="none">
           <a:solidFill>
             <a:srgbClr val="000000"/>
           </a:solidFill>
@@ -5679,7 +5637,7 @@
           <a:sym typeface="Arial"/>
         </a:defRPr>
       </a:lvl1pPr>
-      <a:lvl2pPr lvl="1" marR="0" rtl="0" algn="l">
+      <a:lvl2pPr marR="0" lvl="1" algn="l" rtl="0">
         <a:lnSpc>
           <a:spcPct val="100000"/>
         </a:lnSpc>
@@ -5693,7 +5651,7 @@
           <a:srgbClr val="000000"/>
         </a:buClr>
         <a:buFont typeface="Arial"/>
-        <a:defRPr b="0" i="0" sz="1400" u="none" cap="none" strike="noStrike">
+        <a:defRPr sz="1400" b="0" i="0" u="none" strike="noStrike" cap="none">
           <a:solidFill>
             <a:srgbClr val="000000"/>
           </a:solidFill>
@@ -5703,7 +5661,7 @@
           <a:sym typeface="Arial"/>
         </a:defRPr>
       </a:lvl2pPr>
-      <a:lvl3pPr lvl="2" marR="0" rtl="0" algn="l">
+      <a:lvl3pPr marR="0" lvl="2" algn="l" rtl="0">
         <a:lnSpc>
           <a:spcPct val="100000"/>
         </a:lnSpc>
@@ -5717,7 +5675,7 @@
           <a:srgbClr val="000000"/>
         </a:buClr>
         <a:buFont typeface="Arial"/>
-        <a:defRPr b="0" i="0" sz="1400" u="none" cap="none" strike="noStrike">
+        <a:defRPr sz="1400" b="0" i="0" u="none" strike="noStrike" cap="none">
           <a:solidFill>
             <a:srgbClr val="000000"/>
           </a:solidFill>
@@ -5727,7 +5685,7 @@
           <a:sym typeface="Arial"/>
         </a:defRPr>
       </a:lvl3pPr>
-      <a:lvl4pPr lvl="3" marR="0" rtl="0" algn="l">
+      <a:lvl4pPr marR="0" lvl="3" algn="l" rtl="0">
         <a:lnSpc>
           <a:spcPct val="100000"/>
         </a:lnSpc>
@@ -5741,7 +5699,7 @@
           <a:srgbClr val="000000"/>
         </a:buClr>
         <a:buFont typeface="Arial"/>
-        <a:defRPr b="0" i="0" sz="1400" u="none" cap="none" strike="noStrike">
+        <a:defRPr sz="1400" b="0" i="0" u="none" strike="noStrike" cap="none">
           <a:solidFill>
             <a:srgbClr val="000000"/>
           </a:solidFill>
@@ -5751,7 +5709,7 @@
           <a:sym typeface="Arial"/>
         </a:defRPr>
       </a:lvl4pPr>
-      <a:lvl5pPr lvl="4" marR="0" rtl="0" algn="l">
+      <a:lvl5pPr marR="0" lvl="4" algn="l" rtl="0">
         <a:lnSpc>
           <a:spcPct val="100000"/>
         </a:lnSpc>
@@ -5765,7 +5723,7 @@
           <a:srgbClr val="000000"/>
         </a:buClr>
         <a:buFont typeface="Arial"/>
-        <a:defRPr b="0" i="0" sz="1400" u="none" cap="none" strike="noStrike">
+        <a:defRPr sz="1400" b="0" i="0" u="none" strike="noStrike" cap="none">
           <a:solidFill>
             <a:srgbClr val="000000"/>
           </a:solidFill>
@@ -5775,7 +5733,7 @@
           <a:sym typeface="Arial"/>
         </a:defRPr>
       </a:lvl5pPr>
-      <a:lvl6pPr lvl="5" marR="0" rtl="0" algn="l">
+      <a:lvl6pPr marR="0" lvl="5" algn="l" rtl="0">
         <a:lnSpc>
           <a:spcPct val="100000"/>
         </a:lnSpc>
@@ -5789,7 +5747,7 @@
           <a:srgbClr val="000000"/>
         </a:buClr>
         <a:buFont typeface="Arial"/>
-        <a:defRPr b="0" i="0" sz="1400" u="none" cap="none" strike="noStrike">
+        <a:defRPr sz="1400" b="0" i="0" u="none" strike="noStrike" cap="none">
           <a:solidFill>
             <a:srgbClr val="000000"/>
           </a:solidFill>
@@ -5799,7 +5757,7 @@
           <a:sym typeface="Arial"/>
         </a:defRPr>
       </a:lvl6pPr>
-      <a:lvl7pPr lvl="6" marR="0" rtl="0" algn="l">
+      <a:lvl7pPr marR="0" lvl="6" algn="l" rtl="0">
         <a:lnSpc>
           <a:spcPct val="100000"/>
         </a:lnSpc>
@@ -5813,7 +5771,7 @@
           <a:srgbClr val="000000"/>
         </a:buClr>
         <a:buFont typeface="Arial"/>
-        <a:defRPr b="0" i="0" sz="1400" u="none" cap="none" strike="noStrike">
+        <a:defRPr sz="1400" b="0" i="0" u="none" strike="noStrike" cap="none">
           <a:solidFill>
             <a:srgbClr val="000000"/>
           </a:solidFill>
@@ -5823,7 +5781,7 @@
           <a:sym typeface="Arial"/>
         </a:defRPr>
       </a:lvl7pPr>
-      <a:lvl8pPr lvl="7" marR="0" rtl="0" algn="l">
+      <a:lvl8pPr marR="0" lvl="7" algn="l" rtl="0">
         <a:lnSpc>
           <a:spcPct val="100000"/>
         </a:lnSpc>
@@ -5837,7 +5795,7 @@
           <a:srgbClr val="000000"/>
         </a:buClr>
         <a:buFont typeface="Arial"/>
-        <a:defRPr b="0" i="0" sz="1400" u="none" cap="none" strike="noStrike">
+        <a:defRPr sz="1400" b="0" i="0" u="none" strike="noStrike" cap="none">
           <a:solidFill>
             <a:srgbClr val="000000"/>
           </a:solidFill>
@@ -5847,7 +5805,7 @@
           <a:sym typeface="Arial"/>
         </a:defRPr>
       </a:lvl8pPr>
-      <a:lvl9pPr lvl="8" marR="0" rtl="0" algn="l">
+      <a:lvl9pPr marR="0" lvl="8" algn="l" rtl="0">
         <a:lnSpc>
           <a:spcPct val="100000"/>
         </a:lnSpc>
@@ -5861,7 +5819,7 @@
           <a:srgbClr val="000000"/>
         </a:buClr>
         <a:buFont typeface="Arial"/>
-        <a:defRPr b="0" i="0" sz="1400" u="none" cap="none" strike="noStrike">
+        <a:defRPr sz="1400" b="0" i="0" u="none" strike="noStrike" cap="none">
           <a:solidFill>
             <a:srgbClr val="000000"/>
           </a:solidFill>
@@ -5873,7 +5831,7 @@
       </a:lvl9pPr>
     </p:titleStyle>
     <p:bodyStyle>
-      <a:defPPr lvl="0" marR="0" rtl="0" algn="l">
+      <a:defPPr marR="0" lvl="0" algn="l" rtl="0">
         <a:lnSpc>
           <a:spcPct val="100000"/>
         </a:lnSpc>
@@ -5884,7 +5842,7 @@
           <a:spcPts val="0"/>
         </a:spcAft>
       </a:defPPr>
-      <a:lvl1pPr lvl="0" marR="0" rtl="0" algn="l">
+      <a:lvl1pPr marR="0" lvl="0" algn="l" rtl="0">
         <a:lnSpc>
           <a:spcPct val="100000"/>
         </a:lnSpc>
@@ -5898,7 +5856,7 @@
           <a:srgbClr val="000000"/>
         </a:buClr>
         <a:buFont typeface="Arial"/>
-        <a:defRPr b="0" i="0" sz="1400" u="none" cap="none" strike="noStrike">
+        <a:defRPr sz="1400" b="0" i="0" u="none" strike="noStrike" cap="none">
           <a:solidFill>
             <a:srgbClr val="000000"/>
           </a:solidFill>
@@ -5908,7 +5866,7 @@
           <a:sym typeface="Arial"/>
         </a:defRPr>
       </a:lvl1pPr>
-      <a:lvl2pPr lvl="1" marR="0" rtl="0" algn="l">
+      <a:lvl2pPr marR="0" lvl="1" algn="l" rtl="0">
         <a:lnSpc>
           <a:spcPct val="100000"/>
         </a:lnSpc>
@@ -5922,7 +5880,7 @@
           <a:srgbClr val="000000"/>
         </a:buClr>
         <a:buFont typeface="Arial"/>
-        <a:defRPr b="0" i="0" sz="1400" u="none" cap="none" strike="noStrike">
+        <a:defRPr sz="1400" b="0" i="0" u="none" strike="noStrike" cap="none">
           <a:solidFill>
             <a:srgbClr val="000000"/>
           </a:solidFill>
@@ -5932,7 +5890,7 @@
           <a:sym typeface="Arial"/>
         </a:defRPr>
       </a:lvl2pPr>
-      <a:lvl3pPr lvl="2" marR="0" rtl="0" algn="l">
+      <a:lvl3pPr marR="0" lvl="2" algn="l" rtl="0">
         <a:lnSpc>
           <a:spcPct val="100000"/>
         </a:lnSpc>
@@ -5946,7 +5904,7 @@
           <a:srgbClr val="000000"/>
         </a:buClr>
         <a:buFont typeface="Arial"/>
-        <a:defRPr b="0" i="0" sz="1400" u="none" cap="none" strike="noStrike">
+        <a:defRPr sz="1400" b="0" i="0" u="none" strike="noStrike" cap="none">
           <a:solidFill>
             <a:srgbClr val="000000"/>
           </a:solidFill>
@@ -5956,7 +5914,7 @@
           <a:sym typeface="Arial"/>
         </a:defRPr>
       </a:lvl3pPr>
-      <a:lvl4pPr lvl="3" marR="0" rtl="0" algn="l">
+      <a:lvl4pPr marR="0" lvl="3" algn="l" rtl="0">
         <a:lnSpc>
           <a:spcPct val="100000"/>
         </a:lnSpc>
@@ -5970,7 +5928,7 @@
           <a:srgbClr val="000000"/>
         </a:buClr>
         <a:buFont typeface="Arial"/>
-        <a:defRPr b="0" i="0" sz="1400" u="none" cap="none" strike="noStrike">
+        <a:defRPr sz="1400" b="0" i="0" u="none" strike="noStrike" cap="none">
           <a:solidFill>
             <a:srgbClr val="000000"/>
           </a:solidFill>
@@ -5980,7 +5938,7 @@
           <a:sym typeface="Arial"/>
         </a:defRPr>
       </a:lvl4pPr>
-      <a:lvl5pPr lvl="4" marR="0" rtl="0" algn="l">
+      <a:lvl5pPr marR="0" lvl="4" algn="l" rtl="0">
         <a:lnSpc>
           <a:spcPct val="100000"/>
         </a:lnSpc>
@@ -5994,7 +5952,7 @@
           <a:srgbClr val="000000"/>
         </a:buClr>
         <a:buFont typeface="Arial"/>
-        <a:defRPr b="0" i="0" sz="1400" u="none" cap="none" strike="noStrike">
+        <a:defRPr sz="1400" b="0" i="0" u="none" strike="noStrike" cap="none">
           <a:solidFill>
             <a:srgbClr val="000000"/>
           </a:solidFill>
@@ -6004,7 +5962,7 @@
           <a:sym typeface="Arial"/>
         </a:defRPr>
       </a:lvl5pPr>
-      <a:lvl6pPr lvl="5" marR="0" rtl="0" algn="l">
+      <a:lvl6pPr marR="0" lvl="5" algn="l" rtl="0">
         <a:lnSpc>
           <a:spcPct val="100000"/>
         </a:lnSpc>
@@ -6018,7 +5976,7 @@
           <a:srgbClr val="000000"/>
         </a:buClr>
         <a:buFont typeface="Arial"/>
-        <a:defRPr b="0" i="0" sz="1400" u="none" cap="none" strike="noStrike">
+        <a:defRPr sz="1400" b="0" i="0" u="none" strike="noStrike" cap="none">
           <a:solidFill>
             <a:srgbClr val="000000"/>
           </a:solidFill>
@@ -6028,7 +5986,7 @@
           <a:sym typeface="Arial"/>
         </a:defRPr>
       </a:lvl6pPr>
-      <a:lvl7pPr lvl="6" marR="0" rtl="0" algn="l">
+      <a:lvl7pPr marR="0" lvl="6" algn="l" rtl="0">
         <a:lnSpc>
           <a:spcPct val="100000"/>
         </a:lnSpc>
@@ -6042,7 +6000,7 @@
           <a:srgbClr val="000000"/>
         </a:buClr>
         <a:buFont typeface="Arial"/>
-        <a:defRPr b="0" i="0" sz="1400" u="none" cap="none" strike="noStrike">
+        <a:defRPr sz="1400" b="0" i="0" u="none" strike="noStrike" cap="none">
           <a:solidFill>
             <a:srgbClr val="000000"/>
           </a:solidFill>
@@ -6052,7 +6010,7 @@
           <a:sym typeface="Arial"/>
         </a:defRPr>
       </a:lvl7pPr>
-      <a:lvl8pPr lvl="7" marR="0" rtl="0" algn="l">
+      <a:lvl8pPr marR="0" lvl="7" algn="l" rtl="0">
         <a:lnSpc>
           <a:spcPct val="100000"/>
         </a:lnSpc>
@@ -6066,7 +6024,7 @@
           <a:srgbClr val="000000"/>
         </a:buClr>
         <a:buFont typeface="Arial"/>
-        <a:defRPr b="0" i="0" sz="1400" u="none" cap="none" strike="noStrike">
+        <a:defRPr sz="1400" b="0" i="0" u="none" strike="noStrike" cap="none">
           <a:solidFill>
             <a:srgbClr val="000000"/>
           </a:solidFill>
@@ -6076,7 +6034,7 @@
           <a:sym typeface="Arial"/>
         </a:defRPr>
       </a:lvl8pPr>
-      <a:lvl9pPr lvl="8" marR="0" rtl="0" algn="l">
+      <a:lvl9pPr marR="0" lvl="8" algn="l" rtl="0">
         <a:lnSpc>
           <a:spcPct val="100000"/>
         </a:lnSpc>
@@ -6090,7 +6048,7 @@
           <a:srgbClr val="000000"/>
         </a:buClr>
         <a:buFont typeface="Arial"/>
-        <a:defRPr b="0" i="0" sz="1400" u="none" cap="none" strike="noStrike">
+        <a:defRPr sz="1400" b="0" i="0" u="none" strike="noStrike" cap="none">
           <a:solidFill>
             <a:srgbClr val="000000"/>
           </a:solidFill>
@@ -6102,7 +6060,7 @@
       </a:lvl9pPr>
     </p:bodyStyle>
     <p:otherStyle>
-      <a:defPPr lvl="0" marR="0" rtl="0" algn="l">
+      <a:defPPr marR="0" lvl="0" algn="l" rtl="0">
         <a:lnSpc>
           <a:spcPct val="100000"/>
         </a:lnSpc>
@@ -6113,7 +6071,7 @@
           <a:spcPts val="0"/>
         </a:spcAft>
       </a:defPPr>
-      <a:lvl1pPr lvl="0" marR="0" rtl="0" algn="l">
+      <a:lvl1pPr marR="0" lvl="0" algn="l" rtl="0">
         <a:lnSpc>
           <a:spcPct val="100000"/>
         </a:lnSpc>
@@ -6127,7 +6085,7 @@
           <a:srgbClr val="000000"/>
         </a:buClr>
         <a:buFont typeface="Arial"/>
-        <a:defRPr b="0" i="0" sz="1400" u="none" cap="none" strike="noStrike">
+        <a:defRPr sz="1400" b="0" i="0" u="none" strike="noStrike" cap="none">
           <a:solidFill>
             <a:srgbClr val="000000"/>
           </a:solidFill>
@@ -6137,7 +6095,7 @@
           <a:sym typeface="Arial"/>
         </a:defRPr>
       </a:lvl1pPr>
-      <a:lvl2pPr lvl="1" marR="0" rtl="0" algn="l">
+      <a:lvl2pPr marR="0" lvl="1" algn="l" rtl="0">
         <a:lnSpc>
           <a:spcPct val="100000"/>
         </a:lnSpc>
@@ -6151,7 +6109,7 @@
           <a:srgbClr val="000000"/>
         </a:buClr>
         <a:buFont typeface="Arial"/>
-        <a:defRPr b="0" i="0" sz="1400" u="none" cap="none" strike="noStrike">
+        <a:defRPr sz="1400" b="0" i="0" u="none" strike="noStrike" cap="none">
           <a:solidFill>
             <a:srgbClr val="000000"/>
           </a:solidFill>
@@ -6161,7 +6119,7 @@
           <a:sym typeface="Arial"/>
         </a:defRPr>
       </a:lvl2pPr>
-      <a:lvl3pPr lvl="2" marR="0" rtl="0" algn="l">
+      <a:lvl3pPr marR="0" lvl="2" algn="l" rtl="0">
         <a:lnSpc>
           <a:spcPct val="100000"/>
         </a:lnSpc>
@@ -6175,7 +6133,7 @@
           <a:srgbClr val="000000"/>
         </a:buClr>
         <a:buFont typeface="Arial"/>
-        <a:defRPr b="0" i="0" sz="1400" u="none" cap="none" strike="noStrike">
+        <a:defRPr sz="1400" b="0" i="0" u="none" strike="noStrike" cap="none">
           <a:solidFill>
             <a:srgbClr val="000000"/>
           </a:solidFill>
@@ -6185,7 +6143,7 @@
           <a:sym typeface="Arial"/>
         </a:defRPr>
       </a:lvl3pPr>
-      <a:lvl4pPr lvl="3" marR="0" rtl="0" algn="l">
+      <a:lvl4pPr marR="0" lvl="3" algn="l" rtl="0">
         <a:lnSpc>
           <a:spcPct val="100000"/>
         </a:lnSpc>
@@ -6199,7 +6157,7 @@
           <a:srgbClr val="000000"/>
         </a:buClr>
         <a:buFont typeface="Arial"/>
-        <a:defRPr b="0" i="0" sz="1400" u="none" cap="none" strike="noStrike">
+        <a:defRPr sz="1400" b="0" i="0" u="none" strike="noStrike" cap="none">
           <a:solidFill>
             <a:srgbClr val="000000"/>
           </a:solidFill>
@@ -6209,7 +6167,7 @@
           <a:sym typeface="Arial"/>
         </a:defRPr>
       </a:lvl4pPr>
-      <a:lvl5pPr lvl="4" marR="0" rtl="0" algn="l">
+      <a:lvl5pPr marR="0" lvl="4" algn="l" rtl="0">
         <a:lnSpc>
           <a:spcPct val="100000"/>
         </a:lnSpc>
@@ -6223,7 +6181,7 @@
           <a:srgbClr val="000000"/>
         </a:buClr>
         <a:buFont typeface="Arial"/>
-        <a:defRPr b="0" i="0" sz="1400" u="none" cap="none" strike="noStrike">
+        <a:defRPr sz="1400" b="0" i="0" u="none" strike="noStrike" cap="none">
           <a:solidFill>
             <a:srgbClr val="000000"/>
           </a:solidFill>
@@ -6233,7 +6191,7 @@
           <a:sym typeface="Arial"/>
         </a:defRPr>
       </a:lvl5pPr>
-      <a:lvl6pPr lvl="5" marR="0" rtl="0" algn="l">
+      <a:lvl6pPr marR="0" lvl="5" algn="l" rtl="0">
         <a:lnSpc>
           <a:spcPct val="100000"/>
         </a:lnSpc>
@@ -6247,7 +6205,7 @@
           <a:srgbClr val="000000"/>
         </a:buClr>
         <a:buFont typeface="Arial"/>
-        <a:defRPr b="0" i="0" sz="1400" u="none" cap="none" strike="noStrike">
+        <a:defRPr sz="1400" b="0" i="0" u="none" strike="noStrike" cap="none">
           <a:solidFill>
             <a:srgbClr val="000000"/>
           </a:solidFill>
@@ -6257,7 +6215,7 @@
           <a:sym typeface="Arial"/>
         </a:defRPr>
       </a:lvl6pPr>
-      <a:lvl7pPr lvl="6" marR="0" rtl="0" algn="l">
+      <a:lvl7pPr marR="0" lvl="6" algn="l" rtl="0">
         <a:lnSpc>
           <a:spcPct val="100000"/>
         </a:lnSpc>
@@ -6271,7 +6229,7 @@
           <a:srgbClr val="000000"/>
         </a:buClr>
         <a:buFont typeface="Arial"/>
-        <a:defRPr b="0" i="0" sz="1400" u="none" cap="none" strike="noStrike">
+        <a:defRPr sz="1400" b="0" i="0" u="none" strike="noStrike" cap="none">
           <a:solidFill>
             <a:srgbClr val="000000"/>
           </a:solidFill>
@@ -6281,7 +6239,7 @@
           <a:sym typeface="Arial"/>
         </a:defRPr>
       </a:lvl7pPr>
-      <a:lvl8pPr lvl="7" marR="0" rtl="0" algn="l">
+      <a:lvl8pPr marR="0" lvl="7" algn="l" rtl="0">
         <a:lnSpc>
           <a:spcPct val="100000"/>
         </a:lnSpc>
@@ -6295,7 +6253,7 @@
           <a:srgbClr val="000000"/>
         </a:buClr>
         <a:buFont typeface="Arial"/>
-        <a:defRPr b="0" i="0" sz="1400" u="none" cap="none" strike="noStrike">
+        <a:defRPr sz="1400" b="0" i="0" u="none" strike="noStrike" cap="none">
           <a:solidFill>
             <a:srgbClr val="000000"/>
           </a:solidFill>
@@ -6305,7 +6263,7 @@
           <a:sym typeface="Arial"/>
         </a:defRPr>
       </a:lvl8pPr>
-      <a:lvl9pPr lvl="8" marR="0" rtl="0" algn="l">
+      <a:lvl9pPr marR="0" lvl="8" algn="l" rtl="0">
         <a:lnSpc>
           <a:spcPct val="100000"/>
         </a:lnSpc>
@@ -6319,7 +6277,7 @@
           <a:srgbClr val="000000"/>
         </a:buClr>
         <a:buFont typeface="Arial"/>
-        <a:defRPr b="0" i="0" sz="1400" u="none" cap="none" strike="noStrike">
+        <a:defRPr sz="1400" b="0" i="0" u="none" strike="noStrike" cap="none">
           <a:solidFill>
             <a:srgbClr val="000000"/>
           </a:solidFill>
@@ -6335,11 +6293,11 @@
 </file>
 
 <file path=ppt/slides/slide1.xml><?xml version="1.0" encoding="utf-8"?>
-<p:sld xmlns:a="http://schemas.openxmlformats.org/drawingml/2006/main" xmlns:r="http://schemas.openxmlformats.org/officeDocument/2006/relationships" xmlns:mc="http://schemas.openxmlformats.org/markup-compatibility/2006" xmlns:mv="urn:schemas-microsoft-com:mac:vml" xmlns:p="http://schemas.openxmlformats.org/presentationml/2006/main" xmlns:c="http://schemas.openxmlformats.org/drawingml/2006/chart" xmlns:dgm="http://schemas.openxmlformats.org/drawingml/2006/diagram" xmlns:o="urn:schemas-microsoft-com:office:office" xmlns:v="urn:schemas-microsoft-com:vml" xmlns:pvml="urn:schemas-microsoft-com:office:powerpoint" xmlns:com="http://schemas.openxmlformats.org/drawingml/2006/compatibility" xmlns:p14="http://schemas.microsoft.com/office/powerpoint/2010/main" xmlns:p15="http://schemas.microsoft.com/office/powerpoint/2012/main" xmlns:ahyp="http://schemas.microsoft.com/office/drawing/2018/hyperlinkcolor">
+<p:sld xmlns:a="http://schemas.openxmlformats.org/drawingml/2006/main" xmlns:r="http://schemas.openxmlformats.org/officeDocument/2006/relationships" xmlns:p="http://schemas.openxmlformats.org/presentationml/2006/main">
   <p:cSld>
     <p:spTree>
       <p:nvGrpSpPr>
-        <p:cNvPr id="53" name="Shape 53"/>
+        <p:cNvPr id="1" name="Shape 53"/>
         <p:cNvGrpSpPr/>
         <p:nvPr/>
       </p:nvGrpSpPr>
@@ -6354,7 +6312,9 @@
       <p:sp>
         <p:nvSpPr>
           <p:cNvPr id="54" name="Google Shape;54;p13"/>
-          <p:cNvSpPr txBox="1"/>
+          <p:cNvSpPr txBox="1">
+            <a:spLocks noGrp="1"/>
+          </p:cNvSpPr>
           <p:nvPr>
             <p:ph type="ctrTitle"/>
           </p:nvPr>
@@ -6369,12 +6329,12 @@
           </a:prstGeom>
         </p:spPr>
         <p:txBody>
-          <a:bodyPr anchorCtr="0" anchor="b" bIns="91425" lIns="91425" spcFirstLastPara="1" rIns="91425" wrap="square" tIns="91425">
+          <a:bodyPr spcFirstLastPara="1" wrap="square" lIns="91425" tIns="91425" rIns="91425" bIns="91425" anchor="b" anchorCtr="0">
             <a:normAutofit/>
           </a:bodyPr>
           <a:lstStyle/>
           <a:p>
-            <a:pPr indent="0" lvl="0" marL="0" rtl="0" algn="ctr">
+            <a:pPr marL="0" lvl="0" indent="0" algn="ctr" rtl="0">
               <a:spcBef>
                 <a:spcPts val="0"/>
               </a:spcBef>
@@ -6394,9 +6354,11 @@
       <p:sp>
         <p:nvSpPr>
           <p:cNvPr id="55" name="Google Shape;55;p13"/>
-          <p:cNvSpPr txBox="1"/>
+          <p:cNvSpPr txBox="1">
+            <a:spLocks noGrp="1"/>
+          </p:cNvSpPr>
           <p:nvPr>
-            <p:ph idx="1" type="subTitle"/>
+            <p:ph type="subTitle" idx="1"/>
           </p:nvPr>
         </p:nvSpPr>
         <p:spPr>
@@ -6409,12 +6371,12 @@
           </a:prstGeom>
         </p:spPr>
         <p:txBody>
-          <a:bodyPr anchorCtr="0" anchor="t" bIns="91425" lIns="91425" spcFirstLastPara="1" rIns="91425" wrap="square" tIns="91425">
+          <a:bodyPr spcFirstLastPara="1" wrap="square" lIns="91425" tIns="91425" rIns="91425" bIns="91425" anchor="t" anchorCtr="0">
             <a:normAutofit/>
           </a:bodyPr>
           <a:lstStyle/>
           <a:p>
-            <a:pPr indent="0" lvl="0" marL="0" rtl="0" algn="ctr">
+            <a:pPr marL="0" lvl="0" indent="0" algn="ctr" rtl="0">
               <a:spcBef>
                 <a:spcPts val="0"/>
               </a:spcBef>
@@ -6423,9 +6385,6 @@
               </a:spcAft>
               <a:buNone/>
             </a:pPr>
-            <a:r>
-              <a:t/>
-            </a:r>
             <a:endParaRPr/>
           </a:p>
         </p:txBody>
@@ -6439,11 +6398,11 @@
 </file>
 
 <file path=ppt/slides/slide10.xml><?xml version="1.0" encoding="utf-8"?>
-<p:sld xmlns:a="http://schemas.openxmlformats.org/drawingml/2006/main" xmlns:r="http://schemas.openxmlformats.org/officeDocument/2006/relationships" xmlns:mc="http://schemas.openxmlformats.org/markup-compatibility/2006" xmlns:mv="urn:schemas-microsoft-com:mac:vml" xmlns:p="http://schemas.openxmlformats.org/presentationml/2006/main" xmlns:c="http://schemas.openxmlformats.org/drawingml/2006/chart" xmlns:dgm="http://schemas.openxmlformats.org/drawingml/2006/diagram" xmlns:o="urn:schemas-microsoft-com:office:office" xmlns:v="urn:schemas-microsoft-com:vml" xmlns:pvml="urn:schemas-microsoft-com:office:powerpoint" xmlns:com="http://schemas.openxmlformats.org/drawingml/2006/compatibility" xmlns:p14="http://schemas.microsoft.com/office/powerpoint/2010/main" xmlns:p15="http://schemas.microsoft.com/office/powerpoint/2012/main" xmlns:ahyp="http://schemas.microsoft.com/office/drawing/2018/hyperlinkcolor">
+<p:sld xmlns:a="http://schemas.openxmlformats.org/drawingml/2006/main" xmlns:r="http://schemas.openxmlformats.org/officeDocument/2006/relationships" xmlns:p="http://schemas.openxmlformats.org/presentationml/2006/main">
   <p:cSld>
     <p:spTree>
       <p:nvGrpSpPr>
-        <p:cNvPr id="109" name="Shape 109"/>
+        <p:cNvPr id="1" name=""/>
         <p:cNvGrpSpPr/>
         <p:nvPr/>
       </p:nvGrpSpPr>
@@ -6457,8 +6416,380 @@
       </p:grpSpPr>
       <p:sp>
         <p:nvSpPr>
-          <p:cNvPr id="110" name="Google Shape;110;p22"/>
-          <p:cNvSpPr txBox="1"/>
+          <p:cNvPr id="2" name="Заголовок 1">
+            <a:extLst>
+              <a:ext uri="{FF2B5EF4-FFF2-40B4-BE49-F238E27FC236}">
+                <a16:creationId xmlns:a16="http://schemas.microsoft.com/office/drawing/2014/main" id="{5D2FE8CD-E016-6192-A1B5-CBD3B96D5FF0}"/>
+              </a:ext>
+            </a:extLst>
+          </p:cNvPr>
+          <p:cNvSpPr>
+            <a:spLocks noGrp="1"/>
+          </p:cNvSpPr>
+          <p:nvPr>
+            <p:ph type="title"/>
+          </p:nvPr>
+        </p:nvSpPr>
+        <p:spPr/>
+        <p:txBody>
+          <a:bodyPr>
+            <a:normAutofit fontScale="90000"/>
+          </a:bodyPr>
+          <a:lstStyle/>
+          <a:p>
+            <a:r>
+              <a:rPr lang="en-US" dirty="0"/>
+              <a:t>Development Resources</a:t>
+            </a:r>
+            <a:endParaRPr lang="ru-RU" dirty="0"/>
+          </a:p>
+        </p:txBody>
+      </p:sp>
+      <p:sp>
+        <p:nvSpPr>
+          <p:cNvPr id="3" name="Текст 2">
+            <a:extLst>
+              <a:ext uri="{FF2B5EF4-FFF2-40B4-BE49-F238E27FC236}">
+                <a16:creationId xmlns:a16="http://schemas.microsoft.com/office/drawing/2014/main" id="{A2819161-37EF-850F-D564-774764207837}"/>
+              </a:ext>
+            </a:extLst>
+          </p:cNvPr>
+          <p:cNvSpPr>
+            <a:spLocks noGrp="1"/>
+          </p:cNvSpPr>
+          <p:nvPr>
+            <p:ph type="body" idx="1"/>
+          </p:nvPr>
+        </p:nvSpPr>
+        <p:spPr/>
+        <p:txBody>
+          <a:bodyPr>
+            <a:normAutofit/>
+          </a:bodyPr>
+          <a:lstStyle/>
+          <a:p>
+            <a:r>
+              <a:rPr lang="en-US" dirty="0">
+                <a:hlinkClick r:id="rId2"/>
+              </a:rPr>
+              <a:t>https://github.com/gridgain-solutions/ignite-in-k8s</a:t>
+            </a:r>
+          </a:p>
+          <a:p>
+            <a:pPr lvl="1"/>
+            <a:r>
+              <a:rPr lang="en-US" dirty="0"/>
+              <a:t>Public ignite-</a:t>
+            </a:r>
+            <a:r>
+              <a:rPr lang="en-US" dirty="0" err="1"/>
+              <a:t>etcd</a:t>
+            </a:r>
+            <a:r>
+              <a:rPr lang="en-US" dirty="0"/>
+              <a:t> repo</a:t>
+            </a:r>
+          </a:p>
+          <a:p>
+            <a:pPr lvl="1"/>
+            <a:r>
+              <a:rPr lang="en-US" dirty="0">
+                <a:hlinkClick r:id="rId3"/>
+              </a:rPr>
+              <a:t>Open issues</a:t>
+            </a:r>
+            <a:endParaRPr lang="en-US" dirty="0">
+              <a:hlinkClick r:id="rId2"/>
+            </a:endParaRPr>
+          </a:p>
+          <a:p>
+            <a:r>
+              <a:rPr lang="en-US" dirty="0">
+                <a:hlinkClick r:id="rId2"/>
+              </a:rPr>
+              <a:t>https://github.com/gridgain-solutions/kubernetes</a:t>
+            </a:r>
+            <a:endParaRPr lang="en-US" dirty="0"/>
+          </a:p>
+          <a:p>
+            <a:pPr lvl="1"/>
+            <a:r>
+              <a:rPr lang="en-US" dirty="0"/>
+              <a:t>Public Kubernetes repo forked from Kubernetes 1.19.6</a:t>
+            </a:r>
+          </a:p>
+          <a:p>
+            <a:pPr lvl="1"/>
+            <a:r>
+              <a:rPr lang="en-US" dirty="0"/>
+              <a:t>Deployment scripts and resource definitions updated to replace native </a:t>
+            </a:r>
+            <a:r>
+              <a:rPr lang="en-US" dirty="0" err="1"/>
+              <a:t>etcd</a:t>
+            </a:r>
+            <a:r>
+              <a:rPr lang="en-US" dirty="0"/>
+              <a:t> with ignite-</a:t>
+            </a:r>
+            <a:r>
+              <a:rPr lang="en-US" dirty="0" err="1"/>
+              <a:t>etcd</a:t>
+            </a:r>
+            <a:endParaRPr lang="en-US" dirty="0"/>
+          </a:p>
+          <a:p>
+            <a:r>
+              <a:rPr lang="en-US" dirty="0">
+                <a:hlinkClick r:id="rId4"/>
+              </a:rPr>
+              <a:t>https://github.com/kubernetes/perf-tests</a:t>
+            </a:r>
+          </a:p>
+          <a:p>
+            <a:pPr lvl="1"/>
+            <a:r>
+              <a:rPr lang="en-US" dirty="0"/>
+              <a:t>Public Kubernetes performance testing framework (</a:t>
+            </a:r>
+            <a:r>
+              <a:rPr lang="en-US" dirty="0" err="1"/>
+              <a:t>kubemark</a:t>
+            </a:r>
+            <a:r>
+              <a:rPr lang="en-US" dirty="0"/>
+              <a:t>) repo</a:t>
+            </a:r>
+          </a:p>
+          <a:p>
+            <a:pPr lvl="1"/>
+            <a:r>
+              <a:rPr lang="en-US" dirty="0"/>
+              <a:t>No changes in the code.</a:t>
+            </a:r>
+            <a:endParaRPr lang="en-US" dirty="0">
+              <a:hlinkClick r:id="rId4"/>
+            </a:endParaRPr>
+          </a:p>
+        </p:txBody>
+      </p:sp>
+    </p:spTree>
+    <p:extLst>
+      <p:ext uri="{BB962C8B-B14F-4D97-AF65-F5344CB8AC3E}">
+        <p14:creationId xmlns:p14="http://schemas.microsoft.com/office/powerpoint/2010/main" val="3945599754"/>
+      </p:ext>
+    </p:extLst>
+  </p:cSld>
+  <p:clrMapOvr>
+    <a:masterClrMapping/>
+  </p:clrMapOvr>
+</p:sld>
+</file>
+
+<file path=ppt/slides/slide11.xml><?xml version="1.0" encoding="utf-8"?>
+<p:sld xmlns:a="http://schemas.openxmlformats.org/drawingml/2006/main" xmlns:r="http://schemas.openxmlformats.org/officeDocument/2006/relationships" xmlns:p="http://schemas.openxmlformats.org/presentationml/2006/main">
+  <p:cSld>
+    <p:spTree>
+      <p:nvGrpSpPr>
+        <p:cNvPr id="1" name=""/>
+        <p:cNvGrpSpPr/>
+        <p:nvPr/>
+      </p:nvGrpSpPr>
+      <p:grpSpPr>
+        <a:xfrm>
+          <a:off x="0" y="0"/>
+          <a:ext cx="0" cy="0"/>
+          <a:chOff x="0" y="0"/>
+          <a:chExt cx="0" cy="0"/>
+        </a:xfrm>
+      </p:grpSpPr>
+      <p:sp>
+        <p:nvSpPr>
+          <p:cNvPr id="2" name="Заголовок 1">
+            <a:extLst>
+              <a:ext uri="{FF2B5EF4-FFF2-40B4-BE49-F238E27FC236}">
+                <a16:creationId xmlns:a16="http://schemas.microsoft.com/office/drawing/2014/main" id="{5D2FE8CD-E016-6192-A1B5-CBD3B96D5FF0}"/>
+              </a:ext>
+            </a:extLst>
+          </p:cNvPr>
+          <p:cNvSpPr>
+            <a:spLocks noGrp="1"/>
+          </p:cNvSpPr>
+          <p:nvPr>
+            <p:ph type="title"/>
+          </p:nvPr>
+        </p:nvSpPr>
+        <p:spPr/>
+        <p:txBody>
+          <a:bodyPr>
+            <a:normAutofit fontScale="90000"/>
+          </a:bodyPr>
+          <a:lstStyle/>
+          <a:p>
+            <a:r>
+              <a:rPr lang="en-US" dirty="0"/>
+              <a:t>Development Resources</a:t>
+            </a:r>
+            <a:endParaRPr lang="ru-RU" dirty="0"/>
+          </a:p>
+        </p:txBody>
+      </p:sp>
+      <p:sp>
+        <p:nvSpPr>
+          <p:cNvPr id="3" name="Текст 2">
+            <a:extLst>
+              <a:ext uri="{FF2B5EF4-FFF2-40B4-BE49-F238E27FC236}">
+                <a16:creationId xmlns:a16="http://schemas.microsoft.com/office/drawing/2014/main" id="{A2819161-37EF-850F-D564-774764207837}"/>
+              </a:ext>
+            </a:extLst>
+          </p:cNvPr>
+          <p:cNvSpPr>
+            <a:spLocks noGrp="1"/>
+          </p:cNvSpPr>
+          <p:nvPr>
+            <p:ph type="body" idx="1"/>
+          </p:nvPr>
+        </p:nvSpPr>
+        <p:spPr/>
+        <p:txBody>
+          <a:bodyPr>
+            <a:normAutofit/>
+          </a:bodyPr>
+          <a:lstStyle/>
+          <a:p>
+            <a:r>
+              <a:rPr lang="en-US" dirty="0">
+                <a:hlinkClick r:id="rId2"/>
+              </a:rPr>
+              <a:t>https://github.com/etcd-io/etcd/tree/main/tools/benchmark</a:t>
+            </a:r>
+            <a:endParaRPr lang="en-US" dirty="0"/>
+          </a:p>
+          <a:p>
+            <a:pPr lvl="1"/>
+            <a:r>
+              <a:rPr lang="en-US" dirty="0"/>
+              <a:t>Benchmarking tool for </a:t>
+            </a:r>
+            <a:r>
+              <a:rPr lang="en-US" dirty="0" err="1"/>
+              <a:t>etcd</a:t>
+            </a:r>
+            <a:r>
+              <a:rPr lang="en-US" dirty="0"/>
+              <a:t> clusters</a:t>
+            </a:r>
+          </a:p>
+          <a:p>
+            <a:pPr lvl="1"/>
+            <a:r>
+              <a:rPr lang="en-US" dirty="0"/>
+              <a:t>Another way to compare native </a:t>
+            </a:r>
+            <a:r>
+              <a:rPr lang="en-US" dirty="0" err="1"/>
+              <a:t>etcd</a:t>
+            </a:r>
+            <a:r>
+              <a:rPr lang="en-US" dirty="0"/>
+              <a:t> vs ignite-</a:t>
+            </a:r>
+            <a:r>
+              <a:rPr lang="en-US" dirty="0" err="1"/>
+              <a:t>etc</a:t>
+            </a:r>
+            <a:r>
+              <a:rPr lang="en-US" dirty="0"/>
+              <a:t> performance</a:t>
+            </a:r>
+          </a:p>
+          <a:p>
+            <a:pPr lvl="1"/>
+            <a:r>
+              <a:rPr lang="en-US" dirty="0"/>
+              <a:t>The task is in progress:</a:t>
+            </a:r>
+          </a:p>
+          <a:p>
+            <a:pPr lvl="2"/>
+            <a:r>
+              <a:rPr lang="en-US" dirty="0">
+                <a:hlinkClick r:id="rId3"/>
+              </a:rPr>
+              <a:t>The custom branch</a:t>
+            </a:r>
+            <a:endParaRPr lang="en-US" dirty="0"/>
+          </a:p>
+          <a:p>
+            <a:pPr lvl="2"/>
+            <a:r>
+              <a:rPr lang="en-US" dirty="0"/>
+              <a:t>Completed setup and benchmarking on a local machine. </a:t>
+            </a:r>
+            <a:r>
+              <a:rPr lang="en-US" dirty="0">
+                <a:hlinkClick r:id="rId4"/>
+              </a:rPr>
+              <a:t>See the results</a:t>
+            </a:r>
+            <a:r>
+              <a:rPr lang="en-US" dirty="0"/>
+              <a:t>.</a:t>
+            </a:r>
+          </a:p>
+          <a:p>
+            <a:pPr lvl="2"/>
+            <a:r>
+              <a:rPr lang="en-US" dirty="0"/>
+              <a:t>TODO: run in a cluster</a:t>
+            </a:r>
+          </a:p>
+          <a:p>
+            <a:pPr lvl="2"/>
+            <a:endParaRPr lang="en-US" dirty="0"/>
+          </a:p>
+          <a:p>
+            <a:pPr lvl="1"/>
+            <a:endParaRPr lang="ru-RU" dirty="0"/>
+          </a:p>
+        </p:txBody>
+      </p:sp>
+    </p:spTree>
+    <p:extLst>
+      <p:ext uri="{BB962C8B-B14F-4D97-AF65-F5344CB8AC3E}">
+        <p14:creationId xmlns:p14="http://schemas.microsoft.com/office/powerpoint/2010/main" val="1215230922"/>
+      </p:ext>
+    </p:extLst>
+  </p:cSld>
+  <p:clrMapOvr>
+    <a:masterClrMapping/>
+  </p:clrMapOvr>
+</p:sld>
+</file>
+
+<file path=ppt/slides/slide2.xml><?xml version="1.0" encoding="utf-8"?>
+<p:sld xmlns:a="http://schemas.openxmlformats.org/drawingml/2006/main" xmlns:r="http://schemas.openxmlformats.org/officeDocument/2006/relationships" xmlns:p="http://schemas.openxmlformats.org/presentationml/2006/main">
+  <p:cSld>
+    <p:spTree>
+      <p:nvGrpSpPr>
+        <p:cNvPr id="1" name="Shape 59"/>
+        <p:cNvGrpSpPr/>
+        <p:nvPr/>
+      </p:nvGrpSpPr>
+      <p:grpSpPr>
+        <a:xfrm>
+          <a:off x="0" y="0"/>
+          <a:ext cx="0" cy="0"/>
+          <a:chOff x="0" y="0"/>
+          <a:chExt cx="0" cy="0"/>
+        </a:xfrm>
+      </p:grpSpPr>
+      <p:sp>
+        <p:nvSpPr>
+          <p:cNvPr id="60" name="Google Shape;60;p14"/>
+          <p:cNvSpPr txBox="1">
+            <a:spLocks noGrp="1"/>
+          </p:cNvSpPr>
           <p:nvPr>
             <p:ph type="title"/>
           </p:nvPr>
@@ -6473,12 +6804,12 @@
           </a:prstGeom>
         </p:spPr>
         <p:txBody>
-          <a:bodyPr anchorCtr="0" anchor="t" bIns="91425" lIns="91425" spcFirstLastPara="1" rIns="91425" wrap="square" tIns="91425">
+          <a:bodyPr spcFirstLastPara="1" wrap="square" lIns="91425" tIns="91425" rIns="91425" bIns="91425" anchor="t" anchorCtr="0">
             <a:normAutofit fontScale="90000"/>
           </a:bodyPr>
           <a:lstStyle/>
           <a:p>
-            <a:pPr indent="0" lvl="0" marL="0" rtl="0" algn="l">
+            <a:pPr marL="0" lvl="0" indent="0" algn="l" rtl="0">
               <a:spcBef>
                 <a:spcPts val="0"/>
               </a:spcBef>
@@ -6489,7 +6820,7 @@
             </a:pPr>
             <a:r>
               <a:rPr lang="ru"/>
-              <a:t>TODO: Costs</a:t>
+              <a:t>Problem</a:t>
             </a:r>
             <a:endParaRPr/>
           </a:p>
@@ -6497,10 +6828,12 @@
       </p:sp>
       <p:sp>
         <p:nvSpPr>
-          <p:cNvPr id="111" name="Google Shape;111;p22"/>
-          <p:cNvSpPr txBox="1"/>
+          <p:cNvPr id="61" name="Google Shape;61;p14"/>
+          <p:cNvSpPr txBox="1">
+            <a:spLocks noGrp="1"/>
+          </p:cNvSpPr>
           <p:nvPr>
-            <p:ph idx="1" type="body"/>
+            <p:ph type="body" idx="1"/>
           </p:nvPr>
         </p:nvSpPr>
         <p:spPr>
@@ -6513,22 +6846,83 @@
           </a:prstGeom>
         </p:spPr>
         <p:txBody>
-          <a:bodyPr anchorCtr="0" anchor="t" bIns="91425" lIns="91425" spcFirstLastPara="1" rIns="91425" wrap="square" tIns="91425">
+          <a:bodyPr spcFirstLastPara="1" wrap="square" lIns="91425" tIns="91425" rIns="91425" bIns="91425" anchor="t" anchorCtr="0">
             <a:normAutofit/>
           </a:bodyPr>
           <a:lstStyle/>
           <a:p>
-            <a:pPr indent="0" lvl="0" marL="0" rtl="0" algn="l">
-              <a:spcBef>
-                <a:spcPts val="0"/>
-              </a:spcBef>
-              <a:spcAft>
-                <a:spcPts val="1200"/>
-              </a:spcAft>
-              <a:buNone/>
+            <a:pPr marL="457200" lvl="0" indent="-342900" algn="l" rtl="0">
+              <a:spcBef>
+                <a:spcPts val="0"/>
+              </a:spcBef>
+              <a:spcAft>
+                <a:spcPts val="0"/>
+              </a:spcAft>
+              <a:buSzPts val="1800"/>
+              <a:buChar char="●"/>
             </a:pPr>
             <a:r>
-              <a:t/>
+              <a:rPr lang="ru"/>
+              <a:t>No horizontal scalability: adding more etcd nodes does not improve latency</a:t>
+            </a:r>
+            <a:endParaRPr/>
+          </a:p>
+          <a:p>
+            <a:pPr marL="914400" lvl="1" indent="-317500" algn="l" rtl="0">
+              <a:spcBef>
+                <a:spcPts val="0"/>
+              </a:spcBef>
+              <a:spcAft>
+                <a:spcPts val="0"/>
+              </a:spcAft>
+              <a:buSzPts val="1400"/>
+              <a:buChar char="○"/>
+            </a:pPr>
+            <a:r>
+              <a:rPr lang="ru"/>
+              <a:t>Native etcd “freezes” when there are 15K+ pods in Kubernetes cluster</a:t>
+            </a:r>
+            <a:endParaRPr/>
+          </a:p>
+          <a:p>
+            <a:pPr marL="914400" lvl="1" indent="-317500" algn="l" rtl="0">
+              <a:spcBef>
+                <a:spcPts val="0"/>
+              </a:spcBef>
+              <a:spcAft>
+                <a:spcPts val="0"/>
+              </a:spcAft>
+              <a:buSzPts val="1400"/>
+              <a:buChar char="○"/>
+            </a:pPr>
+            <a:r>
+              <a:rPr lang="ru"/>
+              <a:t>Native etcd is highly available but not scalable</a:t>
+            </a:r>
+            <a:endParaRPr/>
+          </a:p>
+          <a:p>
+            <a:pPr marL="457200" lvl="0" indent="-342900" algn="l" rtl="0">
+              <a:spcBef>
+                <a:spcPts val="0"/>
+              </a:spcBef>
+              <a:spcAft>
+                <a:spcPts val="0"/>
+              </a:spcAft>
+              <a:buSzPts val="1800"/>
+              <a:buChar char="●"/>
+            </a:pPr>
+            <a:r>
+              <a:rPr lang="ru"/>
+              <a:t>Only </a:t>
+            </a:r>
+            <a:r>
+              <a:rPr lang="ru" b="1"/>
+              <a:t>expensive</a:t>
+            </a:r>
+            <a:r>
+              <a:rPr lang="ru"/>
+              <a:t> vertical scalability is possible</a:t>
             </a:r>
             <a:endParaRPr/>
           </a:p>
@@ -6542,12 +6936,12 @@
 </p:sld>
 </file>
 
-<file path=ppt/slides/slide2.xml><?xml version="1.0" encoding="utf-8"?>
-<p:sld xmlns:a="http://schemas.openxmlformats.org/drawingml/2006/main" xmlns:r="http://schemas.openxmlformats.org/officeDocument/2006/relationships" xmlns:mc="http://schemas.openxmlformats.org/markup-compatibility/2006" xmlns:mv="urn:schemas-microsoft-com:mac:vml" xmlns:p="http://schemas.openxmlformats.org/presentationml/2006/main" xmlns:c="http://schemas.openxmlformats.org/drawingml/2006/chart" xmlns:dgm="http://schemas.openxmlformats.org/drawingml/2006/diagram" xmlns:o="urn:schemas-microsoft-com:office:office" xmlns:v="urn:schemas-microsoft-com:vml" xmlns:pvml="urn:schemas-microsoft-com:office:powerpoint" xmlns:com="http://schemas.openxmlformats.org/drawingml/2006/compatibility" xmlns:p14="http://schemas.microsoft.com/office/powerpoint/2010/main" xmlns:p15="http://schemas.microsoft.com/office/powerpoint/2012/main" xmlns:ahyp="http://schemas.microsoft.com/office/drawing/2018/hyperlinkcolor">
+<file path=ppt/slides/slide3.xml><?xml version="1.0" encoding="utf-8"?>
+<p:sld xmlns:a="http://schemas.openxmlformats.org/drawingml/2006/main" xmlns:r="http://schemas.openxmlformats.org/officeDocument/2006/relationships" xmlns:p="http://schemas.openxmlformats.org/presentationml/2006/main">
   <p:cSld>
     <p:spTree>
       <p:nvGrpSpPr>
-        <p:cNvPr id="59" name="Shape 59"/>
+        <p:cNvPr id="1" name="Shape 65"/>
         <p:cNvGrpSpPr/>
         <p:nvPr/>
       </p:nvGrpSpPr>
@@ -6561,8 +6955,87 @@
       </p:grpSpPr>
       <p:sp>
         <p:nvSpPr>
-          <p:cNvPr id="60" name="Google Shape;60;p14"/>
-          <p:cNvSpPr txBox="1"/>
+          <p:cNvPr id="66" name="Google Shape;66;p15"/>
+          <p:cNvSpPr txBox="1">
+            <a:spLocks noGrp="1"/>
+          </p:cNvSpPr>
+          <p:nvPr>
+            <p:ph type="body" idx="1"/>
+          </p:nvPr>
+        </p:nvSpPr>
+        <p:spPr>
+          <a:xfrm>
+            <a:off x="311700" y="1152475"/>
+            <a:ext cx="8520600" cy="3416400"/>
+          </a:xfrm>
+          <a:prstGeom prst="rect">
+            <a:avLst/>
+          </a:prstGeom>
+        </p:spPr>
+        <p:txBody>
+          <a:bodyPr spcFirstLastPara="1" wrap="square" lIns="91425" tIns="91425" rIns="91425" bIns="91425" anchor="t" anchorCtr="0">
+            <a:normAutofit/>
+          </a:bodyPr>
+          <a:lstStyle/>
+          <a:p>
+            <a:pPr marL="457200" lvl="0" indent="-342900" algn="l" rtl="0">
+              <a:spcBef>
+                <a:spcPts val="0"/>
+              </a:spcBef>
+              <a:spcAft>
+                <a:spcPts val="0"/>
+              </a:spcAft>
+              <a:buSzPts val="1800"/>
+              <a:buChar char="●"/>
+            </a:pPr>
+            <a:r>
+              <a:rPr lang="ru"/>
+              <a:t>Apache Ignite is horizontally scalable distributed database</a:t>
+            </a:r>
+            <a:endParaRPr/>
+          </a:p>
+          <a:p>
+            <a:pPr marL="457200" lvl="0" indent="-342900" algn="l" rtl="0">
+              <a:spcBef>
+                <a:spcPts val="0"/>
+              </a:spcBef>
+              <a:spcAft>
+                <a:spcPts val="0"/>
+              </a:spcAft>
+              <a:buSzPts val="1800"/>
+              <a:buChar char="●"/>
+            </a:pPr>
+            <a:r>
+              <a:rPr lang="ru"/>
+              <a:t>Ignite-Etcd: shim layer converting Etcd API to Ignite API</a:t>
+            </a:r>
+            <a:endParaRPr/>
+          </a:p>
+          <a:p>
+            <a:pPr marL="457200" lvl="0" indent="-342900" algn="l" rtl="0">
+              <a:spcBef>
+                <a:spcPts val="0"/>
+              </a:spcBef>
+              <a:spcAft>
+                <a:spcPts val="0"/>
+              </a:spcAft>
+              <a:buSzPts val="1800"/>
+              <a:buChar char="●"/>
+            </a:pPr>
+            <a:r>
+              <a:rPr lang="ru"/>
+              <a:t>Horizontal scaling solves the problem</a:t>
+            </a:r>
+            <a:endParaRPr/>
+          </a:p>
+        </p:txBody>
+      </p:sp>
+      <p:sp>
+        <p:nvSpPr>
+          <p:cNvPr id="67" name="Google Shape;67;p15"/>
+          <p:cNvSpPr txBox="1">
+            <a:spLocks noGrp="1"/>
+          </p:cNvSpPr>
           <p:nvPr>
             <p:ph type="title"/>
           </p:nvPr>
@@ -6577,12 +7050,12 @@
           </a:prstGeom>
         </p:spPr>
         <p:txBody>
-          <a:bodyPr anchorCtr="0" anchor="t" bIns="91425" lIns="91425" spcFirstLastPara="1" rIns="91425" wrap="square" tIns="91425">
+          <a:bodyPr spcFirstLastPara="1" wrap="square" lIns="91425" tIns="91425" rIns="91425" bIns="91425" anchor="t" anchorCtr="0">
             <a:normAutofit fontScale="90000"/>
           </a:bodyPr>
           <a:lstStyle/>
           <a:p>
-            <a:pPr indent="0" lvl="0" marL="0" rtl="0" algn="l">
+            <a:pPr marL="0" lvl="0" indent="0" algn="l" rtl="0">
               <a:spcBef>
                 <a:spcPts val="0"/>
               </a:spcBef>
@@ -6593,107 +7066,7 @@
             </a:pPr>
             <a:r>
               <a:rPr lang="ru"/>
-              <a:t>Problem</a:t>
-            </a:r>
-            <a:endParaRPr/>
-          </a:p>
-        </p:txBody>
-      </p:sp>
-      <p:sp>
-        <p:nvSpPr>
-          <p:cNvPr id="61" name="Google Shape;61;p14"/>
-          <p:cNvSpPr txBox="1"/>
-          <p:nvPr>
-            <p:ph idx="1" type="body"/>
-          </p:nvPr>
-        </p:nvSpPr>
-        <p:spPr>
-          <a:xfrm>
-            <a:off x="311700" y="1152475"/>
-            <a:ext cx="8520600" cy="3416400"/>
-          </a:xfrm>
-          <a:prstGeom prst="rect">
-            <a:avLst/>
-          </a:prstGeom>
-        </p:spPr>
-        <p:txBody>
-          <a:bodyPr anchorCtr="0" anchor="t" bIns="91425" lIns="91425" spcFirstLastPara="1" rIns="91425" wrap="square" tIns="91425">
-            <a:normAutofit/>
-          </a:bodyPr>
-          <a:lstStyle/>
-          <a:p>
-            <a:pPr indent="-342900" lvl="0" marL="457200" rtl="0" algn="l">
-              <a:spcBef>
-                <a:spcPts val="0"/>
-              </a:spcBef>
-              <a:spcAft>
-                <a:spcPts val="0"/>
-              </a:spcAft>
-              <a:buSzPts val="1800"/>
-              <a:buChar char="●"/>
-            </a:pPr>
-            <a:r>
-              <a:rPr lang="ru"/>
-              <a:t>No horizontal scalability: adding more etcd nodes does not improve latency</a:t>
-            </a:r>
-            <a:endParaRPr/>
-          </a:p>
-          <a:p>
-            <a:pPr indent="-317500" lvl="1" marL="914400" rtl="0" algn="l">
-              <a:spcBef>
-                <a:spcPts val="0"/>
-              </a:spcBef>
-              <a:spcAft>
-                <a:spcPts val="0"/>
-              </a:spcAft>
-              <a:buSzPts val="1400"/>
-              <a:buChar char="○"/>
-            </a:pPr>
-            <a:r>
-              <a:rPr lang="ru"/>
-              <a:t>Native etcd “freezes” when there are 15K+ pods in Kubernetes cluster</a:t>
-            </a:r>
-            <a:endParaRPr/>
-          </a:p>
-          <a:p>
-            <a:pPr indent="-317500" lvl="1" marL="914400" rtl="0" algn="l">
-              <a:spcBef>
-                <a:spcPts val="0"/>
-              </a:spcBef>
-              <a:spcAft>
-                <a:spcPts val="0"/>
-              </a:spcAft>
-              <a:buSzPts val="1400"/>
-              <a:buChar char="○"/>
-            </a:pPr>
-            <a:r>
-              <a:rPr lang="ru"/>
-              <a:t>Native etcd is highly available but not scalable</a:t>
-            </a:r>
-            <a:endParaRPr/>
-          </a:p>
-          <a:p>
-            <a:pPr indent="-342900" lvl="0" marL="457200" rtl="0" algn="l">
-              <a:spcBef>
-                <a:spcPts val="0"/>
-              </a:spcBef>
-              <a:spcAft>
-                <a:spcPts val="0"/>
-              </a:spcAft>
-              <a:buSzPts val="1800"/>
-              <a:buChar char="●"/>
-            </a:pPr>
-            <a:r>
-              <a:rPr lang="ru"/>
-              <a:t>Only </a:t>
-            </a:r>
-            <a:r>
-              <a:rPr b="1" lang="ru"/>
-              <a:t>expensive</a:t>
-            </a:r>
-            <a:r>
-              <a:rPr lang="ru"/>
-              <a:t> vertical scalability is possible</a:t>
+              <a:t>Solution</a:t>
             </a:r>
             <a:endParaRPr/>
           </a:p>
@@ -6707,12 +7080,12 @@
 </p:sld>
 </file>
 
-<file path=ppt/slides/slide3.xml><?xml version="1.0" encoding="utf-8"?>
-<p:sld xmlns:a="http://schemas.openxmlformats.org/drawingml/2006/main" xmlns:r="http://schemas.openxmlformats.org/officeDocument/2006/relationships" xmlns:mc="http://schemas.openxmlformats.org/markup-compatibility/2006" xmlns:mv="urn:schemas-microsoft-com:mac:vml" xmlns:p="http://schemas.openxmlformats.org/presentationml/2006/main" xmlns:c="http://schemas.openxmlformats.org/drawingml/2006/chart" xmlns:dgm="http://schemas.openxmlformats.org/drawingml/2006/diagram" xmlns:o="urn:schemas-microsoft-com:office:office" xmlns:v="urn:schemas-microsoft-com:vml" xmlns:pvml="urn:schemas-microsoft-com:office:powerpoint" xmlns:com="http://schemas.openxmlformats.org/drawingml/2006/compatibility" xmlns:p14="http://schemas.microsoft.com/office/powerpoint/2010/main" xmlns:p15="http://schemas.microsoft.com/office/powerpoint/2012/main" xmlns:ahyp="http://schemas.microsoft.com/office/drawing/2018/hyperlinkcolor">
+<file path=ppt/slides/slide4.xml><?xml version="1.0" encoding="utf-8"?>
+<p:sld xmlns:a="http://schemas.openxmlformats.org/drawingml/2006/main" xmlns:r="http://schemas.openxmlformats.org/officeDocument/2006/relationships" xmlns:p="http://schemas.openxmlformats.org/presentationml/2006/main">
   <p:cSld>
     <p:spTree>
       <p:nvGrpSpPr>
-        <p:cNvPr id="65" name="Shape 65"/>
+        <p:cNvPr id="1" name="Shape 71"/>
         <p:cNvGrpSpPr/>
         <p:nvPr/>
       </p:nvGrpSpPr>
@@ -6726,83 +7099,10 @@
       </p:grpSpPr>
       <p:sp>
         <p:nvSpPr>
-          <p:cNvPr id="66" name="Google Shape;66;p15"/>
-          <p:cNvSpPr txBox="1"/>
-          <p:nvPr>
-            <p:ph idx="1" type="body"/>
-          </p:nvPr>
-        </p:nvSpPr>
-        <p:spPr>
-          <a:xfrm>
-            <a:off x="311700" y="1152475"/>
-            <a:ext cx="8520600" cy="3416400"/>
-          </a:xfrm>
-          <a:prstGeom prst="rect">
-            <a:avLst/>
-          </a:prstGeom>
-        </p:spPr>
-        <p:txBody>
-          <a:bodyPr anchorCtr="0" anchor="t" bIns="91425" lIns="91425" spcFirstLastPara="1" rIns="91425" wrap="square" tIns="91425">
-            <a:normAutofit/>
-          </a:bodyPr>
-          <a:lstStyle/>
-          <a:p>
-            <a:pPr indent="-342900" lvl="0" marL="457200" rtl="0" algn="l">
-              <a:spcBef>
-                <a:spcPts val="0"/>
-              </a:spcBef>
-              <a:spcAft>
-                <a:spcPts val="0"/>
-              </a:spcAft>
-              <a:buSzPts val="1800"/>
-              <a:buChar char="●"/>
-            </a:pPr>
-            <a:r>
-              <a:rPr lang="ru"/>
-              <a:t>Apache Ignite is horizontally scalable distributed database</a:t>
-            </a:r>
-            <a:endParaRPr/>
-          </a:p>
-          <a:p>
-            <a:pPr indent="-342900" lvl="0" marL="457200" rtl="0" algn="l">
-              <a:spcBef>
-                <a:spcPts val="0"/>
-              </a:spcBef>
-              <a:spcAft>
-                <a:spcPts val="0"/>
-              </a:spcAft>
-              <a:buSzPts val="1800"/>
-              <a:buChar char="●"/>
-            </a:pPr>
-            <a:r>
-              <a:rPr lang="ru"/>
-              <a:t>Ignite-Etcd: shim layer converting Etcd API to Ignite API</a:t>
-            </a:r>
-            <a:endParaRPr/>
-          </a:p>
-          <a:p>
-            <a:pPr indent="-342900" lvl="0" marL="457200" rtl="0" algn="l">
-              <a:spcBef>
-                <a:spcPts val="0"/>
-              </a:spcBef>
-              <a:spcAft>
-                <a:spcPts val="0"/>
-              </a:spcAft>
-              <a:buSzPts val="1800"/>
-              <a:buChar char="●"/>
-            </a:pPr>
-            <a:r>
-              <a:rPr lang="ru"/>
-              <a:t>Horizontal scaling solves the problem</a:t>
-            </a:r>
-            <a:endParaRPr/>
-          </a:p>
-        </p:txBody>
-      </p:sp>
-      <p:sp>
-        <p:nvSpPr>
-          <p:cNvPr id="67" name="Google Shape;67;p15"/>
-          <p:cNvSpPr txBox="1"/>
+          <p:cNvPr id="72" name="Google Shape;72;p16"/>
+          <p:cNvSpPr txBox="1">
+            <a:spLocks noGrp="1"/>
+          </p:cNvSpPr>
           <p:nvPr>
             <p:ph type="title"/>
           </p:nvPr>
@@ -6817,77 +7117,12 @@
           </a:prstGeom>
         </p:spPr>
         <p:txBody>
-          <a:bodyPr anchorCtr="0" anchor="t" bIns="91425" lIns="91425" spcFirstLastPara="1" rIns="91425" wrap="square" tIns="91425">
+          <a:bodyPr spcFirstLastPara="1" wrap="square" lIns="91425" tIns="91425" rIns="91425" bIns="91425" anchor="t" anchorCtr="0">
             <a:normAutofit fontScale="90000"/>
           </a:bodyPr>
           <a:lstStyle/>
           <a:p>
-            <a:pPr indent="0" lvl="0" marL="0" rtl="0" algn="l">
-              <a:spcBef>
-                <a:spcPts val="0"/>
-              </a:spcBef>
-              <a:spcAft>
-                <a:spcPts val="0"/>
-              </a:spcAft>
-              <a:buNone/>
-            </a:pPr>
-            <a:r>
-              <a:rPr lang="ru"/>
-              <a:t>Solution</a:t>
-            </a:r>
-            <a:endParaRPr/>
-          </a:p>
-        </p:txBody>
-      </p:sp>
-    </p:spTree>
-  </p:cSld>
-  <p:clrMapOvr>
-    <a:masterClrMapping/>
-  </p:clrMapOvr>
-</p:sld>
-</file>
-
-<file path=ppt/slides/slide4.xml><?xml version="1.0" encoding="utf-8"?>
-<p:sld xmlns:a="http://schemas.openxmlformats.org/drawingml/2006/main" xmlns:r="http://schemas.openxmlformats.org/officeDocument/2006/relationships" xmlns:mc="http://schemas.openxmlformats.org/markup-compatibility/2006" xmlns:mv="urn:schemas-microsoft-com:mac:vml" xmlns:p="http://schemas.openxmlformats.org/presentationml/2006/main" xmlns:c="http://schemas.openxmlformats.org/drawingml/2006/chart" xmlns:dgm="http://schemas.openxmlformats.org/drawingml/2006/diagram" xmlns:o="urn:schemas-microsoft-com:office:office" xmlns:v="urn:schemas-microsoft-com:vml" xmlns:pvml="urn:schemas-microsoft-com:office:powerpoint" xmlns:com="http://schemas.openxmlformats.org/drawingml/2006/compatibility" xmlns:p14="http://schemas.microsoft.com/office/powerpoint/2010/main" xmlns:p15="http://schemas.microsoft.com/office/powerpoint/2012/main" xmlns:ahyp="http://schemas.microsoft.com/office/drawing/2018/hyperlinkcolor">
-  <p:cSld>
-    <p:spTree>
-      <p:nvGrpSpPr>
-        <p:cNvPr id="71" name="Shape 71"/>
-        <p:cNvGrpSpPr/>
-        <p:nvPr/>
-      </p:nvGrpSpPr>
-      <p:grpSpPr>
-        <a:xfrm>
-          <a:off x="0" y="0"/>
-          <a:ext cx="0" cy="0"/>
-          <a:chOff x="0" y="0"/>
-          <a:chExt cx="0" cy="0"/>
-        </a:xfrm>
-      </p:grpSpPr>
-      <p:sp>
-        <p:nvSpPr>
-          <p:cNvPr id="72" name="Google Shape;72;p16"/>
-          <p:cNvSpPr txBox="1"/>
-          <p:nvPr>
-            <p:ph type="title"/>
-          </p:nvPr>
-        </p:nvSpPr>
-        <p:spPr>
-          <a:xfrm>
-            <a:off x="311700" y="445025"/>
-            <a:ext cx="8520600" cy="572700"/>
-          </a:xfrm>
-          <a:prstGeom prst="rect">
-            <a:avLst/>
-          </a:prstGeom>
-        </p:spPr>
-        <p:txBody>
-          <a:bodyPr anchorCtr="0" anchor="t" bIns="91425" lIns="91425" spcFirstLastPara="1" rIns="91425" wrap="square" tIns="91425">
-            <a:normAutofit fontScale="90000"/>
-          </a:bodyPr>
-          <a:lstStyle/>
-          <a:p>
-            <a:pPr indent="0" lvl="0" marL="0" rtl="0" algn="l">
+            <a:pPr marL="0" lvl="0" indent="0" algn="l" rtl="0">
               <a:spcBef>
                 <a:spcPts val="0"/>
               </a:spcBef>
@@ -6907,9 +7142,11 @@
       <p:sp>
         <p:nvSpPr>
           <p:cNvPr id="73" name="Google Shape;73;p16"/>
-          <p:cNvSpPr txBox="1"/>
+          <p:cNvSpPr txBox="1">
+            <a:spLocks noGrp="1"/>
+          </p:cNvSpPr>
           <p:nvPr>
-            <p:ph idx="1" type="body"/>
+            <p:ph type="body" idx="1"/>
           </p:nvPr>
         </p:nvSpPr>
         <p:spPr>
@@ -6922,12 +7159,12 @@
           </a:prstGeom>
         </p:spPr>
         <p:txBody>
-          <a:bodyPr anchorCtr="0" anchor="t" bIns="91425" lIns="91425" spcFirstLastPara="1" rIns="91425" wrap="square" tIns="91425">
+          <a:bodyPr spcFirstLastPara="1" wrap="square" lIns="91425" tIns="91425" rIns="91425" bIns="91425" anchor="t" anchorCtr="0">
             <a:normAutofit/>
           </a:bodyPr>
           <a:lstStyle/>
           <a:p>
-            <a:pPr indent="0" lvl="0" marL="0" rtl="0" algn="l">
+            <a:pPr marL="0" lvl="0" indent="0" algn="l" rtl="0">
               <a:spcBef>
                 <a:spcPts val="0"/>
               </a:spcBef>
@@ -6943,7 +7180,7 @@
             <a:endParaRPr/>
           </a:p>
           <a:p>
-            <a:pPr indent="-317500" lvl="0" marL="457200" rtl="0" algn="l">
+            <a:pPr marL="457200" lvl="0" indent="-317500" algn="l" rtl="0">
               <a:spcBef>
                 <a:spcPts val="1200"/>
               </a:spcBef>
@@ -6960,7 +7197,7 @@
             <a:endParaRPr sz="1400"/>
           </a:p>
           <a:p>
-            <a:pPr indent="-317500" lvl="0" marL="457200" rtl="0" algn="l">
+            <a:pPr marL="457200" lvl="0" indent="-317500" algn="l" rtl="0">
               <a:spcBef>
                 <a:spcPts val="0"/>
               </a:spcBef>
@@ -6977,7 +7214,7 @@
             <a:endParaRPr sz="1400"/>
           </a:p>
           <a:p>
-            <a:pPr indent="-317500" lvl="0" marL="457200" rtl="0" algn="l">
+            <a:pPr marL="457200" lvl="0" indent="-317500" algn="l" rtl="0">
               <a:spcBef>
                 <a:spcPts val="0"/>
               </a:spcBef>
@@ -6994,7 +7231,7 @@
             <a:endParaRPr sz="1400"/>
           </a:p>
           <a:p>
-            <a:pPr indent="-317500" lvl="0" marL="457200" rtl="0" algn="l">
+            <a:pPr marL="457200" lvl="0" indent="-317500" algn="l" rtl="0">
               <a:spcBef>
                 <a:spcPts val="0"/>
               </a:spcBef>
@@ -7049,11 +7286,11 @@
 </file>
 
 <file path=ppt/slides/slide5.xml><?xml version="1.0" encoding="utf-8"?>
-<p:sld xmlns:a="http://schemas.openxmlformats.org/drawingml/2006/main" xmlns:r="http://schemas.openxmlformats.org/officeDocument/2006/relationships" xmlns:mc="http://schemas.openxmlformats.org/markup-compatibility/2006" xmlns:mv="urn:schemas-microsoft-com:mac:vml" xmlns:p="http://schemas.openxmlformats.org/presentationml/2006/main" xmlns:c="http://schemas.openxmlformats.org/drawingml/2006/chart" xmlns:dgm="http://schemas.openxmlformats.org/drawingml/2006/diagram" xmlns:o="urn:schemas-microsoft-com:office:office" xmlns:v="urn:schemas-microsoft-com:vml" xmlns:pvml="urn:schemas-microsoft-com:office:powerpoint" xmlns:com="http://schemas.openxmlformats.org/drawingml/2006/compatibility" xmlns:p14="http://schemas.microsoft.com/office/powerpoint/2010/main" xmlns:p15="http://schemas.microsoft.com/office/powerpoint/2012/main" xmlns:ahyp="http://schemas.microsoft.com/office/drawing/2018/hyperlinkcolor">
+<p:sld xmlns:a="http://schemas.openxmlformats.org/drawingml/2006/main" xmlns:r="http://schemas.openxmlformats.org/officeDocument/2006/relationships" xmlns:p="http://schemas.openxmlformats.org/presentationml/2006/main">
   <p:cSld>
     <p:spTree>
       <p:nvGrpSpPr>
-        <p:cNvPr id="78" name="Shape 78"/>
+        <p:cNvPr id="1" name="Shape 78"/>
         <p:cNvGrpSpPr/>
         <p:nvPr/>
       </p:nvGrpSpPr>
@@ -7068,7 +7305,9 @@
       <p:sp>
         <p:nvSpPr>
           <p:cNvPr id="79" name="Google Shape;79;p17"/>
-          <p:cNvSpPr txBox="1"/>
+          <p:cNvSpPr txBox="1">
+            <a:spLocks noGrp="1"/>
+          </p:cNvSpPr>
           <p:nvPr>
             <p:ph type="title"/>
           </p:nvPr>
@@ -7083,12 +7322,12 @@
           </a:prstGeom>
         </p:spPr>
         <p:txBody>
-          <a:bodyPr anchorCtr="0" anchor="t" bIns="91425" lIns="91425" spcFirstLastPara="1" rIns="91425" wrap="square" tIns="91425">
+          <a:bodyPr spcFirstLastPara="1" wrap="square" lIns="91425" tIns="91425" rIns="91425" bIns="91425" anchor="t" anchorCtr="0">
             <a:normAutofit fontScale="90000"/>
           </a:bodyPr>
           <a:lstStyle/>
           <a:p>
-            <a:pPr indent="0" lvl="0" marL="0" rtl="0" algn="l">
+            <a:pPr marL="0" lvl="0" indent="0" algn="l" rtl="0">
               <a:spcBef>
                 <a:spcPts val="0"/>
               </a:spcBef>
@@ -7108,9 +7347,11 @@
       <p:sp>
         <p:nvSpPr>
           <p:cNvPr id="80" name="Google Shape;80;p17"/>
-          <p:cNvSpPr txBox="1"/>
+          <p:cNvSpPr txBox="1">
+            <a:spLocks noGrp="1"/>
+          </p:cNvSpPr>
           <p:nvPr>
-            <p:ph idx="1" type="body"/>
+            <p:ph type="body" idx="1"/>
           </p:nvPr>
         </p:nvSpPr>
         <p:spPr>
@@ -7123,12 +7364,12 @@
           </a:prstGeom>
         </p:spPr>
         <p:txBody>
-          <a:bodyPr anchorCtr="0" anchor="t" bIns="91425" lIns="91425" spcFirstLastPara="1" rIns="91425" wrap="square" tIns="91425">
+          <a:bodyPr spcFirstLastPara="1" wrap="square" lIns="91425" tIns="91425" rIns="91425" bIns="91425" anchor="t" anchorCtr="0">
             <a:normAutofit/>
           </a:bodyPr>
           <a:lstStyle/>
           <a:p>
-            <a:pPr indent="-342900" lvl="0" marL="457200" rtl="0" algn="l">
+            <a:pPr marL="457200" lvl="0" indent="-342900" algn="l" rtl="0">
               <a:spcBef>
                 <a:spcPts val="0"/>
               </a:spcBef>
@@ -7139,7 +7380,7 @@
               <a:buChar char="●"/>
             </a:pPr>
             <a:r>
-              <a:rPr lang="ru" u="sng">
+              <a:rPr lang="ru" u="sng" dirty="0">
                 <a:solidFill>
                   <a:schemeClr val="hlink"/>
                 </a:solidFill>
@@ -7148,13 +7389,13 @@
               <a:t>Etcd contract</a:t>
             </a:r>
             <a:r>
-              <a:rPr lang="ru"/>
-              <a:t> fully implemented</a:t>
-            </a:r>
-            <a:endParaRPr/>
-          </a:p>
-          <a:p>
-            <a:pPr indent="-317500" lvl="1" marL="914400" rtl="0" algn="l">
+              <a:rPr lang="ru" dirty="0"/>
+              <a:t> implemented</a:t>
+            </a:r>
+            <a:endParaRPr dirty="0"/>
+          </a:p>
+          <a:p>
+            <a:pPr marL="914400" lvl="1" indent="-317500" algn="l" rtl="0">
               <a:spcBef>
                 <a:spcPts val="0"/>
               </a:spcBef>
@@ -7165,13 +7406,13 @@
               <a:buChar char="○"/>
             </a:pPr>
             <a:r>
-              <a:rPr lang="ru"/>
+              <a:rPr lang="ru" dirty="0"/>
               <a:t>KV (range, put, delete, transaction)</a:t>
             </a:r>
-            <a:endParaRPr/>
-          </a:p>
-          <a:p>
-            <a:pPr indent="-317500" lvl="1" marL="914400" rtl="0" algn="l">
+            <a:endParaRPr dirty="0"/>
+          </a:p>
+          <a:p>
+            <a:pPr marL="914400" lvl="1" indent="-317500" algn="l" rtl="0">
               <a:spcBef>
                 <a:spcPts val="0"/>
               </a:spcBef>
@@ -7182,13 +7423,13 @@
               <a:buChar char="○"/>
             </a:pPr>
             <a:r>
-              <a:rPr lang="ru"/>
+              <a:rPr lang="ru" dirty="0"/>
               <a:t>Watch</a:t>
             </a:r>
-            <a:endParaRPr/>
-          </a:p>
-          <a:p>
-            <a:pPr indent="-317500" lvl="1" marL="914400" rtl="0" algn="l">
+            <a:endParaRPr dirty="0"/>
+          </a:p>
+          <a:p>
+            <a:pPr marL="914400" lvl="1" indent="-317500" algn="l" rtl="0">
               <a:spcBef>
                 <a:spcPts val="0"/>
               </a:spcBef>
@@ -7199,13 +7440,13 @@
               <a:buChar char="○"/>
             </a:pPr>
             <a:r>
-              <a:rPr lang="ru"/>
+              <a:rPr lang="ru" dirty="0"/>
               <a:t>Lease (grant, revoke, keep alive)</a:t>
             </a:r>
-            <a:endParaRPr/>
-          </a:p>
-          <a:p>
-            <a:pPr indent="-317500" lvl="1" marL="914400" rtl="0" algn="l">
+            <a:endParaRPr dirty="0"/>
+          </a:p>
+          <a:p>
+            <a:pPr marL="914400" lvl="1" indent="-317500" algn="l" rtl="0">
               <a:spcBef>
                 <a:spcPts val="0"/>
               </a:spcBef>
@@ -7216,38 +7457,23 @@
               <a:buChar char="○"/>
             </a:pPr>
             <a:r>
-              <a:rPr lang="ru"/>
-              <a:t>Cluster (list, add, remove nodes)</a:t>
-            </a:r>
-            <a:endParaRPr/>
-          </a:p>
-          <a:p>
-            <a:pPr indent="-317500" lvl="1" marL="914400" rtl="0" algn="l">
-              <a:spcBef>
-                <a:spcPts val="0"/>
-              </a:spcBef>
-              <a:spcAft>
-                <a:spcPts val="0"/>
-              </a:spcAft>
+              <a:rPr lang="ru" dirty="0"/>
+              <a:t>Health (check)</a:t>
+            </a:r>
+            <a:endParaRPr lang="en-US" dirty="0"/>
+          </a:p>
+          <a:p>
+            <a:pPr indent="-317500">
               <a:buSzPts val="1400"/>
               <a:buChar char="○"/>
             </a:pPr>
             <a:r>
-              <a:rPr lang="ru"/>
-              <a:t>Authentication (</a:t>
-            </a:r>
-            <a:r>
-              <a:rPr lang="ru"/>
-              <a:t>list, </a:t>
-            </a:r>
-            <a:r>
-              <a:rPr lang="ru"/>
-              <a:t>add, remove users)</a:t>
-            </a:r>
-            <a:endParaRPr/>
-          </a:p>
-          <a:p>
-            <a:pPr indent="-317500" lvl="1" marL="914400" rtl="0" algn="l">
+              <a:rPr lang="en-US" dirty="0"/>
+              <a:t>TODO</a:t>
+            </a:r>
+          </a:p>
+          <a:p>
+            <a:pPr marL="914400" lvl="1" indent="-317500" algn="l" rtl="0">
               <a:spcBef>
                 <a:spcPts val="0"/>
               </a:spcBef>
@@ -7258,13 +7484,12 @@
               <a:buChar char="○"/>
             </a:pPr>
             <a:r>
-              <a:rPr lang="ru"/>
-              <a:t>Maintenance (status, snapshots)</a:t>
-            </a:r>
-            <a:endParaRPr/>
-          </a:p>
-          <a:p>
-            <a:pPr indent="-317500" lvl="1" marL="914400" rtl="0" algn="l">
+              <a:rPr lang="en-US" dirty="0"/>
+              <a:t>Cluster (list, add, remove nodes)</a:t>
+            </a:r>
+          </a:p>
+          <a:p>
+            <a:pPr marL="914400" lvl="1" indent="-317500" algn="l" rtl="0">
               <a:spcBef>
                 <a:spcPts val="0"/>
               </a:spcBef>
@@ -7275,13 +7500,29 @@
               <a:buChar char="○"/>
             </a:pPr>
             <a:r>
-              <a:rPr lang="ru"/>
-              <a:t>Health (check)</a:t>
-            </a:r>
-            <a:endParaRPr/>
-          </a:p>
-          <a:p>
-            <a:pPr indent="-342900" lvl="0" marL="457200" rtl="0" algn="l">
+              <a:rPr lang="en-US" dirty="0"/>
+              <a:t>Authentication (list, add, remove users)</a:t>
+            </a:r>
+          </a:p>
+          <a:p>
+            <a:pPr marL="914400" lvl="1" indent="-317500" algn="l" rtl="0">
+              <a:spcBef>
+                <a:spcPts val="0"/>
+              </a:spcBef>
+              <a:spcAft>
+                <a:spcPts val="0"/>
+              </a:spcAft>
+              <a:buSzPts val="1400"/>
+              <a:buChar char="○"/>
+            </a:pPr>
+            <a:r>
+              <a:rPr lang="en-US" dirty="0"/>
+              <a:t>Maintenance (status, snapshots)</a:t>
+            </a:r>
+            <a:endParaRPr dirty="0"/>
+          </a:p>
+          <a:p>
+            <a:pPr marL="457200" lvl="0" indent="-342900" algn="l" rtl="0">
               <a:spcBef>
                 <a:spcPts val="0"/>
               </a:spcBef>
@@ -7292,11 +7533,11 @@
               <a:buChar char="●"/>
             </a:pPr>
             <a:r>
-              <a:rPr lang="ru"/>
+              <a:rPr lang="ru" dirty="0"/>
               <a:t>All Kubernetes integration tests PASS (</a:t>
             </a:r>
             <a:r>
-              <a:rPr lang="ru" u="sng">
+              <a:rPr lang="ru" u="sng" dirty="0">
                 <a:solidFill>
                   <a:schemeClr val="hlink"/>
                 </a:solidFill>
@@ -7305,13 +7546,13 @@
               <a:t>see the report</a:t>
             </a:r>
             <a:r>
-              <a:rPr lang="ru"/>
+              <a:rPr lang="ru" dirty="0"/>
               <a:t>)</a:t>
             </a:r>
-            <a:endParaRPr/>
-          </a:p>
-          <a:p>
-            <a:pPr indent="0" lvl="0" marL="0" rtl="0" algn="l">
+            <a:endParaRPr dirty="0"/>
+          </a:p>
+          <a:p>
+            <a:pPr marL="0" lvl="0" indent="0" algn="l" rtl="0">
               <a:spcBef>
                 <a:spcPts val="1200"/>
               </a:spcBef>
@@ -7320,10 +7561,7 @@
               </a:spcAft>
               <a:buNone/>
             </a:pPr>
-            <a:r>
-              <a:t/>
-            </a:r>
-            <a:endParaRPr/>
+            <a:endParaRPr dirty="0"/>
           </a:p>
         </p:txBody>
       </p:sp>
@@ -7336,11 +7574,11 @@
 </file>
 
 <file path=ppt/slides/slide6.xml><?xml version="1.0" encoding="utf-8"?>
-<p:sld xmlns:a="http://schemas.openxmlformats.org/drawingml/2006/main" xmlns:r="http://schemas.openxmlformats.org/officeDocument/2006/relationships" xmlns:mc="http://schemas.openxmlformats.org/markup-compatibility/2006" xmlns:mv="urn:schemas-microsoft-com:mac:vml" xmlns:p="http://schemas.openxmlformats.org/presentationml/2006/main" xmlns:c="http://schemas.openxmlformats.org/drawingml/2006/chart" xmlns:dgm="http://schemas.openxmlformats.org/drawingml/2006/diagram" xmlns:o="urn:schemas-microsoft-com:office:office" xmlns:v="urn:schemas-microsoft-com:vml" xmlns:pvml="urn:schemas-microsoft-com:office:powerpoint" xmlns:com="http://schemas.openxmlformats.org/drawingml/2006/compatibility" xmlns:p14="http://schemas.microsoft.com/office/powerpoint/2010/main" xmlns:p15="http://schemas.microsoft.com/office/powerpoint/2012/main" xmlns:ahyp="http://schemas.microsoft.com/office/drawing/2018/hyperlinkcolor">
+<p:sld xmlns:a="http://schemas.openxmlformats.org/drawingml/2006/main" xmlns:r="http://schemas.openxmlformats.org/officeDocument/2006/relationships" xmlns:p="http://schemas.openxmlformats.org/presentationml/2006/main">
   <p:cSld>
     <p:spTree>
       <p:nvGrpSpPr>
-        <p:cNvPr id="84" name="Shape 84"/>
+        <p:cNvPr id="1" name="Shape 84"/>
         <p:cNvGrpSpPr/>
         <p:nvPr/>
       </p:nvGrpSpPr>
@@ -7355,7 +7593,9 @@
       <p:sp>
         <p:nvSpPr>
           <p:cNvPr id="85" name="Google Shape;85;p18"/>
-          <p:cNvSpPr txBox="1"/>
+          <p:cNvSpPr txBox="1">
+            <a:spLocks noGrp="1"/>
+          </p:cNvSpPr>
           <p:nvPr>
             <p:ph type="title"/>
           </p:nvPr>
@@ -7370,12 +7610,12 @@
           </a:prstGeom>
         </p:spPr>
         <p:txBody>
-          <a:bodyPr anchorCtr="0" anchor="t" bIns="91425" lIns="91425" spcFirstLastPara="1" rIns="91425" wrap="square" tIns="91425">
+          <a:bodyPr spcFirstLastPara="1" wrap="square" lIns="91425" tIns="91425" rIns="91425" bIns="91425" anchor="t" anchorCtr="0">
             <a:normAutofit fontScale="90000"/>
           </a:bodyPr>
           <a:lstStyle/>
           <a:p>
-            <a:pPr indent="0" lvl="0" marL="0" rtl="0" algn="l">
+            <a:pPr marL="0" lvl="0" indent="0" algn="l" rtl="0">
               <a:spcBef>
                 <a:spcPts val="0"/>
               </a:spcBef>
@@ -7395,9 +7635,11 @@
       <p:sp>
         <p:nvSpPr>
           <p:cNvPr id="86" name="Google Shape;86;p18"/>
-          <p:cNvSpPr txBox="1"/>
+          <p:cNvSpPr txBox="1">
+            <a:spLocks noGrp="1"/>
+          </p:cNvSpPr>
           <p:nvPr>
-            <p:ph idx="1" type="body"/>
+            <p:ph type="body" idx="1"/>
           </p:nvPr>
         </p:nvSpPr>
         <p:spPr>
@@ -7410,12 +7652,12 @@
           </a:prstGeom>
         </p:spPr>
         <p:txBody>
-          <a:bodyPr anchorCtr="0" anchor="t" bIns="91425" lIns="91425" spcFirstLastPara="1" rIns="91425" wrap="square" tIns="91425">
+          <a:bodyPr spcFirstLastPara="1" wrap="square" lIns="91425" tIns="91425" rIns="91425" bIns="91425" anchor="t" anchorCtr="0">
             <a:normAutofit/>
           </a:bodyPr>
           <a:lstStyle/>
           <a:p>
-            <a:pPr indent="-342900" lvl="0" marL="457200" rtl="0" algn="l">
+            <a:pPr marL="457200" lvl="0" indent="-342900" algn="l" rtl="0">
               <a:spcBef>
                 <a:spcPts val="0"/>
               </a:spcBef>
@@ -7432,7 +7674,7 @@
             <a:endParaRPr/>
           </a:p>
           <a:p>
-            <a:pPr indent="-317500" lvl="1" marL="914400" rtl="0" algn="l">
+            <a:pPr marL="914400" lvl="1" indent="-317500" algn="l" rtl="0">
               <a:spcBef>
                 <a:spcPts val="0"/>
               </a:spcBef>
@@ -7444,14 +7686,10 @@
             </a:pPr>
             <a:r>
               <a:rPr lang="ru"/>
-              <a:t>ignite-</a:t>
-            </a:r>
-            <a:r>
-              <a:rPr lang="ru"/>
-              <a:t>etcd --cert-file=</a:t>
-            </a:r>
-            <a:r>
-              <a:rPr b="1" lang="ru"/>
+              <a:t>ignite-etcd --cert-file=</a:t>
+            </a:r>
+            <a:r>
+              <a:rPr lang="ru" b="1"/>
               <a:t>ignite-etcd.crt</a:t>
             </a:r>
             <a:r>
@@ -7459,13 +7697,13 @@
               <a:t> --key-file=</a:t>
             </a:r>
             <a:r>
-              <a:rPr b="1" lang="ru"/>
+              <a:rPr lang="ru" b="1"/>
               <a:t>ignite-etcd.key</a:t>
             </a:r>
             <a:endParaRPr b="1"/>
           </a:p>
           <a:p>
-            <a:pPr indent="-317500" lvl="1" marL="914400" rtl="0" algn="l">
+            <a:pPr marL="914400" lvl="1" indent="-317500" algn="l" rtl="0">
               <a:spcBef>
                 <a:spcPts val="0"/>
               </a:spcBef>
@@ -7480,13 +7718,13 @@
               <a:t>kube-apisever --etcd-cafile </a:t>
             </a:r>
             <a:r>
-              <a:rPr b="1" lang="ru"/>
+              <a:rPr lang="ru" b="1"/>
               <a:t>public.crt</a:t>
             </a:r>
             <a:endParaRPr b="1"/>
           </a:p>
           <a:p>
-            <a:pPr indent="-342900" lvl="0" marL="457200" rtl="0" algn="l">
+            <a:pPr marL="457200" lvl="0" indent="-342900" algn="l" rtl="0">
               <a:spcBef>
                 <a:spcPts val="0"/>
               </a:spcBef>
@@ -7512,7 +7750,7 @@
             <a:endParaRPr/>
           </a:p>
           <a:p>
-            <a:pPr indent="-342900" lvl="0" marL="457200" rtl="0" algn="l">
+            <a:pPr marL="457200" lvl="0" indent="-342900" algn="l" rtl="0">
               <a:spcBef>
                 <a:spcPts val="0"/>
               </a:spcBef>
@@ -7524,15 +7762,7 @@
             </a:pPr>
             <a:r>
               <a:rPr lang="ru"/>
-              <a:t>Additional Transparent data </a:t>
-            </a:r>
-            <a:r>
-              <a:rPr lang="ru"/>
-              <a:t>encryption (TDE)</a:t>
-            </a:r>
-            <a:r>
-              <a:rPr lang="ru"/>
-              <a:t> is </a:t>
+              <a:t>Additional Transparent data encryption (TDE) is </a:t>
             </a:r>
             <a:r>
               <a:rPr lang="ru" u="sng">
@@ -7556,11 +7786,11 @@
 </file>
 
 <file path=ppt/slides/slide7.xml><?xml version="1.0" encoding="utf-8"?>
-<p:sld xmlns:a="http://schemas.openxmlformats.org/drawingml/2006/main" xmlns:r="http://schemas.openxmlformats.org/officeDocument/2006/relationships" xmlns:mc="http://schemas.openxmlformats.org/markup-compatibility/2006" xmlns:mv="urn:schemas-microsoft-com:mac:vml" xmlns:p="http://schemas.openxmlformats.org/presentationml/2006/main" xmlns:c="http://schemas.openxmlformats.org/drawingml/2006/chart" xmlns:dgm="http://schemas.openxmlformats.org/drawingml/2006/diagram" xmlns:o="urn:schemas-microsoft-com:office:office" xmlns:v="urn:schemas-microsoft-com:vml" xmlns:pvml="urn:schemas-microsoft-com:office:powerpoint" xmlns:com="http://schemas.openxmlformats.org/drawingml/2006/compatibility" xmlns:p14="http://schemas.microsoft.com/office/powerpoint/2010/main" xmlns:p15="http://schemas.microsoft.com/office/powerpoint/2012/main" xmlns:ahyp="http://schemas.microsoft.com/office/drawing/2018/hyperlinkcolor">
+<p:sld xmlns:a="http://schemas.openxmlformats.org/drawingml/2006/main" xmlns:r="http://schemas.openxmlformats.org/officeDocument/2006/relationships" xmlns:p="http://schemas.openxmlformats.org/presentationml/2006/main">
   <p:cSld>
     <p:spTree>
       <p:nvGrpSpPr>
-        <p:cNvPr id="90" name="Shape 90"/>
+        <p:cNvPr id="1" name="Shape 90"/>
         <p:cNvGrpSpPr/>
         <p:nvPr/>
       </p:nvGrpSpPr>
@@ -7575,7 +7805,9 @@
       <p:sp>
         <p:nvSpPr>
           <p:cNvPr id="91" name="Google Shape;91;p19"/>
-          <p:cNvSpPr txBox="1"/>
+          <p:cNvSpPr txBox="1">
+            <a:spLocks noGrp="1"/>
+          </p:cNvSpPr>
           <p:nvPr>
             <p:ph type="title"/>
           </p:nvPr>
@@ -7590,12 +7822,12 @@
           </a:prstGeom>
         </p:spPr>
         <p:txBody>
-          <a:bodyPr anchorCtr="0" anchor="t" bIns="91425" lIns="91425" spcFirstLastPara="1" rIns="91425" wrap="square" tIns="91425">
+          <a:bodyPr spcFirstLastPara="1" wrap="square" lIns="91425" tIns="91425" rIns="91425" bIns="91425" anchor="t" anchorCtr="0">
             <a:normAutofit fontScale="90000"/>
           </a:bodyPr>
           <a:lstStyle/>
           <a:p>
-            <a:pPr indent="0" lvl="0" marL="0" rtl="0" algn="l">
+            <a:pPr marL="0" lvl="0" indent="0" algn="l" rtl="0">
               <a:spcBef>
                 <a:spcPts val="0"/>
               </a:spcBef>
@@ -7615,9 +7847,11 @@
       <p:sp>
         <p:nvSpPr>
           <p:cNvPr id="92" name="Google Shape;92;p19"/>
-          <p:cNvSpPr txBox="1"/>
+          <p:cNvSpPr txBox="1">
+            <a:spLocks noGrp="1"/>
+          </p:cNvSpPr>
           <p:nvPr>
-            <p:ph idx="1" type="body"/>
+            <p:ph type="body" idx="1"/>
           </p:nvPr>
         </p:nvSpPr>
         <p:spPr>
@@ -7630,12 +7864,12 @@
           </a:prstGeom>
         </p:spPr>
         <p:txBody>
-          <a:bodyPr anchorCtr="0" anchor="t" bIns="91425" lIns="91425" spcFirstLastPara="1" rIns="91425" wrap="square" tIns="91425">
+          <a:bodyPr spcFirstLastPara="1" wrap="square" lIns="91425" tIns="91425" rIns="91425" bIns="91425" anchor="t" anchorCtr="0">
             <a:normAutofit/>
           </a:bodyPr>
           <a:lstStyle/>
           <a:p>
-            <a:pPr indent="0" lvl="0" marL="0" rtl="0" algn="l">
+            <a:pPr marL="0" lvl="0" indent="0" algn="l" rtl="0">
               <a:spcBef>
                 <a:spcPts val="0"/>
               </a:spcBef>
@@ -7645,11 +7879,11 @@
               <a:buNone/>
             </a:pPr>
             <a:r>
-              <a:rPr lang="ru"/>
+              <a:rPr lang="ru" dirty="0"/>
               <a:t>Full etcd metrics compatibility (</a:t>
             </a:r>
             <a:r>
-              <a:rPr lang="ru" u="sng">
+              <a:rPr lang="ru" u="sng" dirty="0">
                 <a:solidFill>
                   <a:schemeClr val="hlink"/>
                 </a:solidFill>
@@ -7658,13 +7892,13 @@
               <a:t>see the metrics list</a:t>
             </a:r>
             <a:r>
-              <a:rPr lang="ru"/>
+              <a:rPr lang="ru" dirty="0"/>
               <a:t>)</a:t>
             </a:r>
-            <a:endParaRPr/>
-          </a:p>
-          <a:p>
-            <a:pPr indent="-342900" lvl="0" marL="457200" rtl="0" algn="l">
+            <a:endParaRPr dirty="0"/>
+          </a:p>
+          <a:p>
+            <a:pPr marL="457200" lvl="0" indent="-342900" algn="l" rtl="0">
               <a:spcBef>
                 <a:spcPts val="1200"/>
               </a:spcBef>
@@ -7675,18 +7909,18 @@
               <a:buChar char="●"/>
             </a:pPr>
             <a:r>
-              <a:rPr lang="ru"/>
+              <a:rPr lang="ru" dirty="0"/>
               <a:t>HTTP </a:t>
             </a:r>
             <a:r>
-              <a:rPr b="1" lang="ru"/>
+              <a:rPr lang="ru" b="1" dirty="0"/>
               <a:t>/metrics</a:t>
             </a:r>
             <a:r>
-              <a:rPr lang="ru"/>
+              <a:rPr lang="ru" dirty="0"/>
               <a:t> endpoint provides metrics in Prometheus format</a:t>
             </a:r>
-            <a:endParaRPr/>
+            <a:endParaRPr dirty="0"/>
           </a:p>
         </p:txBody>
       </p:sp>
@@ -7699,11 +7933,11 @@
 </file>
 
 <file path=ppt/slides/slide8.xml><?xml version="1.0" encoding="utf-8"?>
-<p:sld xmlns:a="http://schemas.openxmlformats.org/drawingml/2006/main" xmlns:r="http://schemas.openxmlformats.org/officeDocument/2006/relationships" xmlns:mc="http://schemas.openxmlformats.org/markup-compatibility/2006" xmlns:mv="urn:schemas-microsoft-com:mac:vml" xmlns:p="http://schemas.openxmlformats.org/presentationml/2006/main" xmlns:c="http://schemas.openxmlformats.org/drawingml/2006/chart" xmlns:dgm="http://schemas.openxmlformats.org/drawingml/2006/diagram" xmlns:o="urn:schemas-microsoft-com:office:office" xmlns:v="urn:schemas-microsoft-com:vml" xmlns:pvml="urn:schemas-microsoft-com:office:powerpoint" xmlns:com="http://schemas.openxmlformats.org/drawingml/2006/compatibility" xmlns:p14="http://schemas.microsoft.com/office/powerpoint/2010/main" xmlns:p15="http://schemas.microsoft.com/office/powerpoint/2012/main" xmlns:ahyp="http://schemas.microsoft.com/office/drawing/2018/hyperlinkcolor">
+<p:sld xmlns:a="http://schemas.openxmlformats.org/drawingml/2006/main" xmlns:r="http://schemas.openxmlformats.org/officeDocument/2006/relationships" xmlns:p="http://schemas.openxmlformats.org/presentationml/2006/main">
   <p:cSld>
     <p:spTree>
       <p:nvGrpSpPr>
-        <p:cNvPr id="96" name="Shape 96"/>
+        <p:cNvPr id="1" name="Shape 102"/>
         <p:cNvGrpSpPr/>
         <p:nvPr/>
       </p:nvGrpSpPr>
@@ -7717,8 +7951,10 @@
       </p:grpSpPr>
       <p:sp>
         <p:nvSpPr>
-          <p:cNvPr id="97" name="Google Shape;97;p20"/>
-          <p:cNvSpPr txBox="1"/>
+          <p:cNvPr id="103" name="Google Shape;103;p21"/>
+          <p:cNvSpPr txBox="1">
+            <a:spLocks noGrp="1"/>
+          </p:cNvSpPr>
           <p:nvPr>
             <p:ph type="title"/>
           </p:nvPr>
@@ -7733,12 +7969,12 @@
           </a:prstGeom>
         </p:spPr>
         <p:txBody>
-          <a:bodyPr anchorCtr="0" anchor="t" bIns="91425" lIns="91425" spcFirstLastPara="1" rIns="91425" wrap="square" tIns="91425">
+          <a:bodyPr spcFirstLastPara="1" wrap="square" lIns="91425" tIns="91425" rIns="91425" bIns="91425" anchor="t" anchorCtr="0">
             <a:normAutofit fontScale="90000"/>
           </a:bodyPr>
           <a:lstStyle/>
           <a:p>
-            <a:pPr indent="0" lvl="0" marL="0" rtl="0" algn="l">
+            <a:pPr marL="0" lvl="0" indent="0" algn="l" rtl="0">
               <a:spcBef>
                 <a:spcPts val="0"/>
               </a:spcBef>
@@ -7748,132 +7984,25 @@
               <a:buNone/>
             </a:pPr>
             <a:r>
-              <a:rPr lang="ru"/>
-              <a:t>Performance &amp; Throughput</a:t>
-            </a:r>
-            <a:endParaRPr/>
-          </a:p>
-        </p:txBody>
-      </p:sp>
-      <p:sp>
-        <p:nvSpPr>
-          <p:cNvPr id="98" name="Google Shape;98;p20"/>
-          <p:cNvSpPr txBox="1"/>
-          <p:nvPr>
-            <p:ph idx="1" type="body"/>
-          </p:nvPr>
-        </p:nvSpPr>
-        <p:spPr>
-          <a:xfrm>
-            <a:off x="311700" y="1152475"/>
-            <a:ext cx="8520600" cy="3416400"/>
-          </a:xfrm>
-          <a:prstGeom prst="rect">
-            <a:avLst/>
-          </a:prstGeom>
-        </p:spPr>
-        <p:txBody>
-          <a:bodyPr anchorCtr="0" anchor="t" bIns="91425" lIns="91425" spcFirstLastPara="1" rIns="91425" wrap="square" tIns="91425">
-            <a:normAutofit/>
-          </a:bodyPr>
-          <a:lstStyle/>
-          <a:p>
-            <a:pPr indent="0" lvl="0" marL="0" rtl="0" algn="l">
-              <a:spcBef>
-                <a:spcPts val="0"/>
-              </a:spcBef>
-              <a:spcAft>
-                <a:spcPts val="1200"/>
-              </a:spcAft>
-              <a:buNone/>
-            </a:pPr>
-            <a:r>
-              <a:rPr b="1" lang="ru">
-                <a:solidFill>
-                  <a:srgbClr val="FF0000"/>
-                </a:solidFill>
-              </a:rPr>
-              <a:t>TODO</a:t>
-            </a:r>
-            <a:r>
-              <a:rPr lang="ru"/>
-              <a:t>: Kubemark density and load tests with 15K pods PASS (see the report)</a:t>
-            </a:r>
-            <a:endParaRPr/>
-          </a:p>
-        </p:txBody>
-      </p:sp>
-    </p:spTree>
-  </p:cSld>
-  <p:clrMapOvr>
-    <a:masterClrMapping/>
-  </p:clrMapOvr>
-</p:sld>
-</file>
-
-<file path=ppt/slides/slide9.xml><?xml version="1.0" encoding="utf-8"?>
-<p:sld xmlns:a="http://schemas.openxmlformats.org/drawingml/2006/main" xmlns:r="http://schemas.openxmlformats.org/officeDocument/2006/relationships" xmlns:mc="http://schemas.openxmlformats.org/markup-compatibility/2006" xmlns:mv="urn:schemas-microsoft-com:mac:vml" xmlns:p="http://schemas.openxmlformats.org/presentationml/2006/main" xmlns:c="http://schemas.openxmlformats.org/drawingml/2006/chart" xmlns:dgm="http://schemas.openxmlformats.org/drawingml/2006/diagram" xmlns:o="urn:schemas-microsoft-com:office:office" xmlns:v="urn:schemas-microsoft-com:vml" xmlns:pvml="urn:schemas-microsoft-com:office:powerpoint" xmlns:com="http://schemas.openxmlformats.org/drawingml/2006/compatibility" xmlns:p14="http://schemas.microsoft.com/office/powerpoint/2010/main" xmlns:p15="http://schemas.microsoft.com/office/powerpoint/2012/main" xmlns:ahyp="http://schemas.microsoft.com/office/drawing/2018/hyperlinkcolor">
-  <p:cSld>
-    <p:spTree>
-      <p:nvGrpSpPr>
-        <p:cNvPr id="102" name="Shape 102"/>
-        <p:cNvGrpSpPr/>
-        <p:nvPr/>
-      </p:nvGrpSpPr>
-      <p:grpSpPr>
-        <a:xfrm>
-          <a:off x="0" y="0"/>
-          <a:ext cx="0" cy="0"/>
-          <a:chOff x="0" y="0"/>
-          <a:chExt cx="0" cy="0"/>
-        </a:xfrm>
-      </p:grpSpPr>
-      <p:sp>
-        <p:nvSpPr>
-          <p:cNvPr id="103" name="Google Shape;103;p21"/>
-          <p:cNvSpPr txBox="1"/>
-          <p:nvPr>
-            <p:ph type="title"/>
-          </p:nvPr>
-        </p:nvSpPr>
-        <p:spPr>
-          <a:xfrm>
-            <a:off x="311700" y="445025"/>
-            <a:ext cx="8520600" cy="572700"/>
-          </a:xfrm>
-          <a:prstGeom prst="rect">
-            <a:avLst/>
-          </a:prstGeom>
-        </p:spPr>
-        <p:txBody>
-          <a:bodyPr anchorCtr="0" anchor="t" bIns="91425" lIns="91425" spcFirstLastPara="1" rIns="91425" wrap="square" tIns="91425">
-            <a:normAutofit fontScale="90000"/>
-          </a:bodyPr>
-          <a:lstStyle/>
-          <a:p>
-            <a:pPr indent="0" lvl="0" marL="0" rtl="0" algn="l">
-              <a:spcBef>
-                <a:spcPts val="0"/>
-              </a:spcBef>
-              <a:spcAft>
-                <a:spcPts val="0"/>
-              </a:spcAft>
-              <a:buNone/>
-            </a:pPr>
-            <a:r>
-              <a:rPr lang="ru"/>
-              <a:t>Horizontal Scalability: Kubemark Density Tests</a:t>
-            </a:r>
-            <a:endParaRPr/>
+              <a:rPr lang="en-US" dirty="0"/>
+              <a:t>Proof-of-Concept: </a:t>
+            </a:r>
+            <a:r>
+              <a:rPr lang="ru" dirty="0"/>
+              <a:t>Horizontal Scalability</a:t>
+            </a:r>
+            <a:endParaRPr dirty="0"/>
           </a:p>
         </p:txBody>
       </p:sp>
       <p:sp>
         <p:nvSpPr>
           <p:cNvPr id="104" name="Google Shape;104;p21"/>
-          <p:cNvSpPr txBox="1"/>
+          <p:cNvSpPr txBox="1">
+            <a:spLocks noGrp="1"/>
+          </p:cNvSpPr>
           <p:nvPr>
-            <p:ph idx="1" type="body"/>
+            <p:ph type="body" idx="1"/>
           </p:nvPr>
         </p:nvSpPr>
         <p:spPr>
@@ -7886,12 +8015,12 @@
           </a:prstGeom>
         </p:spPr>
         <p:txBody>
-          <a:bodyPr anchorCtr="0" anchor="t" bIns="91425" lIns="91425" spcFirstLastPara="1" rIns="91425" wrap="square" tIns="91425">
-            <a:normAutofit fontScale="85000" lnSpcReduction="20000"/>
+          <a:bodyPr spcFirstLastPara="1" wrap="square" lIns="91425" tIns="91425" rIns="91425" bIns="91425" anchor="t" anchorCtr="0">
+            <a:normAutofit fontScale="70000" lnSpcReduction="20000"/>
           </a:bodyPr>
           <a:lstStyle/>
           <a:p>
-            <a:pPr indent="0" lvl="0" marL="0" rtl="0" algn="l">
+            <a:pPr marL="0" lvl="0" indent="0" algn="l" rtl="0">
               <a:spcBef>
                 <a:spcPts val="0"/>
               </a:spcBef>
@@ -7901,7 +8030,7 @@
               <a:buNone/>
             </a:pPr>
             <a:r>
-              <a:rPr lang="ru" u="sng">
+              <a:rPr lang="ru" u="sng" dirty="0">
                 <a:solidFill>
                   <a:schemeClr val="hlink"/>
                 </a:solidFill>
@@ -7910,11 +8039,11 @@
               <a:t>See report</a:t>
             </a:r>
             <a:r>
-              <a:rPr lang="ru"/>
+              <a:rPr lang="ru" dirty="0"/>
               <a:t>	                         </a:t>
             </a:r>
             <a:r>
-              <a:rPr lang="ru" u="sng">
+              <a:rPr lang="ru" u="sng" dirty="0">
                 <a:solidFill>
                   <a:schemeClr val="hlink"/>
                 </a:solidFill>
@@ -7923,11 +8052,11 @@
               <a:t>See report</a:t>
             </a:r>
             <a:r>
-              <a:rPr lang="ru"/>
+              <a:rPr lang="ru" dirty="0"/>
               <a:t>                           </a:t>
             </a:r>
             <a:r>
-              <a:rPr lang="ru" u="sng">
+              <a:rPr lang="ru" u="sng" dirty="0">
                 <a:solidFill>
                   <a:schemeClr val="hlink"/>
                 </a:solidFill>
@@ -7935,10 +8064,10 @@
               </a:rPr>
               <a:t>See report</a:t>
             </a:r>
-            <a:endParaRPr/>
-          </a:p>
-          <a:p>
-            <a:pPr indent="-325755" lvl="0" marL="457200" rtl="0" algn="l">
+            <a:endParaRPr dirty="0"/>
+          </a:p>
+          <a:p>
+            <a:pPr marL="457200" lvl="0" indent="-325755" algn="l" rtl="0">
               <a:spcBef>
                 <a:spcPts val="1200"/>
               </a:spcBef>
@@ -7949,15 +8078,15 @@
               <a:buChar char="●"/>
             </a:pPr>
             <a:r>
-              <a:rPr lang="ru"/>
-              <a:t>Native etcd limited with 4Gi/400m resources fails</a:t>
-            </a:r>
-            <a:endParaRPr/>
-          </a:p>
-          <a:p>
-            <a:pPr indent="-325755" lvl="0" marL="457200" rtl="0" algn="l">
-              <a:spcBef>
-                <a:spcPts val="0"/>
+              <a:rPr lang="ru" sz="2000" dirty="0"/>
+              <a:t>Kubemark Density Tests</a:t>
+            </a:r>
+            <a:endParaRPr lang="en-US" sz="2000" dirty="0"/>
+          </a:p>
+          <a:p>
+            <a:pPr marL="457200" lvl="0" indent="-325755" algn="l" rtl="0">
+              <a:spcBef>
+                <a:spcPts val="1200"/>
               </a:spcBef>
               <a:spcAft>
                 <a:spcPts val="0"/>
@@ -7966,13 +8095,30 @@
               <a:buChar char="●"/>
             </a:pPr>
             <a:r>
-              <a:rPr lang="ru"/>
+              <a:rPr lang="ru" sz="2000" dirty="0"/>
+              <a:t>Native etcd limited with 4Gi/400m resources fails</a:t>
+            </a:r>
+            <a:endParaRPr lang="en-US" sz="2000" dirty="0"/>
+          </a:p>
+          <a:p>
+            <a:pPr marL="457200" lvl="0" indent="-325755" algn="l" rtl="0">
+              <a:spcBef>
+                <a:spcPts val="1200"/>
+              </a:spcBef>
+              <a:spcAft>
+                <a:spcPts val="0"/>
+              </a:spcAft>
+              <a:buSzPct val="100000"/>
+              <a:buChar char="●"/>
+            </a:pPr>
+            <a:r>
+              <a:rPr lang="ru" sz="2000" dirty="0"/>
               <a:t>3-nodes of the same size Ignite-etcd passes</a:t>
             </a:r>
-            <a:endParaRPr/>
-          </a:p>
-          <a:p>
-            <a:pPr indent="0" lvl="0" marL="0" rtl="0" algn="l">
+            <a:endParaRPr sz="2000" dirty="0"/>
+          </a:p>
+          <a:p>
+            <a:pPr marL="0" lvl="0" indent="0" algn="l" rtl="0">
               <a:spcBef>
                 <a:spcPts val="1200"/>
               </a:spcBef>
@@ -7981,10 +8127,7 @@
               </a:spcAft>
               <a:buNone/>
             </a:pPr>
-            <a:r>
-              <a:t/>
-            </a:r>
-            <a:endParaRPr/>
+            <a:endParaRPr dirty="0"/>
           </a:p>
         </p:txBody>
       </p:sp>
@@ -8024,8 +8167,242 @@
 </p:sld>
 </file>
 
+<file path=ppt/slides/slide9.xml><?xml version="1.0" encoding="utf-8"?>
+<p:sld xmlns:a="http://schemas.openxmlformats.org/drawingml/2006/main" xmlns:r="http://schemas.openxmlformats.org/officeDocument/2006/relationships" xmlns:p="http://schemas.openxmlformats.org/presentationml/2006/main">
+  <p:cSld>
+    <p:spTree>
+      <p:nvGrpSpPr>
+        <p:cNvPr id="1" name=""/>
+        <p:cNvGrpSpPr/>
+        <p:nvPr/>
+      </p:nvGrpSpPr>
+      <p:grpSpPr>
+        <a:xfrm>
+          <a:off x="0" y="0"/>
+          <a:ext cx="0" cy="0"/>
+          <a:chOff x="0" y="0"/>
+          <a:chExt cx="0" cy="0"/>
+        </a:xfrm>
+      </p:grpSpPr>
+      <p:sp>
+        <p:nvSpPr>
+          <p:cNvPr id="2" name="Заголовок 1">
+            <a:extLst>
+              <a:ext uri="{FF2B5EF4-FFF2-40B4-BE49-F238E27FC236}">
+                <a16:creationId xmlns:a16="http://schemas.microsoft.com/office/drawing/2014/main" id="{988F6156-AEBD-980D-C78B-F97482405F3A}"/>
+              </a:ext>
+            </a:extLst>
+          </p:cNvPr>
+          <p:cNvSpPr>
+            <a:spLocks noGrp="1"/>
+          </p:cNvSpPr>
+          <p:nvPr>
+            <p:ph type="title"/>
+          </p:nvPr>
+        </p:nvSpPr>
+        <p:spPr/>
+        <p:txBody>
+          <a:bodyPr>
+            <a:normAutofit fontScale="90000"/>
+          </a:bodyPr>
+          <a:lstStyle/>
+          <a:p>
+            <a:r>
+              <a:rPr lang="en-US" dirty="0"/>
+              <a:t>Problems and Considerations</a:t>
+            </a:r>
+            <a:endParaRPr lang="ru-RU" dirty="0"/>
+          </a:p>
+        </p:txBody>
+      </p:sp>
+      <p:sp>
+        <p:nvSpPr>
+          <p:cNvPr id="3" name="Текст 2">
+            <a:extLst>
+              <a:ext uri="{FF2B5EF4-FFF2-40B4-BE49-F238E27FC236}">
+                <a16:creationId xmlns:a16="http://schemas.microsoft.com/office/drawing/2014/main" id="{FB6824E3-F7DA-B0F9-4A4A-321F4FBFC0BD}"/>
+              </a:ext>
+            </a:extLst>
+          </p:cNvPr>
+          <p:cNvSpPr>
+            <a:spLocks noGrp="1"/>
+          </p:cNvSpPr>
+          <p:nvPr>
+            <p:ph type="body" idx="1"/>
+          </p:nvPr>
+        </p:nvSpPr>
+        <p:spPr/>
+        <p:txBody>
+          <a:bodyPr/>
+          <a:lstStyle/>
+          <a:p>
+            <a:r>
+              <a:rPr lang="en-US" b="0" i="0" dirty="0">
+                <a:solidFill>
+                  <a:srgbClr val="24292F"/>
+                </a:solidFill>
+                <a:effectLst/>
+                <a:latin typeface="-apple-system"/>
+                <a:hlinkClick r:id="rId2"/>
+              </a:rPr>
+              <a:t>PUT not atomic</a:t>
+            </a:r>
+            <a:endParaRPr lang="en-US" b="0" i="0" dirty="0">
+              <a:solidFill>
+                <a:srgbClr val="24292F"/>
+              </a:solidFill>
+              <a:effectLst/>
+              <a:latin typeface="-apple-system"/>
+            </a:endParaRPr>
+          </a:p>
+          <a:p>
+            <a:pPr lvl="1"/>
+            <a:r>
+              <a:rPr lang="en-US" dirty="0">
+                <a:solidFill>
+                  <a:srgbClr val="24292F"/>
+                </a:solidFill>
+                <a:latin typeface="+mn-lt"/>
+              </a:rPr>
+              <a:t>Ignite SQL is not transactional</a:t>
+            </a:r>
+          </a:p>
+          <a:p>
+            <a:pPr lvl="1"/>
+            <a:r>
+              <a:rPr lang="en-US" b="0" i="0" dirty="0">
+                <a:solidFill>
+                  <a:srgbClr val="24292F"/>
+                </a:solidFill>
+                <a:effectLst/>
+                <a:latin typeface="+mn-lt"/>
+              </a:rPr>
+              <a:t>Ignite-</a:t>
+            </a:r>
+            <a:r>
+              <a:rPr lang="en-US" b="0" i="0" dirty="0" err="1">
+                <a:solidFill>
+                  <a:srgbClr val="24292F"/>
+                </a:solidFill>
+                <a:effectLst/>
+                <a:latin typeface="+mn-lt"/>
+              </a:rPr>
+              <a:t>etcd</a:t>
+            </a:r>
+            <a:r>
+              <a:rPr lang="en-US" b="0" i="0" dirty="0">
+                <a:solidFill>
+                  <a:srgbClr val="24292F"/>
+                </a:solidFill>
+                <a:effectLst/>
+                <a:latin typeface="+mn-lt"/>
+              </a:rPr>
+              <a:t> uses K/V whenever possible. However, it is too much effort</a:t>
+            </a:r>
+            <a:r>
+              <a:rPr lang="en-US" dirty="0">
+                <a:solidFill>
+                  <a:srgbClr val="24292F"/>
+                </a:solidFill>
+                <a:latin typeface="+mn-lt"/>
+              </a:rPr>
+              <a:t> to get rid of SQL completely</a:t>
+            </a:r>
+          </a:p>
+          <a:p>
+            <a:pPr lvl="1"/>
+            <a:r>
+              <a:rPr lang="en-US" b="0" i="0" dirty="0">
+                <a:solidFill>
+                  <a:srgbClr val="24292F"/>
+                </a:solidFill>
+                <a:effectLst/>
+                <a:latin typeface="+mn-lt"/>
+              </a:rPr>
+              <a:t>Need to wait for Ignite </a:t>
+            </a:r>
+            <a:r>
+              <a:rPr lang="en-US" dirty="0">
+                <a:solidFill>
+                  <a:srgbClr val="24292F"/>
+                </a:solidFill>
+                <a:latin typeface="+mn-lt"/>
+              </a:rPr>
+              <a:t>3 (2023), which will have transactional SQL (based on Calcite).</a:t>
+            </a:r>
+            <a:endParaRPr lang="en-US" b="0" i="0" dirty="0">
+              <a:solidFill>
+                <a:srgbClr val="24292F"/>
+              </a:solidFill>
+              <a:effectLst/>
+              <a:latin typeface="+mn-lt"/>
+            </a:endParaRPr>
+          </a:p>
+          <a:p>
+            <a:r>
+              <a:rPr lang="en-US" dirty="0"/>
+              <a:t>Real </a:t>
+            </a:r>
+            <a:r>
+              <a:rPr lang="ru" dirty="0"/>
+              <a:t>Performance &amp; Throughput</a:t>
+            </a:r>
+            <a:r>
+              <a:rPr lang="en-US" dirty="0"/>
+              <a:t> tests</a:t>
+            </a:r>
+          </a:p>
+          <a:p>
+            <a:pPr lvl="1"/>
+            <a:r>
+              <a:rPr lang="en-US" b="1" dirty="0">
+                <a:solidFill>
+                  <a:srgbClr val="FF0000"/>
+                </a:solidFill>
+              </a:rPr>
+              <a:t>TODO</a:t>
+            </a:r>
+            <a:r>
+              <a:rPr lang="en-US" dirty="0"/>
+              <a:t>: </a:t>
+            </a:r>
+            <a:r>
+              <a:rPr lang="en-US" dirty="0" err="1"/>
+              <a:t>Kubemark</a:t>
+            </a:r>
+            <a:r>
+              <a:rPr lang="en-US" dirty="0"/>
+              <a:t> density and load tests with 15K pods PASS (see the report)</a:t>
+            </a:r>
+            <a:endParaRPr lang="en-US" b="0" i="0" dirty="0">
+              <a:solidFill>
+                <a:srgbClr val="24292F"/>
+              </a:solidFill>
+              <a:effectLst/>
+              <a:latin typeface="-apple-system"/>
+            </a:endParaRPr>
+          </a:p>
+          <a:p>
+            <a:pPr lvl="1"/>
+            <a:endParaRPr lang="ru-RU" dirty="0"/>
+          </a:p>
+        </p:txBody>
+      </p:sp>
+    </p:spTree>
+    <p:extLst>
+      <p:ext uri="{BB962C8B-B14F-4D97-AF65-F5344CB8AC3E}">
+        <p14:creationId xmlns:p14="http://schemas.microsoft.com/office/powerpoint/2010/main" val="2593930709"/>
+      </p:ext>
+    </p:extLst>
+  </p:cSld>
+  <p:clrMapOvr>
+    <a:masterClrMapping/>
+  </p:clrMapOvr>
+</p:sld>
+</file>
+
 <file path=ppt/theme/theme1.xml><?xml version="1.0" encoding="utf-8"?>
-<a:theme xmlns:a="http://schemas.openxmlformats.org/drawingml/2006/main" xmlns:r="http://schemas.openxmlformats.org/officeDocument/2006/relationships" name="Simple Light">
+<a:theme xmlns:a="http://schemas.openxmlformats.org/drawingml/2006/main" name="Simple Light">
   <a:themeElements>
     <a:clrScheme name="Simple Light">
       <a:dk1>
@@ -8300,11 +8677,13 @@
       </a:bgFillStyleLst>
     </a:fmtScheme>
   </a:themeElements>
+  <a:objectDefaults/>
+  <a:extraClrSchemeLst/>
 </a:theme>
 </file>
 
 <file path=ppt/theme/theme2.xml><?xml version="1.0" encoding="utf-8"?>
-<a:theme xmlns:a="http://schemas.openxmlformats.org/drawingml/2006/main" xmlns:r="http://schemas.openxmlformats.org/officeDocument/2006/relationships">
+<a:theme xmlns:a="http://schemas.openxmlformats.org/drawingml/2006/main">
   <a:themeElements>
     <a:clrScheme name="Default">
       <a:dk1>
@@ -8579,5 +8958,7 @@
       </a:bgFillStyleLst>
     </a:fmtScheme>
   </a:themeElements>
+  <a:objectDefaults/>
+  <a:extraClrSchemeLst/>
 </a:theme>
 </file>